--- a/Notes and Slides/CIS399Wk2Day3a-Themes+Styles.pptx
+++ b/Notes and Slides/CIS399Wk2Day3a-Themes+Styles.pptx
@@ -120,7 +120,7 @@
   </p:defaultTextStyle>
   <p:extLst>
     <p:ext uri="{EFAFB233-063F-42B5-8137-9DF3F51BA10A}">
-      <p15:sldGuideLst xmlns="" xmlns:p15="http://schemas.microsoft.com/office/powerpoint/2012/main">
+      <p15:sldGuideLst xmlns:p15="http://schemas.microsoft.com/office/powerpoint/2012/main">
         <p15:guide id="1" orient="horz" pos="2160">
           <p15:clr>
             <a:srgbClr val="A4A3A4"/>
@@ -219,7 +219,7 @@
           <a:p>
             <a:fld id="{1FC32AA1-1225-9048-80C3-2B6F58548154}" type="datetimeFigureOut">
               <a:rPr lang="en-US" smtClean="0"/>
-              <a:t>6/28/16</a:t>
+              <a:t>7/6/17</a:t>
             </a:fld>
             <a:endParaRPr lang="en-US"/>
           </a:p>
@@ -1060,7 +1060,7 @@
           <a:p>
             <a:fld id="{12110144-19AD-4D4E-902D-E18AF93089D3}" type="datetimeFigureOut">
               <a:rPr lang="en-US" smtClean="0"/>
-              <a:t>6/28/16</a:t>
+              <a:t>7/6/17</a:t>
             </a:fld>
             <a:endParaRPr lang="en-US"/>
           </a:p>
@@ -1230,7 +1230,7 @@
           <a:p>
             <a:fld id="{12110144-19AD-4D4E-902D-E18AF93089D3}" type="datetimeFigureOut">
               <a:rPr lang="en-US" smtClean="0"/>
-              <a:t>6/28/16</a:t>
+              <a:t>7/6/17</a:t>
             </a:fld>
             <a:endParaRPr lang="en-US"/>
           </a:p>
@@ -1410,7 +1410,7 @@
           <a:p>
             <a:fld id="{12110144-19AD-4D4E-902D-E18AF93089D3}" type="datetimeFigureOut">
               <a:rPr lang="en-US" smtClean="0"/>
-              <a:t>6/28/16</a:t>
+              <a:t>7/6/17</a:t>
             </a:fld>
             <a:endParaRPr lang="en-US"/>
           </a:p>
@@ -1580,7 +1580,7 @@
           <a:p>
             <a:fld id="{12110144-19AD-4D4E-902D-E18AF93089D3}" type="datetimeFigureOut">
               <a:rPr lang="en-US" smtClean="0"/>
-              <a:t>6/28/16</a:t>
+              <a:t>7/6/17</a:t>
             </a:fld>
             <a:endParaRPr lang="en-US"/>
           </a:p>
@@ -1826,7 +1826,7 @@
           <a:p>
             <a:fld id="{12110144-19AD-4D4E-902D-E18AF93089D3}" type="datetimeFigureOut">
               <a:rPr lang="en-US" smtClean="0"/>
-              <a:t>6/28/16</a:t>
+              <a:t>7/6/17</a:t>
             </a:fld>
             <a:endParaRPr lang="en-US"/>
           </a:p>
@@ -2114,7 +2114,7 @@
           <a:p>
             <a:fld id="{12110144-19AD-4D4E-902D-E18AF93089D3}" type="datetimeFigureOut">
               <a:rPr lang="en-US" smtClean="0"/>
-              <a:t>6/28/16</a:t>
+              <a:t>7/6/17</a:t>
             </a:fld>
             <a:endParaRPr lang="en-US"/>
           </a:p>
@@ -2536,7 +2536,7 @@
           <a:p>
             <a:fld id="{12110144-19AD-4D4E-902D-E18AF93089D3}" type="datetimeFigureOut">
               <a:rPr lang="en-US" smtClean="0"/>
-              <a:t>6/28/16</a:t>
+              <a:t>7/6/17</a:t>
             </a:fld>
             <a:endParaRPr lang="en-US"/>
           </a:p>
@@ -2654,7 +2654,7 @@
           <a:p>
             <a:fld id="{12110144-19AD-4D4E-902D-E18AF93089D3}" type="datetimeFigureOut">
               <a:rPr lang="en-US" smtClean="0"/>
-              <a:t>6/28/16</a:t>
+              <a:t>7/6/17</a:t>
             </a:fld>
             <a:endParaRPr lang="en-US"/>
           </a:p>
@@ -2749,7 +2749,7 @@
           <a:p>
             <a:fld id="{12110144-19AD-4D4E-902D-E18AF93089D3}" type="datetimeFigureOut">
               <a:rPr lang="en-US" smtClean="0"/>
-              <a:t>6/28/16</a:t>
+              <a:t>7/6/17</a:t>
             </a:fld>
             <a:endParaRPr lang="en-US"/>
           </a:p>
@@ -3026,7 +3026,7 @@
           <a:p>
             <a:fld id="{12110144-19AD-4D4E-902D-E18AF93089D3}" type="datetimeFigureOut">
               <a:rPr lang="en-US" smtClean="0"/>
-              <a:t>6/28/16</a:t>
+              <a:t>7/6/17</a:t>
             </a:fld>
             <a:endParaRPr lang="en-US"/>
           </a:p>
@@ -3279,7 +3279,7 @@
           <a:p>
             <a:fld id="{12110144-19AD-4D4E-902D-E18AF93089D3}" type="datetimeFigureOut">
               <a:rPr lang="en-US" smtClean="0"/>
-              <a:t>6/28/16</a:t>
+              <a:t>7/6/17</a:t>
             </a:fld>
             <a:endParaRPr lang="en-US"/>
           </a:p>
@@ -3510,7 +3510,7 @@
           <a:p>
             <a:fld id="{12110144-19AD-4D4E-902D-E18AF93089D3}" type="datetimeFigureOut">
               <a:rPr lang="en-US" smtClean="0"/>
-              <a:t>6/28/16</a:t>
+              <a:t>7/6/17</a:t>
             </a:fld>
             <a:endParaRPr lang="en-US"/>
           </a:p>
@@ -4355,14 +4355,14 @@
             <p:ph sz="half" idx="1"/>
             <p:extLst>
               <p:ext uri="{D42A27DB-BD31-4B8C-83A1-F6EECF244321}">
-                <p14:modId xmlns:p14="http://schemas.microsoft.com/office/powerpoint/2010/main" val="679392356"/>
+                <p14:modId xmlns:p14="http://schemas.microsoft.com/office/powerpoint/2010/main" val="1332717715"/>
               </p:ext>
             </p:extLst>
           </p:nvPr>
         </p:nvGraphicFramePr>
         <p:xfrm>
           <a:off x="457200" y="1600200"/>
-          <a:ext cx="3811200" cy="5152683"/>
+          <a:ext cx="3811200" cy="4725964"/>
         </p:xfrm>
         <a:graphic>
           <a:graphicData uri="http://schemas.openxmlformats.org/drawingml/2006/table">
@@ -4453,10 +4453,6 @@
                         <a:rPr lang="en-US" sz="2800" dirty="0" smtClean="0"/>
                         <a:t> </a:t>
                       </a:r>
-                      <a:r>
-                        <a:rPr lang="en-US" sz="2800" dirty="0" smtClean="0"/>
-                        <a:t/>
-                      </a:r>
                       <a:br>
                         <a:rPr lang="en-US" sz="2800" dirty="0" smtClean="0"/>
                       </a:br>
@@ -4508,15 +4504,7 @@
                       </a:pPr>
                       <a:r>
                         <a:rPr lang="en-US" sz="2800" dirty="0" smtClean="0"/>
-                        <a:t>Activity </a:t>
-                      </a:r>
-                      <a:r>
-                        <a:rPr lang="en-US" sz="2800" dirty="0" smtClean="0"/>
-                        <a:t>Lifecycle, </a:t>
-                      </a:r>
-                      <a:r>
-                        <a:rPr lang="en-US" sz="2800" dirty="0" smtClean="0"/>
-                        <a:t>saving</a:t>
+                        <a:t>Activity Lifecycle, saving</a:t>
                       </a:r>
                       <a:r>
                         <a:rPr lang="en-US" sz="2800" baseline="0" dirty="0" smtClean="0"/>
@@ -4727,11 +4715,7 @@
                       </a:r>
                       <a:r>
                         <a:rPr lang="en-US" sz="2800" baseline="0" dirty="0" smtClean="0"/>
-                        <a:t> </a:t>
-                      </a:r>
-                      <a:r>
-                        <a:rPr lang="en-US" sz="2800" baseline="0" dirty="0" smtClean="0"/>
-                        <a:t>apps, Fragments</a:t>
+                        <a:t> apps, </a:t>
                       </a:r>
                       <a:endParaRPr lang="en-US" sz="2800" dirty="0" smtClean="0"/>
                     </a:p>
@@ -4753,14 +4737,14 @@
             <p:ph sz="half" idx="2"/>
             <p:extLst>
               <p:ext uri="{D42A27DB-BD31-4B8C-83A1-F6EECF244321}">
-                <p14:modId xmlns:p14="http://schemas.microsoft.com/office/powerpoint/2010/main" val="3112258889"/>
+                <p14:modId xmlns:p14="http://schemas.microsoft.com/office/powerpoint/2010/main" val="1409875500"/>
               </p:ext>
             </p:extLst>
           </p:nvPr>
         </p:nvGraphicFramePr>
         <p:xfrm>
           <a:off x="4412426" y="1600200"/>
-          <a:ext cx="4274374" cy="3866745"/>
+          <a:ext cx="4274374" cy="4725965"/>
         </p:xfrm>
         <a:graphic>
           <a:graphicData uri="http://schemas.openxmlformats.org/drawingml/2006/table">
@@ -4772,7 +4756,7 @@
                 <a:gridCol w="589196"/>
                 <a:gridCol w="3685178"/>
               </a:tblGrid>
-              <a:tr h="375862">
+              <a:tr h="401996">
                 <a:tc>
                   <a:txBody>
                     <a:bodyPr/>
@@ -4802,7 +4786,54 @@
                   <a:tcPr/>
                 </a:tc>
               </a:tr>
-              <a:tr h="957676">
+              <a:tr h="590364">
+                <a:tc>
+                  <a:txBody>
+                    <a:bodyPr/>
+                    <a:lstStyle/>
+                    <a:p>
+                      <a:r>
+                        <a:rPr lang="en-US" sz="2800" dirty="0" smtClean="0"/>
+                        <a:t>3</a:t>
+                      </a:r>
+                      <a:endParaRPr lang="en-US" sz="2800" dirty="0"/>
+                    </a:p>
+                  </a:txBody>
+                  <a:tcPr/>
+                </a:tc>
+                <a:tc>
+                  <a:txBody>
+                    <a:bodyPr/>
+                    <a:lstStyle/>
+                    <a:p>
+                      <a:pPr marL="0" marR="0" indent="0" algn="l" defTabSz="457200" rtl="0" eaLnBrk="1" fontAlgn="auto" latinLnBrk="0" hangingPunct="1">
+                        <a:lnSpc>
+                          <a:spcPct val="100000"/>
+                        </a:lnSpc>
+                        <a:spcBef>
+                          <a:spcPts val="0"/>
+                        </a:spcBef>
+                        <a:spcAft>
+                          <a:spcPts val="0"/>
+                        </a:spcAft>
+                        <a:buClrTx/>
+                        <a:buSzTx/>
+                        <a:buFontTx/>
+                        <a:buNone/>
+                        <a:tabLst/>
+                        <a:defRPr/>
+                      </a:pPr>
+                      <a:r>
+                        <a:rPr lang="en-US" sz="2800" dirty="0" smtClean="0"/>
+                        <a:t>Fragments</a:t>
+                      </a:r>
+                      <a:endParaRPr lang="en-US" sz="2800" dirty="0" smtClean="0"/>
+                    </a:p>
+                  </a:txBody>
+                  <a:tcPr/>
+                </a:tc>
+              </a:tr>
+              <a:tr h="1024263">
                 <a:tc>
                   <a:txBody>
                     <a:bodyPr/>
@@ -4841,11 +4872,7 @@
                       </a:pPr>
                       <a:r>
                         <a:rPr lang="en-US" sz="2800" baseline="0" dirty="0" smtClean="0"/>
-                        <a:t>Reading XML </a:t>
-                      </a:r>
-                      <a:r>
-                        <a:rPr lang="en-US" sz="2800" baseline="0" smtClean="0"/>
-                        <a:t>files,</a:t>
+                        <a:t>Reading XML files,</a:t>
                       </a:r>
                     </a:p>
                     <a:p>
@@ -4867,12 +4894,12 @@
                         <a:defRPr/>
                       </a:pPr>
                       <a:r>
-                        <a:rPr lang="en-US" sz="2800" baseline="0" smtClean="0"/>
-                        <a:t>Asynch </a:t>
+                        <a:rPr lang="en-US" sz="2800" baseline="0" dirty="0" err="1" smtClean="0"/>
+                        <a:t>Asynch</a:t>
                       </a:r>
                       <a:r>
                         <a:rPr lang="en-US" sz="2800" baseline="0" dirty="0" smtClean="0"/>
-                        <a:t>Tasks</a:t>
+                        <a:t> Tasks</a:t>
                       </a:r>
                       <a:endParaRPr lang="en-US" sz="2800" dirty="0" smtClean="0"/>
                     </a:p>
@@ -4880,7 +4907,7 @@
                   <a:tcPr/>
                 </a:tc>
               </a:tr>
-              <a:tr h="525177">
+              <a:tr h="561693">
                 <a:tc>
                   <a:txBody>
                     <a:bodyPr/>
@@ -4926,7 +4953,7 @@
                   <a:tcPr/>
                 </a:tc>
               </a:tr>
-              <a:tr h="525177">
+              <a:tr h="561693">
                 <a:tc>
                   <a:txBody>
                     <a:bodyPr/>
@@ -4977,7 +5004,7 @@
                   <a:tcPr/>
                 </a:tc>
               </a:tr>
-              <a:tr h="957676">
+              <a:tr h="1024263">
                 <a:tc>
                   <a:txBody>
                     <a:bodyPr/>
@@ -5023,7 +5050,7 @@
                   <a:tcPr/>
                 </a:tc>
               </a:tr>
-              <a:tr h="525177">
+              <a:tr h="561693">
                 <a:tc>
                   <a:txBody>
                     <a:bodyPr/>
@@ -5113,33 +5140,46 @@
             <p:ph type="title"/>
           </p:nvPr>
         </p:nvSpPr>
-        <p:spPr/>
-        <p:txBody>
-          <a:bodyPr/>
-          <a:lstStyle/>
-          <a:p>
-            <a:r>
-              <a:rPr lang="en-US" dirty="0" smtClean="0"/>
-              <a:t>What You Need to Know</a:t>
-            </a:r>
-            <a:endParaRPr lang="en-US" dirty="0"/>
-          </a:p>
-        </p:txBody>
-      </p:sp>
-      <p:sp>
-        <p:nvSpPr>
-          <p:cNvPr id="6" name="Content Placeholder 5"/>
-          <p:cNvSpPr>
-            <a:spLocks noGrp="1"/>
-          </p:cNvSpPr>
-          <p:nvPr>
-            <p:ph idx="1"/>
-          </p:nvPr>
-        </p:nvSpPr>
         <p:spPr>
           <a:xfrm>
-            <a:off x="457200" y="1450295"/>
-            <a:ext cx="8229600" cy="4648248"/>
+            <a:off x="457200" y="274638"/>
+            <a:ext cx="8229600" cy="962491"/>
+          </a:xfrm>
+        </p:spPr>
+        <p:txBody>
+          <a:bodyPr/>
+          <a:lstStyle/>
+          <a:p>
+            <a:r>
+              <a:rPr lang="en-US" dirty="0" smtClean="0">
+                <a:solidFill>
+                  <a:srgbClr val="0208F2"/>
+                </a:solidFill>
+              </a:rPr>
+              <a:t>What You Need to Know</a:t>
+            </a:r>
+            <a:endParaRPr lang="en-US" dirty="0">
+              <a:solidFill>
+                <a:srgbClr val="0208F2"/>
+              </a:solidFill>
+            </a:endParaRPr>
+          </a:p>
+        </p:txBody>
+      </p:sp>
+      <p:sp>
+        <p:nvSpPr>
+          <p:cNvPr id="6" name="Content Placeholder 5"/>
+          <p:cNvSpPr>
+            <a:spLocks noGrp="1"/>
+          </p:cNvSpPr>
+          <p:nvPr>
+            <p:ph idx="1"/>
+          </p:nvPr>
+        </p:nvSpPr>
+        <p:spPr>
+          <a:xfrm>
+            <a:off x="457200" y="1237129"/>
+            <a:ext cx="8229600" cy="4861414"/>
           </a:xfrm>
         </p:spPr>
         <p:txBody>
@@ -5150,21 +5190,29 @@
           <a:p>
             <a:r>
               <a:rPr lang="en-US" dirty="0" smtClean="0"/>
-              <a:t>What themes and settings are:</a:t>
+              <a:t>What </a:t>
+            </a:r>
+            <a:r>
+              <a:rPr lang="en-US" dirty="0" smtClean="0"/>
+              <a:t>styles and themes are</a:t>
+            </a:r>
+            <a:r>
+              <a:rPr lang="en-US" dirty="0" smtClean="0"/>
+              <a:t>:</a:t>
             </a:r>
           </a:p>
           <a:p>
             <a:pPr lvl="2"/>
             <a:r>
-              <a:rPr lang="en-US" dirty="0" smtClean="0"/>
+              <a:rPr lang="en-US" sz="2600" dirty="0" smtClean="0"/>
               <a:t>A Style is a collection of properties applied to a view (widget or layout)</a:t>
             </a:r>
-            <a:endParaRPr lang="en-US" dirty="0"/>
+            <a:endParaRPr lang="en-US" sz="2600" dirty="0"/>
           </a:p>
           <a:p>
             <a:pPr lvl="2"/>
             <a:r>
-              <a:rPr lang="en-US" dirty="0" smtClean="0"/>
+              <a:rPr lang="en-US" sz="2600" dirty="0" smtClean="0"/>
               <a:t>A theme is a collection of properties applied to an activity or an app</a:t>
             </a:r>
           </a:p>
@@ -5185,18 +5233,18 @@
           <a:p>
             <a:pPr lvl="1"/>
             <a:r>
-              <a:rPr lang="en-US" dirty="0" smtClean="0"/>
+              <a:rPr lang="en-US" sz="2600" dirty="0" smtClean="0"/>
               <a:t>They affect the appearance,</a:t>
             </a:r>
             <a:r>
-              <a:rPr lang="en-US" dirty="0"/>
+              <a:rPr lang="en-US" sz="2600" dirty="0"/>
               <a:t> </a:t>
             </a:r>
             <a:r>
-              <a:rPr lang="en-US" dirty="0" smtClean="0"/>
+              <a:rPr lang="en-US" sz="2600" dirty="0" smtClean="0"/>
               <a:t>but not the functionality</a:t>
             </a:r>
-            <a:endParaRPr lang="en-US" dirty="0"/>
+            <a:endParaRPr lang="en-US" sz="2600" dirty="0"/>
           </a:p>
           <a:p>
             <a:r>
@@ -5207,14 +5255,19 @@
           <a:p>
             <a:pPr lvl="1"/>
             <a:r>
-              <a:rPr lang="en-US" dirty="0" smtClean="0"/>
-              <a:t>Add a style attribute to an AXML element</a:t>
-            </a:r>
+              <a:rPr lang="en-US" sz="2600" dirty="0" smtClean="0"/>
+              <a:t>Add a style attribute to an </a:t>
+            </a:r>
+            <a:r>
+              <a:rPr lang="en-US" sz="2600" dirty="0" smtClean="0"/>
+              <a:t>XML layout element</a:t>
+            </a:r>
+            <a:endParaRPr lang="en-US" sz="2600" dirty="0" smtClean="0"/>
           </a:p>
           <a:p>
             <a:pPr lvl="1"/>
             <a:r>
-              <a:rPr lang="en-US" dirty="0" smtClean="0"/>
+              <a:rPr lang="en-US" sz="2600" dirty="0" smtClean="0"/>
               <a:t>Add a theme attribute to an activity or application element in the manifest</a:t>
             </a:r>
           </a:p>
@@ -5384,12 +5437,12 @@
           <a:graphicData uri="http://schemas.openxmlformats.org/presentationml/2006/ole">
             <mc:AlternateContent xmlns:mc="http://schemas.openxmlformats.org/markup-compatibility/2006">
               <mc:Choice xmlns:v="urn:schemas-microsoft-com:vml" Requires="v">
-                <p:oleObj spid="_x0000_s1029" name="Document" r:id="rId4" imgW="7487205" imgH="5817491" progId="Word.Document.12">
+                <p:oleObj spid="_x0000_s1031" name="Document" r:id="rId5" imgW="7487205" imgH="5817491" progId="Word.Document.12">
                   <p:embed/>
                 </p:oleObj>
               </mc:Choice>
               <mc:Fallback>
-                <p:oleObj name="Document" r:id="rId4" imgW="7487205" imgH="5817491" progId="Word.Document.12">
+                <p:oleObj name="Document" r:id="rId5" imgW="7487205" imgH="5817491" progId="Word.Document.12">
                   <p:embed/>
                   <p:pic>
                     <p:nvPicPr>
@@ -5398,7 +5451,7 @@
                       <p:nvPr/>
                     </p:nvPicPr>
                     <p:blipFill>
-                      <a:blip r:embed="rId5"/>
+                      <a:blip r:embed="rId6"/>
                       <a:stretch>
                         <a:fillRect/>
                       </a:stretch>
@@ -5459,16 +5512,29 @@
             <p:ph type="title"/>
           </p:nvPr>
         </p:nvSpPr>
-        <p:spPr/>
-        <p:txBody>
-          <a:bodyPr/>
-          <a:lstStyle/>
-          <a:p>
-            <a:r>
-              <a:rPr lang="en-US" dirty="0" smtClean="0"/>
+        <p:spPr>
+          <a:xfrm>
+            <a:off x="457200" y="274638"/>
+            <a:ext cx="8229600" cy="876430"/>
+          </a:xfrm>
+        </p:spPr>
+        <p:txBody>
+          <a:bodyPr/>
+          <a:lstStyle/>
+          <a:p>
+            <a:r>
+              <a:rPr lang="en-US" dirty="0" smtClean="0">
+                <a:solidFill>
+                  <a:srgbClr val="0208F2"/>
+                </a:solidFill>
+              </a:rPr>
               <a:t>Material Design</a:t>
             </a:r>
-            <a:endParaRPr lang="en-US" dirty="0"/>
+            <a:endParaRPr lang="en-US" dirty="0">
+              <a:solidFill>
+                <a:srgbClr val="0208F2"/>
+              </a:solidFill>
+            </a:endParaRPr>
           </a:p>
         </p:txBody>
       </p:sp>
@@ -5482,10 +5548,15 @@
             <p:ph idx="1"/>
           </p:nvPr>
         </p:nvSpPr>
-        <p:spPr/>
+        <p:spPr>
+          <a:xfrm>
+            <a:off x="457200" y="1151068"/>
+            <a:ext cx="8229600" cy="4975095"/>
+          </a:xfrm>
+        </p:spPr>
         <p:txBody>
           <a:bodyPr>
-            <a:normAutofit fontScale="77500" lnSpcReduction="20000"/>
+            <a:normAutofit fontScale="85000" lnSpcReduction="20000"/>
           </a:bodyPr>
           <a:lstStyle/>
           <a:p>
@@ -5499,7 +5570,15 @@
             </a:r>
             <a:r>
               <a:rPr lang="en-US" dirty="0"/>
-              <a:t>To use material design in your Android apps, follow the guidelines described in the material design specification and use the new components and functionality available in Android </a:t>
+              <a:t>To use material design in your Android apps, follow the guidelines described in the material design specification and use the </a:t>
+            </a:r>
+            <a:r>
+              <a:rPr lang="en-US" dirty="0" smtClean="0"/>
+              <a:t>components </a:t>
+            </a:r>
+            <a:r>
+              <a:rPr lang="en-US" dirty="0"/>
+              <a:t>and functionality available in Android </a:t>
             </a:r>
             <a:r>
               <a:rPr lang="en-US" dirty="0" smtClean="0"/>
@@ -5507,8 +5586,13 @@
             </a:r>
             <a:r>
               <a:rPr lang="en-US" dirty="0"/>
-              <a:t>(API level 21).</a:t>
-            </a:r>
+              <a:t>(API level 21</a:t>
+            </a:r>
+            <a:r>
+              <a:rPr lang="en-US" dirty="0" smtClean="0"/>
+              <a:t>) and newer.</a:t>
+            </a:r>
+            <a:endParaRPr lang="en-US" dirty="0"/>
           </a:p>
           <a:p>
             <a:endParaRPr lang="en-US" dirty="0"/>
@@ -5656,7 +5740,15 @@
             </a:pPr>
             <a:r>
               <a:rPr lang="en-US" dirty="0"/>
-              <a:t>The new material theme provides</a:t>
+              <a:t>The </a:t>
+            </a:r>
+            <a:r>
+              <a:rPr lang="en-US" dirty="0" smtClean="0"/>
+              <a:t>material </a:t>
+            </a:r>
+            <a:r>
+              <a:rPr lang="en-US" dirty="0"/>
+              <a:t>theme provides</a:t>
             </a:r>
             <a:r>
               <a:rPr lang="en-US" dirty="0" smtClean="0"/>

--- a/Notes and Slides/CIS399Wk2Day3a-Themes+Styles.pptx
+++ b/Notes and Slides/CIS399Wk2Day3a-Themes+Styles.pptx
@@ -219,7 +219,7 @@
           <a:p>
             <a:fld id="{1FC32AA1-1225-9048-80C3-2B6F58548154}" type="datetimeFigureOut">
               <a:rPr lang="en-US" smtClean="0"/>
-              <a:t>7/6/17</a:t>
+              <a:t>6/28/18</a:t>
             </a:fld>
             <a:endParaRPr lang="en-US"/>
           </a:p>
@@ -283,38 +283,37 @@
           <a:p>
             <a:pPr lvl="0"/>
             <a:r>
-              <a:rPr lang="en-US" smtClean="0"/>
+              <a:rPr lang="en-US"/>
               <a:t>Click to edit Master text styles</a:t>
             </a:r>
           </a:p>
           <a:p>
             <a:pPr lvl="1"/>
             <a:r>
-              <a:rPr lang="en-US" smtClean="0"/>
+              <a:rPr lang="en-US"/>
               <a:t>Second level</a:t>
             </a:r>
           </a:p>
           <a:p>
             <a:pPr lvl="2"/>
             <a:r>
-              <a:rPr lang="en-US" smtClean="0"/>
+              <a:rPr lang="en-US"/>
               <a:t>Third level</a:t>
             </a:r>
           </a:p>
           <a:p>
             <a:pPr lvl="3"/>
             <a:r>
-              <a:rPr lang="en-US" smtClean="0"/>
+              <a:rPr lang="en-US"/>
               <a:t>Fourth level</a:t>
             </a:r>
           </a:p>
           <a:p>
             <a:pPr lvl="4"/>
             <a:r>
-              <a:rPr lang="en-US" smtClean="0"/>
+              <a:rPr lang="en-US"/>
               <a:t>Fifth level</a:t>
             </a:r>
-            <a:endParaRPr lang="en-US"/>
           </a:p>
         </p:txBody>
       </p:sp>
@@ -532,27 +531,27 @@
           <a:lstStyle/>
           <a:p>
             <a:r>
-              <a:rPr lang="en-US" dirty="0" smtClean="0"/>
+              <a:rPr lang="en-US" dirty="0"/>
               <a:t>https://</a:t>
             </a:r>
             <a:r>
-              <a:rPr lang="en-US" dirty="0" err="1" smtClean="0"/>
+              <a:rPr lang="en-US" dirty="0" err="1"/>
               <a:t>developer.android.com</a:t>
             </a:r>
             <a:r>
-              <a:rPr lang="en-US" dirty="0" smtClean="0"/>
+              <a:rPr lang="en-US" dirty="0"/>
               <a:t>/guide/topics/</a:t>
             </a:r>
             <a:r>
-              <a:rPr lang="en-US" dirty="0" err="1" smtClean="0"/>
+              <a:rPr lang="en-US" dirty="0" err="1"/>
               <a:t>ui</a:t>
             </a:r>
             <a:r>
-              <a:rPr lang="en-US" dirty="0" smtClean="0"/>
+              <a:rPr lang="en-US" dirty="0"/>
               <a:t>/</a:t>
             </a:r>
             <a:r>
-              <a:rPr lang="en-US" dirty="0" err="1" smtClean="0"/>
+              <a:rPr lang="en-US" dirty="0" err="1"/>
               <a:t>themes.html</a:t>
             </a:r>
             <a:endParaRPr lang="en-US" dirty="0"/>
@@ -640,10 +639,9 @@
           <a:lstStyle/>
           <a:p>
             <a:r>
-              <a:rPr lang="en-US" dirty="0" smtClean="0"/>
+              <a:rPr lang="en-US" dirty="0"/>
               <a:t>Three common themes, and the ones used in the textbook</a:t>
             </a:r>
-            <a:endParaRPr lang="en-US" dirty="0"/>
           </a:p>
         </p:txBody>
       </p:sp>
@@ -728,19 +726,19 @@
           <a:lstStyle/>
           <a:p>
             <a:r>
-              <a:rPr lang="en-US" dirty="0" smtClean="0"/>
+              <a:rPr lang="en-US" dirty="0"/>
               <a:t>https://</a:t>
             </a:r>
             <a:r>
-              <a:rPr lang="en-US" dirty="0" err="1" smtClean="0"/>
+              <a:rPr lang="en-US" dirty="0" err="1"/>
               <a:t>developer.android.com</a:t>
             </a:r>
             <a:r>
-              <a:rPr lang="en-US" dirty="0" smtClean="0"/>
+              <a:rPr lang="en-US" dirty="0"/>
               <a:t>/training/material/</a:t>
             </a:r>
             <a:r>
-              <a:rPr lang="en-US" dirty="0" err="1" smtClean="0"/>
+              <a:rPr lang="en-US" dirty="0" err="1"/>
               <a:t>index.html</a:t>
             </a:r>
             <a:endParaRPr lang="en-US" dirty="0"/>
@@ -828,18 +826,17 @@
           <a:lstStyle/>
           <a:p>
             <a:r>
-              <a:rPr lang="en-US" dirty="0" smtClean="0"/>
+              <a:rPr lang="en-US" dirty="0"/>
               <a:t>Reveal animations provide users visual continuity when you show or hide a group of UI elements. The </a:t>
             </a:r>
             <a:r>
-              <a:rPr lang="en-US" dirty="0" err="1" smtClean="0"/>
+              <a:rPr lang="en-US" dirty="0" err="1"/>
               <a:t>ViewAnimationUtils.createCircularReveal</a:t>
             </a:r>
             <a:r>
-              <a:rPr lang="en-US" dirty="0" smtClean="0"/>
+              <a:rPr lang="en-US" dirty="0"/>
               <a:t>() method enables you to animate a clipping circle to reveal or hide a view.</a:t>
             </a:r>
-            <a:endParaRPr lang="en-US" dirty="0"/>
           </a:p>
         </p:txBody>
       </p:sp>
@@ -917,10 +914,9 @@
           <a:lstStyle/>
           <a:p>
             <a:r>
-              <a:rPr lang="en-US" smtClean="0"/>
+              <a:rPr lang="en-US"/>
               <a:t>Click to edit Master title style</a:t>
             </a:r>
-            <a:endParaRPr lang="en-US"/>
           </a:p>
         </p:txBody>
       </p:sp>
@@ -1036,10 +1032,9 @@
           </a:lstStyle>
           <a:p>
             <a:r>
-              <a:rPr lang="en-US" smtClean="0"/>
+              <a:rPr lang="en-US"/>
               <a:t>Click to edit Master subtitle style</a:t>
             </a:r>
-            <a:endParaRPr lang="en-US"/>
           </a:p>
         </p:txBody>
       </p:sp>
@@ -1060,7 +1055,7 @@
           <a:p>
             <a:fld id="{12110144-19AD-4D4E-902D-E18AF93089D3}" type="datetimeFigureOut">
               <a:rPr lang="en-US" smtClean="0"/>
-              <a:t>7/6/17</a:t>
+              <a:t>6/28/18</a:t>
             </a:fld>
             <a:endParaRPr lang="en-US"/>
           </a:p>
@@ -1154,10 +1149,9 @@
           <a:lstStyle/>
           <a:p>
             <a:r>
-              <a:rPr lang="en-US" smtClean="0"/>
+              <a:rPr lang="en-US"/>
               <a:t>Click to edit Master title style</a:t>
             </a:r>
-            <a:endParaRPr lang="en-US"/>
           </a:p>
         </p:txBody>
       </p:sp>
@@ -1178,38 +1172,37 @@
           <a:p>
             <a:pPr lvl="0"/>
             <a:r>
-              <a:rPr lang="en-US" smtClean="0"/>
+              <a:rPr lang="en-US"/>
               <a:t>Click to edit Master text styles</a:t>
             </a:r>
           </a:p>
           <a:p>
             <a:pPr lvl="1"/>
             <a:r>
-              <a:rPr lang="en-US" smtClean="0"/>
+              <a:rPr lang="en-US"/>
               <a:t>Second level</a:t>
             </a:r>
           </a:p>
           <a:p>
             <a:pPr lvl="2"/>
             <a:r>
-              <a:rPr lang="en-US" smtClean="0"/>
+              <a:rPr lang="en-US"/>
               <a:t>Third level</a:t>
             </a:r>
           </a:p>
           <a:p>
             <a:pPr lvl="3"/>
             <a:r>
-              <a:rPr lang="en-US" smtClean="0"/>
+              <a:rPr lang="en-US"/>
               <a:t>Fourth level</a:t>
             </a:r>
           </a:p>
           <a:p>
             <a:pPr lvl="4"/>
             <a:r>
-              <a:rPr lang="en-US" smtClean="0"/>
+              <a:rPr lang="en-US"/>
               <a:t>Fifth level</a:t>
             </a:r>
-            <a:endParaRPr lang="en-US"/>
           </a:p>
         </p:txBody>
       </p:sp>
@@ -1230,7 +1223,7 @@
           <a:p>
             <a:fld id="{12110144-19AD-4D4E-902D-E18AF93089D3}" type="datetimeFigureOut">
               <a:rPr lang="en-US" smtClean="0"/>
-              <a:t>7/6/17</a:t>
+              <a:t>6/28/18</a:t>
             </a:fld>
             <a:endParaRPr lang="en-US"/>
           </a:p>
@@ -1329,10 +1322,9 @@
           <a:lstStyle/>
           <a:p>
             <a:r>
-              <a:rPr lang="en-US" smtClean="0"/>
+              <a:rPr lang="en-US"/>
               <a:t>Click to edit Master title style</a:t>
             </a:r>
-            <a:endParaRPr lang="en-US"/>
           </a:p>
         </p:txBody>
       </p:sp>
@@ -1358,38 +1350,37 @@
           <a:p>
             <a:pPr lvl="0"/>
             <a:r>
-              <a:rPr lang="en-US" smtClean="0"/>
+              <a:rPr lang="en-US"/>
               <a:t>Click to edit Master text styles</a:t>
             </a:r>
           </a:p>
           <a:p>
             <a:pPr lvl="1"/>
             <a:r>
-              <a:rPr lang="en-US" smtClean="0"/>
+              <a:rPr lang="en-US"/>
               <a:t>Second level</a:t>
             </a:r>
           </a:p>
           <a:p>
             <a:pPr lvl="2"/>
             <a:r>
-              <a:rPr lang="en-US" smtClean="0"/>
+              <a:rPr lang="en-US"/>
               <a:t>Third level</a:t>
             </a:r>
           </a:p>
           <a:p>
             <a:pPr lvl="3"/>
             <a:r>
-              <a:rPr lang="en-US" smtClean="0"/>
+              <a:rPr lang="en-US"/>
               <a:t>Fourth level</a:t>
             </a:r>
           </a:p>
           <a:p>
             <a:pPr lvl="4"/>
             <a:r>
-              <a:rPr lang="en-US" smtClean="0"/>
+              <a:rPr lang="en-US"/>
               <a:t>Fifth level</a:t>
             </a:r>
-            <a:endParaRPr lang="en-US"/>
           </a:p>
         </p:txBody>
       </p:sp>
@@ -1410,7 +1401,7 @@
           <a:p>
             <a:fld id="{12110144-19AD-4D4E-902D-E18AF93089D3}" type="datetimeFigureOut">
               <a:rPr lang="en-US" smtClean="0"/>
-              <a:t>7/6/17</a:t>
+              <a:t>6/28/18</a:t>
             </a:fld>
             <a:endParaRPr lang="en-US"/>
           </a:p>
@@ -1504,10 +1495,9 @@
           <a:lstStyle/>
           <a:p>
             <a:r>
-              <a:rPr lang="en-US" smtClean="0"/>
+              <a:rPr lang="en-US"/>
               <a:t>Click to edit Master title style</a:t>
             </a:r>
-            <a:endParaRPr lang="en-US"/>
           </a:p>
         </p:txBody>
       </p:sp>
@@ -1528,38 +1518,37 @@
           <a:p>
             <a:pPr lvl="0"/>
             <a:r>
-              <a:rPr lang="en-US" smtClean="0"/>
+              <a:rPr lang="en-US"/>
               <a:t>Click to edit Master text styles</a:t>
             </a:r>
           </a:p>
           <a:p>
             <a:pPr lvl="1"/>
             <a:r>
-              <a:rPr lang="en-US" smtClean="0"/>
+              <a:rPr lang="en-US"/>
               <a:t>Second level</a:t>
             </a:r>
           </a:p>
           <a:p>
             <a:pPr lvl="2"/>
             <a:r>
-              <a:rPr lang="en-US" smtClean="0"/>
+              <a:rPr lang="en-US"/>
               <a:t>Third level</a:t>
             </a:r>
           </a:p>
           <a:p>
             <a:pPr lvl="3"/>
             <a:r>
-              <a:rPr lang="en-US" smtClean="0"/>
+              <a:rPr lang="en-US"/>
               <a:t>Fourth level</a:t>
             </a:r>
           </a:p>
           <a:p>
             <a:pPr lvl="4"/>
             <a:r>
-              <a:rPr lang="en-US" smtClean="0"/>
+              <a:rPr lang="en-US"/>
               <a:t>Fifth level</a:t>
             </a:r>
-            <a:endParaRPr lang="en-US"/>
           </a:p>
         </p:txBody>
       </p:sp>
@@ -1580,7 +1569,7 @@
           <a:p>
             <a:fld id="{12110144-19AD-4D4E-902D-E18AF93089D3}" type="datetimeFigureOut">
               <a:rPr lang="en-US" smtClean="0"/>
-              <a:t>7/6/17</a:t>
+              <a:t>6/28/18</a:t>
             </a:fld>
             <a:endParaRPr lang="en-US"/>
           </a:p>
@@ -1683,10 +1672,9 @@
           </a:lstStyle>
           <a:p>
             <a:r>
-              <a:rPr lang="en-US" smtClean="0"/>
+              <a:rPr lang="en-US"/>
               <a:t>Click to edit Master title style</a:t>
             </a:r>
-            <a:endParaRPr lang="en-US"/>
           </a:p>
         </p:txBody>
       </p:sp>
@@ -1803,7 +1791,7 @@
           <a:p>
             <a:pPr lvl="0"/>
             <a:r>
-              <a:rPr lang="en-US" smtClean="0"/>
+              <a:rPr lang="en-US"/>
               <a:t>Click to edit Master text styles</a:t>
             </a:r>
           </a:p>
@@ -1826,7 +1814,7 @@
           <a:p>
             <a:fld id="{12110144-19AD-4D4E-902D-E18AF93089D3}" type="datetimeFigureOut">
               <a:rPr lang="en-US" smtClean="0"/>
-              <a:t>7/6/17</a:t>
+              <a:t>6/28/18</a:t>
             </a:fld>
             <a:endParaRPr lang="en-US"/>
           </a:p>
@@ -1920,10 +1908,9 @@
           <a:lstStyle/>
           <a:p>
             <a:r>
-              <a:rPr lang="en-US" smtClean="0"/>
+              <a:rPr lang="en-US"/>
               <a:t>Click to edit Master title style</a:t>
             </a:r>
-            <a:endParaRPr lang="en-US"/>
           </a:p>
         </p:txBody>
       </p:sp>
@@ -1977,38 +1964,37 @@
           <a:p>
             <a:pPr lvl="0"/>
             <a:r>
-              <a:rPr lang="en-US" smtClean="0"/>
+              <a:rPr lang="en-US"/>
               <a:t>Click to edit Master text styles</a:t>
             </a:r>
           </a:p>
           <a:p>
             <a:pPr lvl="1"/>
             <a:r>
-              <a:rPr lang="en-US" smtClean="0"/>
+              <a:rPr lang="en-US"/>
               <a:t>Second level</a:t>
             </a:r>
           </a:p>
           <a:p>
             <a:pPr lvl="2"/>
             <a:r>
-              <a:rPr lang="en-US" smtClean="0"/>
+              <a:rPr lang="en-US"/>
               <a:t>Third level</a:t>
             </a:r>
           </a:p>
           <a:p>
             <a:pPr lvl="3"/>
             <a:r>
-              <a:rPr lang="en-US" smtClean="0"/>
+              <a:rPr lang="en-US"/>
               <a:t>Fourth level</a:t>
             </a:r>
           </a:p>
           <a:p>
             <a:pPr lvl="4"/>
             <a:r>
-              <a:rPr lang="en-US" smtClean="0"/>
+              <a:rPr lang="en-US"/>
               <a:t>Fifth level</a:t>
             </a:r>
-            <a:endParaRPr lang="en-US"/>
           </a:p>
         </p:txBody>
       </p:sp>
@@ -2062,38 +2048,37 @@
           <a:p>
             <a:pPr lvl="0"/>
             <a:r>
-              <a:rPr lang="en-US" smtClean="0"/>
+              <a:rPr lang="en-US"/>
               <a:t>Click to edit Master text styles</a:t>
             </a:r>
           </a:p>
           <a:p>
             <a:pPr lvl="1"/>
             <a:r>
-              <a:rPr lang="en-US" smtClean="0"/>
+              <a:rPr lang="en-US"/>
               <a:t>Second level</a:t>
             </a:r>
           </a:p>
           <a:p>
             <a:pPr lvl="2"/>
             <a:r>
-              <a:rPr lang="en-US" smtClean="0"/>
+              <a:rPr lang="en-US"/>
               <a:t>Third level</a:t>
             </a:r>
           </a:p>
           <a:p>
             <a:pPr lvl="3"/>
             <a:r>
-              <a:rPr lang="en-US" smtClean="0"/>
+              <a:rPr lang="en-US"/>
               <a:t>Fourth level</a:t>
             </a:r>
           </a:p>
           <a:p>
             <a:pPr lvl="4"/>
             <a:r>
-              <a:rPr lang="en-US" smtClean="0"/>
+              <a:rPr lang="en-US"/>
               <a:t>Fifth level</a:t>
             </a:r>
-            <a:endParaRPr lang="en-US"/>
           </a:p>
         </p:txBody>
       </p:sp>
@@ -2114,7 +2099,7 @@
           <a:p>
             <a:fld id="{12110144-19AD-4D4E-902D-E18AF93089D3}" type="datetimeFigureOut">
               <a:rPr lang="en-US" smtClean="0"/>
-              <a:t>7/6/17</a:t>
+              <a:t>6/28/18</a:t>
             </a:fld>
             <a:endParaRPr lang="en-US"/>
           </a:p>
@@ -2212,10 +2197,9 @@
           </a:lstStyle>
           <a:p>
             <a:r>
-              <a:rPr lang="en-US" smtClean="0"/>
+              <a:rPr lang="en-US"/>
               <a:t>Click to edit Master title style</a:t>
             </a:r>
-            <a:endParaRPr lang="en-US"/>
           </a:p>
         </p:txBody>
       </p:sp>
@@ -2278,7 +2262,7 @@
           <a:p>
             <a:pPr lvl="0"/>
             <a:r>
-              <a:rPr lang="en-US" smtClean="0"/>
+              <a:rPr lang="en-US"/>
               <a:t>Click to edit Master text styles</a:t>
             </a:r>
           </a:p>
@@ -2334,38 +2318,37 @@
           <a:p>
             <a:pPr lvl="0"/>
             <a:r>
-              <a:rPr lang="en-US" smtClean="0"/>
+              <a:rPr lang="en-US"/>
               <a:t>Click to edit Master text styles</a:t>
             </a:r>
           </a:p>
           <a:p>
             <a:pPr lvl="1"/>
             <a:r>
-              <a:rPr lang="en-US" smtClean="0"/>
+              <a:rPr lang="en-US"/>
               <a:t>Second level</a:t>
             </a:r>
           </a:p>
           <a:p>
             <a:pPr lvl="2"/>
             <a:r>
-              <a:rPr lang="en-US" smtClean="0"/>
+              <a:rPr lang="en-US"/>
               <a:t>Third level</a:t>
             </a:r>
           </a:p>
           <a:p>
             <a:pPr lvl="3"/>
             <a:r>
-              <a:rPr lang="en-US" smtClean="0"/>
+              <a:rPr lang="en-US"/>
               <a:t>Fourth level</a:t>
             </a:r>
           </a:p>
           <a:p>
             <a:pPr lvl="4"/>
             <a:r>
-              <a:rPr lang="en-US" smtClean="0"/>
+              <a:rPr lang="en-US"/>
               <a:t>Fifth level</a:t>
             </a:r>
-            <a:endParaRPr lang="en-US"/>
           </a:p>
         </p:txBody>
       </p:sp>
@@ -2428,7 +2411,7 @@
           <a:p>
             <a:pPr lvl="0"/>
             <a:r>
-              <a:rPr lang="en-US" smtClean="0"/>
+              <a:rPr lang="en-US"/>
               <a:t>Click to edit Master text styles</a:t>
             </a:r>
           </a:p>
@@ -2484,38 +2467,37 @@
           <a:p>
             <a:pPr lvl="0"/>
             <a:r>
-              <a:rPr lang="en-US" smtClean="0"/>
+              <a:rPr lang="en-US"/>
               <a:t>Click to edit Master text styles</a:t>
             </a:r>
           </a:p>
           <a:p>
             <a:pPr lvl="1"/>
             <a:r>
-              <a:rPr lang="en-US" smtClean="0"/>
+              <a:rPr lang="en-US"/>
               <a:t>Second level</a:t>
             </a:r>
           </a:p>
           <a:p>
             <a:pPr lvl="2"/>
             <a:r>
-              <a:rPr lang="en-US" smtClean="0"/>
+              <a:rPr lang="en-US"/>
               <a:t>Third level</a:t>
             </a:r>
           </a:p>
           <a:p>
             <a:pPr lvl="3"/>
             <a:r>
-              <a:rPr lang="en-US" smtClean="0"/>
+              <a:rPr lang="en-US"/>
               <a:t>Fourth level</a:t>
             </a:r>
           </a:p>
           <a:p>
             <a:pPr lvl="4"/>
             <a:r>
-              <a:rPr lang="en-US" smtClean="0"/>
+              <a:rPr lang="en-US"/>
               <a:t>Fifth level</a:t>
             </a:r>
-            <a:endParaRPr lang="en-US"/>
           </a:p>
         </p:txBody>
       </p:sp>
@@ -2536,7 +2518,7 @@
           <a:p>
             <a:fld id="{12110144-19AD-4D4E-902D-E18AF93089D3}" type="datetimeFigureOut">
               <a:rPr lang="en-US" smtClean="0"/>
-              <a:t>7/6/17</a:t>
+              <a:t>6/28/18</a:t>
             </a:fld>
             <a:endParaRPr lang="en-US"/>
           </a:p>
@@ -2630,10 +2612,9 @@
           <a:lstStyle/>
           <a:p>
             <a:r>
-              <a:rPr lang="en-US" smtClean="0"/>
+              <a:rPr lang="en-US"/>
               <a:t>Click to edit Master title style</a:t>
             </a:r>
-            <a:endParaRPr lang="en-US"/>
           </a:p>
         </p:txBody>
       </p:sp>
@@ -2654,7 +2635,7 @@
           <a:p>
             <a:fld id="{12110144-19AD-4D4E-902D-E18AF93089D3}" type="datetimeFigureOut">
               <a:rPr lang="en-US" smtClean="0"/>
-              <a:t>7/6/17</a:t>
+              <a:t>6/28/18</a:t>
             </a:fld>
             <a:endParaRPr lang="en-US"/>
           </a:p>
@@ -2749,7 +2730,7 @@
           <a:p>
             <a:fld id="{12110144-19AD-4D4E-902D-E18AF93089D3}" type="datetimeFigureOut">
               <a:rPr lang="en-US" smtClean="0"/>
-              <a:t>7/6/17</a:t>
+              <a:t>6/28/18</a:t>
             </a:fld>
             <a:endParaRPr lang="en-US"/>
           </a:p>
@@ -2852,10 +2833,9 @@
           </a:lstStyle>
           <a:p>
             <a:r>
-              <a:rPr lang="en-US" smtClean="0"/>
+              <a:rPr lang="en-US"/>
               <a:t>Click to edit Master title style</a:t>
             </a:r>
-            <a:endParaRPr lang="en-US"/>
           </a:p>
         </p:txBody>
       </p:sp>
@@ -2909,38 +2889,37 @@
           <a:p>
             <a:pPr lvl="0"/>
             <a:r>
-              <a:rPr lang="en-US" smtClean="0"/>
+              <a:rPr lang="en-US"/>
               <a:t>Click to edit Master text styles</a:t>
             </a:r>
           </a:p>
           <a:p>
             <a:pPr lvl="1"/>
             <a:r>
-              <a:rPr lang="en-US" smtClean="0"/>
+              <a:rPr lang="en-US"/>
               <a:t>Second level</a:t>
             </a:r>
           </a:p>
           <a:p>
             <a:pPr lvl="2"/>
             <a:r>
-              <a:rPr lang="en-US" smtClean="0"/>
+              <a:rPr lang="en-US"/>
               <a:t>Third level</a:t>
             </a:r>
           </a:p>
           <a:p>
             <a:pPr lvl="3"/>
             <a:r>
-              <a:rPr lang="en-US" smtClean="0"/>
+              <a:rPr lang="en-US"/>
               <a:t>Fourth level</a:t>
             </a:r>
           </a:p>
           <a:p>
             <a:pPr lvl="4"/>
             <a:r>
-              <a:rPr lang="en-US" smtClean="0"/>
+              <a:rPr lang="en-US"/>
               <a:t>Fifth level</a:t>
             </a:r>
-            <a:endParaRPr lang="en-US"/>
           </a:p>
         </p:txBody>
       </p:sp>
@@ -3003,7 +2982,7 @@
           <a:p>
             <a:pPr lvl="0"/>
             <a:r>
-              <a:rPr lang="en-US" smtClean="0"/>
+              <a:rPr lang="en-US"/>
               <a:t>Click to edit Master text styles</a:t>
             </a:r>
           </a:p>
@@ -3026,7 +3005,7 @@
           <a:p>
             <a:fld id="{12110144-19AD-4D4E-902D-E18AF93089D3}" type="datetimeFigureOut">
               <a:rPr lang="en-US" smtClean="0"/>
-              <a:t>7/6/17</a:t>
+              <a:t>6/28/18</a:t>
             </a:fld>
             <a:endParaRPr lang="en-US"/>
           </a:p>
@@ -3129,10 +3108,9 @@
           </a:lstStyle>
           <a:p>
             <a:r>
-              <a:rPr lang="en-US" smtClean="0"/>
+              <a:rPr lang="en-US"/>
               <a:t>Click to edit Master title style</a:t>
             </a:r>
-            <a:endParaRPr lang="en-US"/>
           </a:p>
         </p:txBody>
       </p:sp>
@@ -3256,7 +3234,7 @@
           <a:p>
             <a:pPr lvl="0"/>
             <a:r>
-              <a:rPr lang="en-US" smtClean="0"/>
+              <a:rPr lang="en-US"/>
               <a:t>Click to edit Master text styles</a:t>
             </a:r>
           </a:p>
@@ -3279,7 +3257,7 @@
           <a:p>
             <a:fld id="{12110144-19AD-4D4E-902D-E18AF93089D3}" type="datetimeFigureOut">
               <a:rPr lang="en-US" smtClean="0"/>
-              <a:t>7/6/17</a:t>
+              <a:t>6/28/18</a:t>
             </a:fld>
             <a:endParaRPr lang="en-US"/>
           </a:p>
@@ -3406,10 +3384,9 @@
           <a:lstStyle/>
           <a:p>
             <a:r>
-              <a:rPr lang="en-US" smtClean="0"/>
+              <a:rPr lang="en-US"/>
               <a:t>Click to edit Master title style</a:t>
             </a:r>
-            <a:endParaRPr lang="en-US"/>
           </a:p>
         </p:txBody>
       </p:sp>
@@ -3440,38 +3417,37 @@
           <a:p>
             <a:pPr lvl="0"/>
             <a:r>
-              <a:rPr lang="en-US" smtClean="0"/>
+              <a:rPr lang="en-US"/>
               <a:t>Click to edit Master text styles</a:t>
             </a:r>
           </a:p>
           <a:p>
             <a:pPr lvl="1"/>
             <a:r>
-              <a:rPr lang="en-US" smtClean="0"/>
+              <a:rPr lang="en-US"/>
               <a:t>Second level</a:t>
             </a:r>
           </a:p>
           <a:p>
             <a:pPr lvl="2"/>
             <a:r>
-              <a:rPr lang="en-US" smtClean="0"/>
+              <a:rPr lang="en-US"/>
               <a:t>Third level</a:t>
             </a:r>
           </a:p>
           <a:p>
             <a:pPr lvl="3"/>
             <a:r>
-              <a:rPr lang="en-US" smtClean="0"/>
+              <a:rPr lang="en-US"/>
               <a:t>Fourth level</a:t>
             </a:r>
           </a:p>
           <a:p>
             <a:pPr lvl="4"/>
             <a:r>
-              <a:rPr lang="en-US" smtClean="0"/>
+              <a:rPr lang="en-US"/>
               <a:t>Fifth level</a:t>
             </a:r>
-            <a:endParaRPr lang="en-US"/>
           </a:p>
         </p:txBody>
       </p:sp>
@@ -3510,7 +3486,7 @@
           <a:p>
             <a:fld id="{12110144-19AD-4D4E-902D-E18AF93089D3}" type="datetimeFigureOut">
               <a:rPr lang="en-US" smtClean="0"/>
-              <a:t>7/6/17</a:t>
+              <a:t>6/28/18</a:t>
             </a:fld>
             <a:endParaRPr lang="en-US"/>
           </a:p>
@@ -3924,10 +3900,9 @@
               </a:spcAft>
             </a:pPr>
             <a:r>
-              <a:rPr lang="en-US" sz="8000" b="1" dirty="0" smtClean="0"/>
-              <a:t>Themes and Settings</a:t>
-            </a:r>
-            <a:endParaRPr lang="en-US" sz="8000" b="1" dirty="0"/>
+              <a:rPr lang="en-US" sz="8000" b="1" dirty="0"/>
+              <a:t>Themes and Styles</a:t>
+            </a:r>
           </a:p>
         </p:txBody>
       </p:sp>
@@ -3954,18 +3929,13 @@
           <a:lstStyle/>
           <a:p>
             <a:r>
-              <a:rPr lang="en-US" sz="4400" dirty="0" smtClean="0">
+              <a:rPr lang="en-US" sz="4400" dirty="0">
                 <a:solidFill>
                   <a:schemeClr val="tx1"/>
                 </a:solidFill>
               </a:rPr>
               <a:t>CIS 399</a:t>
             </a:r>
-            <a:endParaRPr lang="en-US" sz="4400" dirty="0">
-              <a:solidFill>
-                <a:schemeClr val="tx1"/>
-              </a:solidFill>
-            </a:endParaRPr>
           </a:p>
         </p:txBody>
       </p:sp>
@@ -3992,18 +3962,17 @@
           <a:lstStyle/>
           <a:p>
             <a:r>
-              <a:rPr lang="en-US" dirty="0" smtClean="0"/>
+              <a:rPr lang="en-US" dirty="0"/>
               <a:t>Android </a:t>
             </a:r>
             <a:r>
-              <a:rPr lang="en-US" i="1" dirty="0" smtClean="0"/>
+              <a:rPr lang="en-US" i="1" dirty="0"/>
               <a:t>Material Design </a:t>
             </a:r>
             <a:r>
-              <a:rPr lang="en-US" dirty="0" smtClean="0"/>
+              <a:rPr lang="en-US" dirty="0"/>
               <a:t>Wallpaper</a:t>
             </a:r>
-            <a:endParaRPr lang="en-US" dirty="0"/>
           </a:p>
         </p:txBody>
       </p:sp>
@@ -4053,10 +4022,9 @@
           <a:lstStyle/>
           <a:p>
             <a:r>
-              <a:rPr lang="en-US" dirty="0" smtClean="0"/>
+              <a:rPr lang="en-US" dirty="0"/>
               <a:t>Shadows for Two View Elevations</a:t>
             </a:r>
-            <a:endParaRPr lang="en-US" dirty="0"/>
           </a:p>
         </p:txBody>
       </p:sp>
@@ -4130,10 +4098,9 @@
           <a:lstStyle/>
           <a:p>
             <a:r>
-              <a:rPr lang="en-US" dirty="0" smtClean="0"/>
+              <a:rPr lang="en-US" dirty="0"/>
               <a:t>Custom Animations</a:t>
             </a:r>
-            <a:endParaRPr lang="en-US" dirty="0"/>
           </a:p>
         </p:txBody>
       </p:sp>
@@ -4159,21 +4126,8 @@
             </a:pPr>
             <a:r>
               <a:rPr lang="en-US" dirty="0"/>
-              <a:t>Animations in material design give users feedback on their </a:t>
-            </a:r>
-            <a:r>
-              <a:rPr lang="en-US" dirty="0" smtClean="0"/>
-              <a:t>actions. </a:t>
-            </a:r>
-            <a:r>
-              <a:rPr lang="en-US" dirty="0"/>
-              <a:t>The material theme provides some default animations for buttons and activity transitions, and Android 5.0 (API level 21) and above lets you customize these animations and create new ones</a:t>
-            </a:r>
-            <a:r>
-              <a:rPr lang="en-US" dirty="0" smtClean="0"/>
-              <a:t>:</a:t>
-            </a:r>
-            <a:endParaRPr lang="en-US" dirty="0"/>
+              <a:t>Animations in material design give users feedback on their actions. The material theme provides some default animations for buttons and activity transitions, and Android 5.0 (API level 21) and above lets you customize these animations and create new ones:</a:t>
+            </a:r>
           </a:p>
           <a:p>
             <a:r>
@@ -4261,10 +4215,9 @@
           <a:lstStyle/>
           <a:p>
             <a:r>
-              <a:rPr lang="en-US" dirty="0" smtClean="0"/>
+              <a:rPr lang="en-US" dirty="0"/>
               <a:t>Scene Transition with One Shared Element</a:t>
             </a:r>
-            <a:endParaRPr lang="en-US" dirty="0"/>
           </a:p>
         </p:txBody>
       </p:sp>
@@ -4338,10 +4291,9 @@
           <a:lstStyle/>
           <a:p>
             <a:r>
-              <a:rPr lang="en-US" dirty="0" smtClean="0"/>
+              <a:rPr lang="en-US" dirty="0"/>
               <a:t>Course Overview</a:t>
             </a:r>
-            <a:endParaRPr lang="en-US" dirty="0"/>
           </a:p>
         </p:txBody>
       </p:sp>
@@ -4371,8 +4323,20 @@
                 <a:tableStyleId>{5C22544A-7EE6-4342-B048-85BDC9FD1C3A}</a:tableStyleId>
               </a:tblPr>
               <a:tblGrid>
-                <a:gridCol w="511701"/>
-                <a:gridCol w="3299499"/>
+                <a:gridCol w="511701">
+                  <a:extLst>
+                    <a:ext uri="{9D8B030D-6E8A-4147-A177-3AD203B41FA5}">
+                      <a16:colId xmlns:a16="http://schemas.microsoft.com/office/drawing/2014/main" val="20000"/>
+                    </a:ext>
+                  </a:extLst>
+                </a:gridCol>
+                <a:gridCol w="3299499">
+                  <a:extLst>
+                    <a:ext uri="{9D8B030D-6E8A-4147-A177-3AD203B41FA5}">
+                      <a16:colId xmlns:a16="http://schemas.microsoft.com/office/drawing/2014/main" val="20001"/>
+                    </a:ext>
+                  </a:extLst>
+                </a:gridCol>
               </a:tblGrid>
               <a:tr h="428284">
                 <a:tc>
@@ -4381,10 +4345,9 @@
                     <a:lstStyle/>
                     <a:p>
                       <a:r>
-                        <a:rPr lang="en-US" dirty="0" smtClean="0"/>
+                        <a:rPr lang="en-US" dirty="0"/>
                         <a:t>Wk</a:t>
                       </a:r>
-                      <a:endParaRPr lang="en-US" dirty="0"/>
                     </a:p>
                   </a:txBody>
                   <a:tcPr/>
@@ -4395,14 +4358,18 @@
                     <a:lstStyle/>
                     <a:p>
                       <a:r>
-                        <a:rPr lang="en-US" dirty="0" smtClean="0"/>
+                        <a:rPr lang="en-US" dirty="0"/>
                         <a:t>Topic</a:t>
                       </a:r>
-                      <a:endParaRPr lang="en-US" dirty="0"/>
                     </a:p>
                   </a:txBody>
                   <a:tcPr/>
                 </a:tc>
+                <a:extLst>
+                  <a:ext uri="{0D108BD9-81ED-4DB2-BD59-A6C34878D82A}">
+                    <a16:rowId xmlns:a16="http://schemas.microsoft.com/office/drawing/2014/main" val="10000"/>
+                  </a:ext>
+                </a:extLst>
               </a:tr>
               <a:tr h="428284">
                 <a:tc>
@@ -4411,10 +4378,9 @@
                     <a:lstStyle/>
                     <a:p>
                       <a:r>
-                        <a:rPr lang="en-US" sz="2800" dirty="0" smtClean="0"/>
+                        <a:rPr lang="en-US" sz="2800" dirty="0"/>
                         <a:t>1</a:t>
                       </a:r>
-                      <a:endParaRPr lang="en-US" sz="2800" dirty="0"/>
                     </a:p>
                   </a:txBody>
                   <a:tcPr/>
@@ -4442,28 +4408,33 @@
                         <a:defRPr/>
                       </a:pPr>
                       <a:r>
-                        <a:rPr lang="en-US" sz="2800" dirty="0" smtClean="0"/>
+                        <a:rPr lang="en-US" sz="2800" dirty="0"/>
                         <a:t>Intro</a:t>
                       </a:r>
                       <a:r>
-                        <a:rPr lang="en-US" sz="2800" baseline="0" dirty="0" smtClean="0"/>
+                        <a:rPr lang="en-US" sz="2800" baseline="0" dirty="0"/>
                         <a:t>,</a:t>
                       </a:r>
                       <a:r>
-                        <a:rPr lang="en-US" sz="2800" dirty="0" smtClean="0"/>
+                        <a:rPr lang="en-US" sz="2800" dirty="0"/>
                         <a:t> </a:t>
                       </a:r>
                       <a:br>
-                        <a:rPr lang="en-US" sz="2800" dirty="0" smtClean="0"/>
+                        <a:rPr lang="en-US" sz="2800" dirty="0"/>
                       </a:br>
                       <a:r>
-                        <a:rPr lang="en-US" sz="2800" dirty="0" smtClean="0"/>
+                        <a:rPr lang="en-US" sz="2800" dirty="0"/>
                         <a:t>single-screen apps</a:t>
                       </a:r>
                     </a:p>
                   </a:txBody>
                   <a:tcPr/>
                 </a:tc>
+                <a:extLst>
+                  <a:ext uri="{0D108BD9-81ED-4DB2-BD59-A6C34878D82A}">
+                    <a16:rowId xmlns:a16="http://schemas.microsoft.com/office/drawing/2014/main" val="10001"/>
+                  </a:ext>
+                </a:extLst>
               </a:tr>
               <a:tr h="428284">
                 <a:tc>
@@ -4472,10 +4443,9 @@
                     <a:lstStyle/>
                     <a:p>
                       <a:r>
-                        <a:rPr lang="en-US" sz="2800" dirty="0" smtClean="0"/>
+                        <a:rPr lang="en-US" sz="2800" dirty="0"/>
                         <a:t>1</a:t>
                       </a:r>
-                      <a:endParaRPr lang="en-US" sz="2800" dirty="0"/>
                     </a:p>
                   </a:txBody>
                   <a:tcPr/>
@@ -4503,18 +4473,23 @@
                         <a:defRPr/>
                       </a:pPr>
                       <a:r>
-                        <a:rPr lang="en-US" sz="2800" dirty="0" smtClean="0"/>
+                        <a:rPr lang="en-US" sz="2800" dirty="0"/>
                         <a:t>Activity Lifecycle, saving</a:t>
                       </a:r>
                       <a:r>
-                        <a:rPr lang="en-US" sz="2800" baseline="0" dirty="0" smtClean="0"/>
+                        <a:rPr lang="en-US" sz="2800" baseline="0" dirty="0"/>
                         <a:t> activity state</a:t>
                       </a:r>
-                      <a:endParaRPr lang="en-US" sz="2800" dirty="0" smtClean="0"/>
+                      <a:endParaRPr lang="en-US" sz="2800" dirty="0"/>
                     </a:p>
                   </a:txBody>
                   <a:tcPr/>
                 </a:tc>
+                <a:extLst>
+                  <a:ext uri="{0D108BD9-81ED-4DB2-BD59-A6C34878D82A}">
+                    <a16:rowId xmlns:a16="http://schemas.microsoft.com/office/drawing/2014/main" val="10002"/>
+                  </a:ext>
+                </a:extLst>
               </a:tr>
               <a:tr h="428284">
                 <a:tc>
@@ -4523,10 +4498,9 @@
                     <a:lstStyle/>
                     <a:p>
                       <a:r>
-                        <a:rPr lang="en-US" sz="2800" dirty="0" smtClean="0"/>
+                        <a:rPr lang="en-US" sz="2800" dirty="0"/>
                         <a:t>2</a:t>
                       </a:r>
-                      <a:endParaRPr lang="en-US" sz="2800" dirty="0"/>
                     </a:p>
                   </a:txBody>
                   <a:tcPr/>
@@ -4554,11 +4528,11 @@
                         <a:defRPr/>
                       </a:pPr>
                       <a:r>
-                        <a:rPr lang="en-US" sz="2800" dirty="0" smtClean="0"/>
+                        <a:rPr lang="en-US" sz="2800" dirty="0"/>
                         <a:t>Layouts</a:t>
                       </a:r>
                       <a:r>
-                        <a:rPr lang="en-US" sz="2800" baseline="0" dirty="0" smtClean="0"/>
+                        <a:rPr lang="en-US" sz="2800" baseline="0" dirty="0"/>
                         <a:t> + widgets,</a:t>
                       </a:r>
                     </a:p>
@@ -4581,14 +4555,19 @@
                         <a:defRPr/>
                       </a:pPr>
                       <a:r>
-                        <a:rPr lang="en-US" sz="2800" baseline="0" dirty="0" smtClean="0"/>
+                        <a:rPr lang="en-US" sz="2800" baseline="0" dirty="0"/>
                         <a:t>Event Handlers</a:t>
                       </a:r>
-                      <a:endParaRPr lang="en-US" sz="2800" dirty="0" smtClean="0"/>
+                      <a:endParaRPr lang="en-US" sz="2800" dirty="0"/>
                     </a:p>
                   </a:txBody>
                   <a:tcPr/>
                 </a:tc>
+                <a:extLst>
+                  <a:ext uri="{0D108BD9-81ED-4DB2-BD59-A6C34878D82A}">
+                    <a16:rowId xmlns:a16="http://schemas.microsoft.com/office/drawing/2014/main" val="10003"/>
+                  </a:ext>
+                </a:extLst>
               </a:tr>
               <a:tr h="428284">
                 <a:tc>
@@ -4597,10 +4576,9 @@
                     <a:lstStyle/>
                     <a:p>
                       <a:r>
-                        <a:rPr lang="en-US" sz="2800" dirty="0" smtClean="0"/>
+                        <a:rPr lang="en-US" sz="2800" dirty="0"/>
                         <a:t>2</a:t>
                       </a:r>
-                      <a:endParaRPr lang="en-US" sz="2800" dirty="0"/>
                     </a:p>
                   </a:txBody>
                   <a:tcPr>
@@ -4632,11 +4610,11 @@
                         <a:defRPr/>
                       </a:pPr>
                       <a:r>
-                        <a:rPr lang="en-US" sz="2800" u="sng" baseline="0" dirty="0" smtClean="0"/>
+                        <a:rPr lang="en-US" sz="2800" u="sng" baseline="0" dirty="0"/>
                         <a:t>Themes + styles</a:t>
                       </a:r>
                       <a:r>
-                        <a:rPr lang="en-US" sz="2800" u="none" baseline="0" dirty="0" smtClean="0"/>
+                        <a:rPr lang="en-US" sz="2800" u="none" baseline="0" dirty="0"/>
                         <a:t>,</a:t>
                       </a:r>
                     </a:p>
@@ -4659,10 +4637,10 @@
                         <a:defRPr/>
                       </a:pPr>
                       <a:r>
-                        <a:rPr lang="en-US" sz="2800" u="none" baseline="0" dirty="0" smtClean="0"/>
+                        <a:rPr lang="en-US" sz="2800" u="none" baseline="0" dirty="0"/>
                         <a:t>Menus + settings</a:t>
                       </a:r>
-                      <a:endParaRPr lang="en-US" sz="2800" dirty="0" smtClean="0"/>
+                      <a:endParaRPr lang="en-US" sz="2800" dirty="0"/>
                     </a:p>
                   </a:txBody>
                   <a:tcPr>
@@ -4671,6 +4649,11 @@
                     </a:solidFill>
                   </a:tcPr>
                 </a:tc>
+                <a:extLst>
+                  <a:ext uri="{0D108BD9-81ED-4DB2-BD59-A6C34878D82A}">
+                    <a16:rowId xmlns:a16="http://schemas.microsoft.com/office/drawing/2014/main" val="10004"/>
+                  </a:ext>
+                </a:extLst>
               </a:tr>
               <a:tr h="428284">
                 <a:tc>
@@ -4679,10 +4662,9 @@
                     <a:lstStyle/>
                     <a:p>
                       <a:r>
-                        <a:rPr lang="en-US" sz="2800" dirty="0" smtClean="0"/>
+                        <a:rPr lang="en-US" sz="2800" dirty="0"/>
                         <a:t>2</a:t>
                       </a:r>
-                      <a:endParaRPr lang="en-US" sz="2800" dirty="0"/>
                     </a:p>
                   </a:txBody>
                   <a:tcPr/>
@@ -4710,18 +4692,23 @@
                         <a:defRPr/>
                       </a:pPr>
                       <a:r>
-                        <a:rPr lang="en-US" sz="2800" dirty="0" smtClean="0"/>
+                        <a:rPr lang="en-US" sz="2800" dirty="0"/>
                         <a:t>Multi-screen</a:t>
                       </a:r>
                       <a:r>
-                        <a:rPr lang="en-US" sz="2800" baseline="0" dirty="0" smtClean="0"/>
+                        <a:rPr lang="en-US" sz="2800" baseline="0" dirty="0"/>
                         <a:t> apps, </a:t>
                       </a:r>
-                      <a:endParaRPr lang="en-US" sz="2800" dirty="0" smtClean="0"/>
+                      <a:endParaRPr lang="en-US" sz="2800" dirty="0"/>
                     </a:p>
                   </a:txBody>
                   <a:tcPr/>
                 </a:tc>
+                <a:extLst>
+                  <a:ext uri="{0D108BD9-81ED-4DB2-BD59-A6C34878D82A}">
+                    <a16:rowId xmlns:a16="http://schemas.microsoft.com/office/drawing/2014/main" val="10005"/>
+                  </a:ext>
+                </a:extLst>
               </a:tr>
             </a:tbl>
           </a:graphicData>
@@ -4753,8 +4740,20 @@
                 <a:tableStyleId>{5C22544A-7EE6-4342-B048-85BDC9FD1C3A}</a:tableStyleId>
               </a:tblPr>
               <a:tblGrid>
-                <a:gridCol w="589196"/>
-                <a:gridCol w="3685178"/>
+                <a:gridCol w="589196">
+                  <a:extLst>
+                    <a:ext uri="{9D8B030D-6E8A-4147-A177-3AD203B41FA5}">
+                      <a16:colId xmlns:a16="http://schemas.microsoft.com/office/drawing/2014/main" val="20000"/>
+                    </a:ext>
+                  </a:extLst>
+                </a:gridCol>
+                <a:gridCol w="3685178">
+                  <a:extLst>
+                    <a:ext uri="{9D8B030D-6E8A-4147-A177-3AD203B41FA5}">
+                      <a16:colId xmlns:a16="http://schemas.microsoft.com/office/drawing/2014/main" val="20001"/>
+                    </a:ext>
+                  </a:extLst>
+                </a:gridCol>
               </a:tblGrid>
               <a:tr h="401996">
                 <a:tc>
@@ -4763,10 +4762,9 @@
                     <a:lstStyle/>
                     <a:p>
                       <a:r>
-                        <a:rPr lang="en-US" dirty="0" smtClean="0"/>
+                        <a:rPr lang="en-US" dirty="0"/>
                         <a:t>Wk</a:t>
                       </a:r>
-                      <a:endParaRPr lang="en-US" dirty="0"/>
                     </a:p>
                   </a:txBody>
                   <a:tcPr/>
@@ -4777,14 +4775,18 @@
                     <a:lstStyle/>
                     <a:p>
                       <a:r>
-                        <a:rPr lang="en-US" dirty="0" smtClean="0"/>
+                        <a:rPr lang="en-US" dirty="0"/>
                         <a:t>Topic</a:t>
                       </a:r>
-                      <a:endParaRPr lang="en-US" dirty="0"/>
                     </a:p>
                   </a:txBody>
                   <a:tcPr/>
                 </a:tc>
+                <a:extLst>
+                  <a:ext uri="{0D108BD9-81ED-4DB2-BD59-A6C34878D82A}">
+                    <a16:rowId xmlns:a16="http://schemas.microsoft.com/office/drawing/2014/main" val="10000"/>
+                  </a:ext>
+                </a:extLst>
               </a:tr>
               <a:tr h="590364">
                 <a:tc>
@@ -4793,10 +4795,9 @@
                     <a:lstStyle/>
                     <a:p>
                       <a:r>
-                        <a:rPr lang="en-US" sz="2800" dirty="0" smtClean="0"/>
+                        <a:rPr lang="en-US" sz="2800" dirty="0"/>
                         <a:t>3</a:t>
                       </a:r>
-                      <a:endParaRPr lang="en-US" sz="2800" dirty="0"/>
                     </a:p>
                   </a:txBody>
                   <a:tcPr/>
@@ -4824,14 +4825,18 @@
                         <a:defRPr/>
                       </a:pPr>
                       <a:r>
-                        <a:rPr lang="en-US" sz="2800" dirty="0" smtClean="0"/>
+                        <a:rPr lang="en-US" sz="2800" dirty="0"/>
                         <a:t>Fragments</a:t>
                       </a:r>
-                      <a:endParaRPr lang="en-US" sz="2800" dirty="0" smtClean="0"/>
                     </a:p>
                   </a:txBody>
                   <a:tcPr/>
                 </a:tc>
+                <a:extLst>
+                  <a:ext uri="{0D108BD9-81ED-4DB2-BD59-A6C34878D82A}">
+                    <a16:rowId xmlns:a16="http://schemas.microsoft.com/office/drawing/2014/main" val="10001"/>
+                  </a:ext>
+                </a:extLst>
               </a:tr>
               <a:tr h="1024263">
                 <a:tc>
@@ -4840,10 +4845,9 @@
                     <a:lstStyle/>
                     <a:p>
                       <a:r>
-                        <a:rPr lang="en-US" sz="2800" dirty="0" smtClean="0"/>
+                        <a:rPr lang="en-US" sz="2800" dirty="0"/>
                         <a:t>3</a:t>
                       </a:r>
-                      <a:endParaRPr lang="en-US" sz="2800" dirty="0"/>
                     </a:p>
                   </a:txBody>
                   <a:tcPr/>
@@ -4871,7 +4875,7 @@
                         <a:defRPr/>
                       </a:pPr>
                       <a:r>
-                        <a:rPr lang="en-US" sz="2800" baseline="0" dirty="0" smtClean="0"/>
+                        <a:rPr lang="en-US" sz="2800" baseline="0" dirty="0"/>
                         <a:t>Reading XML files,</a:t>
                       </a:r>
                     </a:p>
@@ -4894,18 +4898,23 @@
                         <a:defRPr/>
                       </a:pPr>
                       <a:r>
-                        <a:rPr lang="en-US" sz="2800" baseline="0" dirty="0" err="1" smtClean="0"/>
+                        <a:rPr lang="en-US" sz="2800" baseline="0" dirty="0" err="1"/>
                         <a:t>Asynch</a:t>
                       </a:r>
                       <a:r>
-                        <a:rPr lang="en-US" sz="2800" baseline="0" dirty="0" smtClean="0"/>
+                        <a:rPr lang="en-US" sz="2800" baseline="0" dirty="0"/>
                         <a:t> Tasks</a:t>
                       </a:r>
-                      <a:endParaRPr lang="en-US" sz="2800" dirty="0" smtClean="0"/>
+                      <a:endParaRPr lang="en-US" sz="2800" dirty="0"/>
                     </a:p>
                   </a:txBody>
                   <a:tcPr/>
                 </a:tc>
+                <a:extLst>
+                  <a:ext uri="{0D108BD9-81ED-4DB2-BD59-A6C34878D82A}">
+                    <a16:rowId xmlns:a16="http://schemas.microsoft.com/office/drawing/2014/main" val="10002"/>
+                  </a:ext>
+                </a:extLst>
               </a:tr>
               <a:tr h="561693">
                 <a:tc>
@@ -4914,10 +4923,9 @@
                     <a:lstStyle/>
                     <a:p>
                       <a:r>
-                        <a:rPr lang="en-US" sz="2800" dirty="0" smtClean="0"/>
+                        <a:rPr lang="en-US" sz="2800" dirty="0"/>
                         <a:t>3</a:t>
                       </a:r>
-                      <a:endParaRPr lang="en-US" sz="2800" dirty="0"/>
                     </a:p>
                   </a:txBody>
                   <a:tcPr/>
@@ -4945,13 +4953,18 @@
                         <a:defRPr/>
                       </a:pPr>
                       <a:r>
-                        <a:rPr lang="en-US" sz="2800" dirty="0" smtClean="0"/>
+                        <a:rPr lang="en-US" sz="2800" dirty="0"/>
                         <a:t>List Views</a:t>
                       </a:r>
                     </a:p>
                   </a:txBody>
                   <a:tcPr/>
                 </a:tc>
+                <a:extLst>
+                  <a:ext uri="{0D108BD9-81ED-4DB2-BD59-A6C34878D82A}">
+                    <a16:rowId xmlns:a16="http://schemas.microsoft.com/office/drawing/2014/main" val="10003"/>
+                  </a:ext>
+                </a:extLst>
               </a:tr>
               <a:tr h="561693">
                 <a:tc>
@@ -4960,10 +4973,9 @@
                     <a:lstStyle/>
                     <a:p>
                       <a:r>
-                        <a:rPr lang="en-US" sz="2800" dirty="0" smtClean="0"/>
+                        <a:rPr lang="en-US" sz="2800" dirty="0"/>
                         <a:t>3</a:t>
                       </a:r>
-                      <a:endParaRPr lang="en-US" sz="2800" dirty="0"/>
                     </a:p>
                   </a:txBody>
                   <a:tcPr/>
@@ -4991,18 +5003,23 @@
                         <a:defRPr/>
                       </a:pPr>
                       <a:r>
-                        <a:rPr lang="en-US" sz="2800" dirty="0" smtClean="0"/>
+                        <a:rPr lang="en-US" sz="2800" dirty="0"/>
                         <a:t>SQLite</a:t>
                       </a:r>
                       <a:r>
-                        <a:rPr lang="en-US" sz="2800" baseline="0" dirty="0" smtClean="0"/>
+                        <a:rPr lang="en-US" sz="2800" baseline="0" dirty="0"/>
                         <a:t> Database</a:t>
                       </a:r>
-                      <a:endParaRPr lang="en-US" sz="2800" dirty="0" smtClean="0"/>
+                      <a:endParaRPr lang="en-US" sz="2800" dirty="0"/>
                     </a:p>
                   </a:txBody>
                   <a:tcPr/>
                 </a:tc>
+                <a:extLst>
+                  <a:ext uri="{0D108BD9-81ED-4DB2-BD59-A6C34878D82A}">
+                    <a16:rowId xmlns:a16="http://schemas.microsoft.com/office/drawing/2014/main" val="10004"/>
+                  </a:ext>
+                </a:extLst>
               </a:tr>
               <a:tr h="1024263">
                 <a:tc>
@@ -5011,10 +5028,9 @@
                     <a:lstStyle/>
                     <a:p>
                       <a:r>
-                        <a:rPr lang="en-US" sz="2800" dirty="0" smtClean="0"/>
+                        <a:rPr lang="en-US" sz="2800" dirty="0"/>
                         <a:t>4</a:t>
                       </a:r>
-                      <a:endParaRPr lang="en-US" sz="2800" dirty="0"/>
                     </a:p>
                   </a:txBody>
                   <a:tcPr/>
@@ -5042,13 +5058,18 @@
                         <a:defRPr/>
                       </a:pPr>
                       <a:r>
-                        <a:rPr lang="en-US" sz="2800" dirty="0" smtClean="0"/>
+                        <a:rPr lang="en-US" sz="2800" dirty="0"/>
                         <a:t>Consuming a web service</a:t>
                       </a:r>
                     </a:p>
                   </a:txBody>
                   <a:tcPr/>
                 </a:tc>
+                <a:extLst>
+                  <a:ext uri="{0D108BD9-81ED-4DB2-BD59-A6C34878D82A}">
+                    <a16:rowId xmlns:a16="http://schemas.microsoft.com/office/drawing/2014/main" val="10005"/>
+                  </a:ext>
+                </a:extLst>
               </a:tr>
               <a:tr h="561693">
                 <a:tc>
@@ -5057,10 +5078,9 @@
                     <a:lstStyle/>
                     <a:p>
                       <a:r>
-                        <a:rPr lang="en-US" sz="2800" dirty="0" smtClean="0"/>
+                        <a:rPr lang="en-US" sz="2800" dirty="0"/>
                         <a:t>4</a:t>
                       </a:r>
-                      <a:endParaRPr lang="en-US" sz="2800" dirty="0"/>
                     </a:p>
                   </a:txBody>
                   <a:tcPr/>
@@ -5088,13 +5108,18 @@
                         <a:defRPr/>
                       </a:pPr>
                       <a:r>
-                        <a:rPr lang="en-US" sz="2800" dirty="0" smtClean="0"/>
+                        <a:rPr lang="en-US" sz="2800" dirty="0"/>
                         <a:t>Geolocation</a:t>
                       </a:r>
                     </a:p>
                   </a:txBody>
                   <a:tcPr/>
                 </a:tc>
+                <a:extLst>
+                  <a:ext uri="{0D108BD9-81ED-4DB2-BD59-A6C34878D82A}">
+                    <a16:rowId xmlns:a16="http://schemas.microsoft.com/office/drawing/2014/main" val="10006"/>
+                  </a:ext>
+                </a:extLst>
               </a:tr>
             </a:tbl>
           </a:graphicData>
@@ -5151,18 +5176,13 @@
           <a:lstStyle/>
           <a:p>
             <a:r>
-              <a:rPr lang="en-US" dirty="0" smtClean="0">
+              <a:rPr lang="en-US" dirty="0">
                 <a:solidFill>
                   <a:srgbClr val="0208F2"/>
                 </a:solidFill>
               </a:rPr>
               <a:t>What You Need to Know</a:t>
             </a:r>
-            <a:endParaRPr lang="en-US" dirty="0">
-              <a:solidFill>
-                <a:srgbClr val="0208F2"/>
-              </a:solidFill>
-            </a:endParaRPr>
           </a:p>
         </p:txBody>
       </p:sp>
@@ -5189,85 +5209,54 @@
           <a:lstStyle/>
           <a:p>
             <a:r>
-              <a:rPr lang="en-US" dirty="0" smtClean="0"/>
-              <a:t>What </a:t>
-            </a:r>
-            <a:r>
-              <a:rPr lang="en-US" dirty="0" smtClean="0"/>
-              <a:t>styles and themes are</a:t>
-            </a:r>
-            <a:r>
-              <a:rPr lang="en-US" dirty="0" smtClean="0"/>
-              <a:t>:</a:t>
+              <a:rPr lang="en-US" dirty="0"/>
+              <a:t>What styles and themes are:</a:t>
             </a:r>
           </a:p>
           <a:p>
             <a:pPr lvl="2"/>
             <a:r>
-              <a:rPr lang="en-US" sz="2600" dirty="0" smtClean="0"/>
+              <a:rPr lang="en-US" sz="2600" dirty="0"/>
               <a:t>A Style is a collection of properties applied to a view (widget or layout)</a:t>
             </a:r>
-            <a:endParaRPr lang="en-US" sz="2600" dirty="0"/>
           </a:p>
           <a:p>
             <a:pPr lvl="2"/>
             <a:r>
-              <a:rPr lang="en-US" sz="2600" dirty="0" smtClean="0"/>
+              <a:rPr lang="en-US" sz="2600" dirty="0"/>
               <a:t>A theme is a collection of properties applied to an activity or an app</a:t>
             </a:r>
           </a:p>
           <a:p>
             <a:r>
-              <a:rPr lang="en-US" dirty="0" smtClean="0"/>
-              <a:t>What </a:t>
-            </a:r>
-            <a:r>
               <a:rPr lang="en-US" dirty="0"/>
-              <a:t>effect they have on your </a:t>
-            </a:r>
-            <a:r>
-              <a:rPr lang="en-US" dirty="0" smtClean="0"/>
-              <a:t>app:</a:t>
+              <a:t>What effect they have on your app:</a:t>
             </a:r>
           </a:p>
           <a:p>
             <a:pPr lvl="1"/>
             <a:r>
-              <a:rPr lang="en-US" sz="2600" dirty="0" smtClean="0"/>
-              <a:t>They affect the appearance,</a:t>
-            </a:r>
-            <a:r>
               <a:rPr lang="en-US" sz="2600" dirty="0"/>
-              <a:t> </a:t>
-            </a:r>
-            <a:r>
-              <a:rPr lang="en-US" sz="2600" dirty="0" smtClean="0"/>
-              <a:t>but not the functionality</a:t>
-            </a:r>
-            <a:endParaRPr lang="en-US" sz="2600" dirty="0"/>
-          </a:p>
-          <a:p>
-            <a:r>
-              <a:rPr lang="en-US" dirty="0" smtClean="0"/>
+              <a:t>They affect the appearance, but not the functionality</a:t>
+            </a:r>
+          </a:p>
+          <a:p>
+            <a:r>
+              <a:rPr lang="en-US" dirty="0"/>
               <a:t>How to use them in your app</a:t>
             </a:r>
           </a:p>
           <a:p>
             <a:pPr lvl="1"/>
             <a:r>
-              <a:rPr lang="en-US" sz="2600" dirty="0" smtClean="0"/>
-              <a:t>Add a style attribute to an </a:t>
-            </a:r>
-            <a:r>
-              <a:rPr lang="en-US" sz="2600" dirty="0" smtClean="0"/>
-              <a:t>XML layout element</a:t>
-            </a:r>
-            <a:endParaRPr lang="en-US" sz="2600" dirty="0" smtClean="0"/>
+              <a:rPr lang="en-US" sz="2600" dirty="0"/>
+              <a:t>Add a style attribute to an XML layout element</a:t>
+            </a:r>
           </a:p>
           <a:p>
             <a:pPr lvl="1"/>
             <a:r>
-              <a:rPr lang="en-US" sz="2600" dirty="0" smtClean="0"/>
+              <a:rPr lang="en-US" sz="2600" dirty="0"/>
               <a:t>Add a theme attribute to an activity or application element in the manifest</a:t>
             </a:r>
           </a:p>
@@ -5327,10 +5316,9 @@
               <a:defRPr/>
             </a:pPr>
             <a:r>
-              <a:rPr lang="en-US" smtClean="0"/>
+              <a:rPr lang="en-US"/>
               <a:t>Murach's Android Programming, C7</a:t>
             </a:r>
-            <a:endParaRPr lang="en-US"/>
           </a:p>
         </p:txBody>
       </p:sp>
@@ -5358,10 +5346,9 @@
               <a:defRPr/>
             </a:pPr>
             <a:r>
-              <a:rPr lang="en-US" dirty="0" smtClean="0"/>
+              <a:rPr lang="en-US" dirty="0"/>
               <a:t>© 2015, Mike Murach &amp; Associates, Inc.</a:t>
             </a:r>
-            <a:endParaRPr lang="en-US" dirty="0"/>
           </a:p>
         </p:txBody>
       </p:sp>
@@ -5388,14 +5375,14 @@
             <a:pPr>
               <a:defRPr/>
             </a:pPr>
-            <a:endParaRPr lang="en-US" smtClean="0"/>
+            <a:endParaRPr lang="en-US"/>
           </a:p>
           <a:p>
             <a:pPr algn="r">
               <a:defRPr/>
             </a:pPr>
             <a:r>
-              <a:rPr lang="en-US" sz="900" smtClean="0">
+              <a:rPr lang="en-US" sz="900">
                 <a:latin typeface="Arial Narrow" pitchFamily="34" charset="0"/>
               </a:rPr>
               <a:t>Slide </a:t>
@@ -5437,12 +5424,12 @@
           <a:graphicData uri="http://schemas.openxmlformats.org/presentationml/2006/ole">
             <mc:AlternateContent xmlns:mc="http://schemas.openxmlformats.org/markup-compatibility/2006">
               <mc:Choice xmlns:v="urn:schemas-microsoft-com:vml" Requires="v">
-                <p:oleObj spid="_x0000_s1031" name="Document" r:id="rId5" imgW="7487205" imgH="5817491" progId="Word.Document.12">
+                <p:oleObj spid="_x0000_s1032" name="Document" r:id="rId4" imgW="7487205" imgH="5817491" progId="Word.Document.12">
                   <p:embed/>
                 </p:oleObj>
               </mc:Choice>
               <mc:Fallback>
-                <p:oleObj name="Document" r:id="rId5" imgW="7487205" imgH="5817491" progId="Word.Document.12">
+                <p:oleObj name="Document" r:id="rId4" imgW="7487205" imgH="5817491" progId="Word.Document.12">
                   <p:embed/>
                   <p:pic>
                     <p:nvPicPr>
@@ -5451,7 +5438,7 @@
                       <p:nvPr/>
                     </p:nvPicPr>
                     <p:blipFill>
-                      <a:blip r:embed="rId6"/>
+                      <a:blip r:embed="rId5"/>
                       <a:stretch>
                         <a:fillRect/>
                       </a:stretch>
@@ -5523,18 +5510,13 @@
           <a:lstStyle/>
           <a:p>
             <a:r>
-              <a:rPr lang="en-US" dirty="0" smtClean="0">
+              <a:rPr lang="en-US" dirty="0">
                 <a:solidFill>
                   <a:srgbClr val="0208F2"/>
                 </a:solidFill>
               </a:rPr>
               <a:t>Material Design</a:t>
             </a:r>
-            <a:endParaRPr lang="en-US" dirty="0">
-              <a:solidFill>
-                <a:srgbClr val="0208F2"/>
-              </a:solidFill>
-            </a:endParaRPr>
           </a:p>
         </p:txBody>
       </p:sp>
@@ -5562,63 +5544,17 @@
           <a:p>
             <a:r>
               <a:rPr lang="en-US" dirty="0"/>
-              <a:t>Material design is a comprehensive guide for visual, motion, and </a:t>
-            </a:r>
-            <a:r>
-              <a:rPr lang="en-US" dirty="0" smtClean="0"/>
-              <a:t>interaction. </a:t>
-            </a:r>
+              <a:t>Material design is a comprehensive guide for visual, motion, and interaction. To use material design in your Android apps, follow the guidelines described in the material design specification and use the components and functionality available in Android 5.0, Lollipop (API level 21) and newer.</a:t>
+            </a:r>
+          </a:p>
+          <a:p>
+            <a:endParaRPr lang="en-US" dirty="0"/>
+          </a:p>
+          <a:p>
             <a:r>
               <a:rPr lang="en-US" dirty="0"/>
-              <a:t>To use material design in your Android apps, follow the guidelines described in the material design specification and use the </a:t>
-            </a:r>
-            <a:r>
-              <a:rPr lang="en-US" dirty="0" smtClean="0"/>
-              <a:t>components </a:t>
-            </a:r>
-            <a:r>
-              <a:rPr lang="en-US" dirty="0"/>
-              <a:t>and functionality available in Android </a:t>
-            </a:r>
-            <a:r>
-              <a:rPr lang="en-US" dirty="0" smtClean="0"/>
-              <a:t>5.0, Lollipop </a:t>
-            </a:r>
-            <a:r>
-              <a:rPr lang="en-US" dirty="0"/>
-              <a:t>(API level 21</a:t>
-            </a:r>
-            <a:r>
-              <a:rPr lang="en-US" dirty="0" smtClean="0"/>
-              <a:t>) and newer.</a:t>
-            </a:r>
-            <a:endParaRPr lang="en-US" dirty="0"/>
-          </a:p>
-          <a:p>
-            <a:endParaRPr lang="en-US" dirty="0"/>
-          </a:p>
-          <a:p>
-            <a:r>
-              <a:rPr lang="en-US" dirty="0" smtClean="0"/>
-              <a:t>Material </a:t>
-            </a:r>
-            <a:r>
-              <a:rPr lang="en-US" dirty="0"/>
-              <a:t>design apps </a:t>
-            </a:r>
-            <a:r>
-              <a:rPr lang="en-US" dirty="0" smtClean="0"/>
-              <a:t>have the </a:t>
-            </a:r>
-            <a:r>
-              <a:rPr lang="en-US" dirty="0"/>
-              <a:t>following elements</a:t>
-            </a:r>
-            <a:r>
-              <a:rPr lang="en-US" dirty="0" smtClean="0"/>
-              <a:t>:</a:t>
-            </a:r>
-            <a:endParaRPr lang="en-US" dirty="0"/>
+              <a:t>Material design apps have the following elements:</a:t>
+            </a:r>
           </a:p>
           <a:p>
             <a:pPr lvl="1"/>
@@ -5645,13 +5581,8 @@
             <a:pPr lvl="1"/>
             <a:r>
               <a:rPr lang="en-US" dirty="0"/>
-              <a:t>Vector </a:t>
-            </a:r>
-            <a:r>
-              <a:rPr lang="en-US" dirty="0" smtClean="0"/>
-              <a:t>drawables</a:t>
-            </a:r>
-            <a:endParaRPr lang="en-US" dirty="0"/>
+              <a:t>Vector drawables</a:t>
+            </a:r>
           </a:p>
           <a:p>
             <a:pPr lvl="1"/>
@@ -5711,10 +5642,9 @@
           <a:lstStyle/>
           <a:p>
             <a:r>
-              <a:rPr lang="en-US" dirty="0" smtClean="0"/>
+              <a:rPr lang="en-US" dirty="0"/>
               <a:t>Material Theme</a:t>
             </a:r>
-            <a:endParaRPr lang="en-US" dirty="0"/>
           </a:p>
         </p:txBody>
       </p:sp>
@@ -5740,21 +5670,8 @@
             </a:pPr>
             <a:r>
               <a:rPr lang="en-US" dirty="0"/>
-              <a:t>The </a:t>
-            </a:r>
-            <a:r>
-              <a:rPr lang="en-US" dirty="0" smtClean="0"/>
-              <a:t>material </a:t>
-            </a:r>
-            <a:r>
-              <a:rPr lang="en-US" dirty="0"/>
-              <a:t>theme provides</a:t>
-            </a:r>
-            <a:r>
-              <a:rPr lang="en-US" dirty="0" smtClean="0"/>
-              <a:t>:</a:t>
-            </a:r>
-            <a:endParaRPr lang="en-US" dirty="0"/>
+              <a:t>The material theme provides:</a:t>
+            </a:r>
           </a:p>
           <a:p>
             <a:r>
@@ -5841,10 +5758,9 @@
           <a:lstStyle/>
           <a:p>
             <a:r>
-              <a:rPr lang="en-US" dirty="0" smtClean="0"/>
+              <a:rPr lang="en-US" dirty="0"/>
               <a:t>New Type of List View</a:t>
             </a:r>
-            <a:endParaRPr lang="en-US" dirty="0"/>
           </a:p>
         </p:txBody>
       </p:sp>
@@ -5869,7 +5785,7 @@
               <a:buNone/>
             </a:pPr>
             <a:r>
-              <a:rPr lang="en-US" dirty="0" smtClean="0"/>
+              <a:rPr lang="en-US" dirty="0"/>
               <a:t>The </a:t>
             </a:r>
             <a:r>
@@ -5878,13 +5794,8 @@
             </a:r>
             <a:r>
               <a:rPr lang="en-US" dirty="0"/>
-              <a:t> class simplifies the display and handling of large data sets by providing</a:t>
-            </a:r>
-            <a:r>
-              <a:rPr lang="en-US" dirty="0" smtClean="0"/>
-              <a:t>:</a:t>
-            </a:r>
-            <a:endParaRPr lang="en-US" dirty="0"/>
+              <a:t> class simplifies the display and handling of large data sets by providing:</a:t>
+            </a:r>
           </a:p>
           <a:p>
             <a:r>
@@ -5968,10 +5879,9 @@
           <a:lstStyle/>
           <a:p>
             <a:r>
-              <a:rPr lang="en-US" dirty="0" smtClean="0"/>
+              <a:rPr lang="en-US" dirty="0"/>
               <a:t>Cards</a:t>
             </a:r>
-            <a:endParaRPr lang="en-US" dirty="0"/>
           </a:p>
         </p:txBody>
       </p:sp>
@@ -6090,10 +6000,9 @@
           <a:lstStyle/>
           <a:p>
             <a:r>
-              <a:rPr lang="en-US" dirty="0" smtClean="0"/>
+              <a:rPr lang="en-US" dirty="0"/>
               <a:t>Elevation: Shadows and Movement</a:t>
             </a:r>
-            <a:endParaRPr lang="en-US" dirty="0"/>
           </a:p>
         </p:txBody>
       </p:sp>
@@ -6121,76 +6030,37 @@
               <a:rPr lang="en-US" dirty="0"/>
               <a:t>Material design introduces elevation for UI elements. </a:t>
             </a:r>
-            <a:endParaRPr lang="en-US" dirty="0" smtClean="0"/>
-          </a:p>
-          <a:p>
-            <a:r>
-              <a:rPr lang="en-US" dirty="0" smtClean="0"/>
-              <a:t>Elevation </a:t>
-            </a:r>
+          </a:p>
+          <a:p>
             <a:r>
               <a:rPr lang="en-US" dirty="0"/>
-              <a:t>helps users understand the relative importance of each </a:t>
-            </a:r>
-            <a:r>
-              <a:rPr lang="en-US" dirty="0" smtClean="0"/>
-              <a:t>element</a:t>
-            </a:r>
-            <a:endParaRPr lang="en-US" dirty="0"/>
+              <a:t>Elevation helps users understand the relative importance of each element</a:t>
+            </a:r>
           </a:p>
           <a:p>
             <a:r>
               <a:rPr lang="en-US" dirty="0"/>
-              <a:t>The elevation of a view, represented by the Z property, determines the visual appearance of its </a:t>
-            </a:r>
-            <a:r>
-              <a:rPr lang="en-US" dirty="0" smtClean="0"/>
-              <a:t>shadow</a:t>
+              <a:t>The elevation of a view, represented by the Z property, determines the visual appearance of its shadow</a:t>
             </a:r>
           </a:p>
           <a:p>
             <a:pPr lvl="1"/>
             <a:r>
               <a:rPr lang="en-US" dirty="0"/>
-              <a:t>V</a:t>
-            </a:r>
-            <a:r>
-              <a:rPr lang="en-US" dirty="0" smtClean="0"/>
-              <a:t>iews </a:t>
-            </a:r>
+              <a:t>Views with higher Z values cast larger, softer shadows</a:t>
+            </a:r>
+          </a:p>
+          <a:p>
+            <a:pPr lvl="1"/>
             <a:r>
               <a:rPr lang="en-US" dirty="0"/>
-              <a:t>with higher Z values cast larger, softer </a:t>
-            </a:r>
-            <a:r>
-              <a:rPr lang="en-US" dirty="0" smtClean="0"/>
-              <a:t>shadows</a:t>
-            </a:r>
-          </a:p>
-          <a:p>
-            <a:pPr lvl="1"/>
-            <a:r>
-              <a:rPr lang="en-US" dirty="0" smtClean="0"/>
-              <a:t>Views </a:t>
-            </a:r>
+              <a:t>Views with higher Z values occlude views with lower Z values</a:t>
+            </a:r>
+          </a:p>
+          <a:p>
             <a:r>
               <a:rPr lang="en-US" dirty="0"/>
-              <a:t>with higher Z values occlude views with lower Z </a:t>
-            </a:r>
-            <a:r>
-              <a:rPr lang="en-US" dirty="0" smtClean="0"/>
-              <a:t>values</a:t>
-            </a:r>
-            <a:endParaRPr lang="en-US" dirty="0"/>
-          </a:p>
-          <a:p>
-            <a:r>
-              <a:rPr lang="en-US" dirty="0" smtClean="0"/>
-              <a:t>Elevation can be used to </a:t>
-            </a:r>
-            <a:r>
-              <a:rPr lang="en-US" dirty="0"/>
-              <a:t>create animations where widgets temporarily rise above the view plane when performing some action.</a:t>
+              <a:t>Elevation can be used to create animations where widgets temporarily rise above the view plane when performing some action.</a:t>
             </a:r>
           </a:p>
         </p:txBody>

--- a/Notes and Slides/CIS399Wk2Day3a-Themes+Styles.pptx
+++ b/Notes and Slides/CIS399Wk2Day3a-Themes+Styles.pptx
@@ -5,21 +5,26 @@
     <p:sldMasterId id="2147483648" r:id="rId1"/>
   </p:sldMasterIdLst>
   <p:notesMasterIdLst>
-    <p:notesMasterId r:id="rId14"/>
+    <p:notesMasterId r:id="rId19"/>
   </p:notesMasterIdLst>
   <p:sldIdLst>
     <p:sldId id="256" r:id="rId2"/>
     <p:sldId id="268" r:id="rId3"/>
     <p:sldId id="269" r:id="rId4"/>
-    <p:sldId id="270" r:id="rId5"/>
-    <p:sldId id="271" r:id="rId6"/>
-    <p:sldId id="272" r:id="rId7"/>
-    <p:sldId id="273" r:id="rId8"/>
-    <p:sldId id="274" r:id="rId9"/>
-    <p:sldId id="275" r:id="rId10"/>
-    <p:sldId id="276" r:id="rId11"/>
-    <p:sldId id="277" r:id="rId12"/>
-    <p:sldId id="278" r:id="rId13"/>
+    <p:sldId id="279" r:id="rId5"/>
+    <p:sldId id="280" r:id="rId6"/>
+    <p:sldId id="281" r:id="rId7"/>
+    <p:sldId id="283" r:id="rId8"/>
+    <p:sldId id="282" r:id="rId9"/>
+    <p:sldId id="270" r:id="rId10"/>
+    <p:sldId id="271" r:id="rId11"/>
+    <p:sldId id="272" r:id="rId12"/>
+    <p:sldId id="273" r:id="rId13"/>
+    <p:sldId id="274" r:id="rId14"/>
+    <p:sldId id="275" r:id="rId15"/>
+    <p:sldId id="276" r:id="rId16"/>
+    <p:sldId id="277" r:id="rId17"/>
+    <p:sldId id="278" r:id="rId18"/>
   </p:sldIdLst>
   <p:sldSz cx="9144000" cy="6858000" type="screen4x3"/>
   <p:notesSz cx="6858000" cy="9144000"/>
@@ -219,7 +224,7 @@
           <a:p>
             <a:fld id="{1FC32AA1-1225-9048-80C3-2B6F58548154}" type="datetimeFigureOut">
               <a:rPr lang="en-US" smtClean="0"/>
-              <a:t>6/28/18</a:t>
+              <a:t>6/29/18</a:t>
             </a:fld>
             <a:endParaRPr lang="en-US"/>
           </a:p>
@@ -640,7 +645,23 @@
           <a:p>
             <a:r>
               <a:rPr lang="en-US" dirty="0"/>
-              <a:t>Three common themes, and the ones used in the textbook</a:t>
+              <a:t>https://</a:t>
+            </a:r>
+            <a:r>
+              <a:rPr lang="en-US" dirty="0" err="1"/>
+              <a:t>developer.android.com</a:t>
+            </a:r>
+            <a:r>
+              <a:rPr lang="en-US" dirty="0"/>
+              <a:t>/guide/topics/</a:t>
+            </a:r>
+            <a:r>
+              <a:rPr lang="en-US" dirty="0" err="1"/>
+              <a:t>ui</a:t>
+            </a:r>
+            <a:r>
+              <a:rPr lang="en-US" dirty="0"/>
+              <a:t>/look-and-feel/themes</a:t>
             </a:r>
           </a:p>
         </p:txBody>
@@ -671,7 +692,7 @@
     </p:spTree>
     <p:extLst>
       <p:ext uri="{BB962C8B-B14F-4D97-AF65-F5344CB8AC3E}">
-        <p14:creationId xmlns:p14="http://schemas.microsoft.com/office/powerpoint/2010/main" val="2992178698"/>
+        <p14:creationId xmlns:p14="http://schemas.microsoft.com/office/powerpoint/2010/main" val="825656387"/>
       </p:ext>
     </p:extLst>
   </p:cSld>
@@ -725,22 +746,6 @@
           <a:bodyPr/>
           <a:lstStyle/>
           <a:p>
-            <a:r>
-              <a:rPr lang="en-US" dirty="0"/>
-              <a:t>https://</a:t>
-            </a:r>
-            <a:r>
-              <a:rPr lang="en-US" dirty="0" err="1"/>
-              <a:t>developer.android.com</a:t>
-            </a:r>
-            <a:r>
-              <a:rPr lang="en-US" dirty="0"/>
-              <a:t>/training/material/</a:t>
-            </a:r>
-            <a:r>
-              <a:rPr lang="en-US" dirty="0" err="1"/>
-              <a:t>index.html</a:t>
-            </a:r>
             <a:endParaRPr lang="en-US" dirty="0"/>
           </a:p>
         </p:txBody>
@@ -771,7 +776,7 @@
     </p:spTree>
     <p:extLst>
       <p:ext uri="{BB962C8B-B14F-4D97-AF65-F5344CB8AC3E}">
-        <p14:creationId xmlns:p14="http://schemas.microsoft.com/office/powerpoint/2010/main" val="588937274"/>
+        <p14:creationId xmlns:p14="http://schemas.microsoft.com/office/powerpoint/2010/main" val="218881575"/>
       </p:ext>
     </p:extLst>
   </p:cSld>
@@ -827,6 +832,493 @@
           <a:p>
             <a:r>
               <a:rPr lang="en-US" dirty="0"/>
+              <a:t>https://</a:t>
+            </a:r>
+            <a:r>
+              <a:rPr lang="en-US" dirty="0" err="1"/>
+              <a:t>developer.android.com</a:t>
+            </a:r>
+            <a:r>
+              <a:rPr lang="en-US" dirty="0"/>
+              <a:t>/guide/topics/</a:t>
+            </a:r>
+            <a:r>
+              <a:rPr lang="en-US" dirty="0" err="1"/>
+              <a:t>ui</a:t>
+            </a:r>
+            <a:r>
+              <a:rPr lang="en-US" dirty="0"/>
+              <a:t>/look-and-feel/</a:t>
+            </a:r>
+            <a:r>
+              <a:rPr lang="en-US" dirty="0" err="1"/>
+              <a:t>themes#Theme</a:t>
+            </a:r>
+            <a:endParaRPr lang="en-US" dirty="0"/>
+          </a:p>
+        </p:txBody>
+      </p:sp>
+      <p:sp>
+        <p:nvSpPr>
+          <p:cNvPr id="4" name="Slide Number Placeholder 3"/>
+          <p:cNvSpPr>
+            <a:spLocks noGrp="1"/>
+          </p:cNvSpPr>
+          <p:nvPr>
+            <p:ph type="sldNum" sz="quarter" idx="10"/>
+          </p:nvPr>
+        </p:nvSpPr>
+        <p:spPr/>
+        <p:txBody>
+          <a:bodyPr/>
+          <a:lstStyle/>
+          <a:p>
+            <a:fld id="{44EB6C7D-DFD8-944D-93E3-D07F7EBDDEA8}" type="slidenum">
+              <a:rPr lang="en-US" smtClean="0"/>
+              <a:t>6</a:t>
+            </a:fld>
+            <a:endParaRPr lang="en-US"/>
+          </a:p>
+        </p:txBody>
+      </p:sp>
+    </p:spTree>
+    <p:extLst>
+      <p:ext uri="{BB962C8B-B14F-4D97-AF65-F5344CB8AC3E}">
+        <p14:creationId xmlns:p14="http://schemas.microsoft.com/office/powerpoint/2010/main" val="1617487565"/>
+      </p:ext>
+    </p:extLst>
+  </p:cSld>
+  <p:clrMapOvr>
+    <a:masterClrMapping/>
+  </p:clrMapOvr>
+</p:notes>
+</file>
+
+<file path=ppt/notesSlides/notesSlide5.xml><?xml version="1.0" encoding="utf-8"?>
+<p:notes xmlns:a="http://schemas.openxmlformats.org/drawingml/2006/main" xmlns:r="http://schemas.openxmlformats.org/officeDocument/2006/relationships" xmlns:p="http://schemas.openxmlformats.org/presentationml/2006/main">
+  <p:cSld>
+    <p:spTree>
+      <p:nvGrpSpPr>
+        <p:cNvPr id="1" name=""/>
+        <p:cNvGrpSpPr/>
+        <p:nvPr/>
+      </p:nvGrpSpPr>
+      <p:grpSpPr>
+        <a:xfrm>
+          <a:off x="0" y="0"/>
+          <a:ext cx="0" cy="0"/>
+          <a:chOff x="0" y="0"/>
+          <a:chExt cx="0" cy="0"/>
+        </a:xfrm>
+      </p:grpSpPr>
+      <p:sp>
+        <p:nvSpPr>
+          <p:cNvPr id="2" name="Slide Image Placeholder 1"/>
+          <p:cNvSpPr>
+            <a:spLocks noGrp="1" noRot="1" noChangeAspect="1"/>
+          </p:cNvSpPr>
+          <p:nvPr>
+            <p:ph type="sldImg"/>
+          </p:nvPr>
+        </p:nvSpPr>
+        <p:spPr/>
+      </p:sp>
+      <p:sp>
+        <p:nvSpPr>
+          <p:cNvPr id="3" name="Notes Placeholder 2"/>
+          <p:cNvSpPr>
+            <a:spLocks noGrp="1"/>
+          </p:cNvSpPr>
+          <p:nvPr>
+            <p:ph type="body" idx="1"/>
+          </p:nvPr>
+        </p:nvSpPr>
+        <p:spPr/>
+        <p:txBody>
+          <a:bodyPr/>
+          <a:lstStyle/>
+          <a:p>
+            <a:r>
+              <a:rPr lang="en-US" dirty="0"/>
+              <a:t>https://</a:t>
+            </a:r>
+            <a:r>
+              <a:rPr lang="en-US" dirty="0" err="1"/>
+              <a:t>developer.android.com</a:t>
+            </a:r>
+            <a:r>
+              <a:rPr lang="en-US" dirty="0"/>
+              <a:t>/guide/topics/</a:t>
+            </a:r>
+            <a:r>
+              <a:rPr lang="en-US" dirty="0" err="1"/>
+              <a:t>ui</a:t>
+            </a:r>
+            <a:r>
+              <a:rPr lang="en-US" dirty="0"/>
+              <a:t>/look-and-feel/</a:t>
+            </a:r>
+            <a:r>
+              <a:rPr lang="en-US" dirty="0" err="1"/>
+              <a:t>themes#Theme</a:t>
+            </a:r>
+            <a:endParaRPr lang="en-US" dirty="0"/>
+          </a:p>
+        </p:txBody>
+      </p:sp>
+      <p:sp>
+        <p:nvSpPr>
+          <p:cNvPr id="4" name="Slide Number Placeholder 3"/>
+          <p:cNvSpPr>
+            <a:spLocks noGrp="1"/>
+          </p:cNvSpPr>
+          <p:nvPr>
+            <p:ph type="sldNum" sz="quarter" idx="10"/>
+          </p:nvPr>
+        </p:nvSpPr>
+        <p:spPr/>
+        <p:txBody>
+          <a:bodyPr/>
+          <a:lstStyle/>
+          <a:p>
+            <a:fld id="{44EB6C7D-DFD8-944D-93E3-D07F7EBDDEA8}" type="slidenum">
+              <a:rPr lang="en-US" smtClean="0"/>
+              <a:t>7</a:t>
+            </a:fld>
+            <a:endParaRPr lang="en-US"/>
+          </a:p>
+        </p:txBody>
+      </p:sp>
+    </p:spTree>
+    <p:extLst>
+      <p:ext uri="{BB962C8B-B14F-4D97-AF65-F5344CB8AC3E}">
+        <p14:creationId xmlns:p14="http://schemas.microsoft.com/office/powerpoint/2010/main" val="717650539"/>
+      </p:ext>
+    </p:extLst>
+  </p:cSld>
+  <p:clrMapOvr>
+    <a:masterClrMapping/>
+  </p:clrMapOvr>
+</p:notes>
+</file>
+
+<file path=ppt/notesSlides/notesSlide6.xml><?xml version="1.0" encoding="utf-8"?>
+<p:notes xmlns:a="http://schemas.openxmlformats.org/drawingml/2006/main" xmlns:r="http://schemas.openxmlformats.org/officeDocument/2006/relationships" xmlns:p="http://schemas.openxmlformats.org/presentationml/2006/main">
+  <p:cSld>
+    <p:spTree>
+      <p:nvGrpSpPr>
+        <p:cNvPr id="1" name=""/>
+        <p:cNvGrpSpPr/>
+        <p:nvPr/>
+      </p:nvGrpSpPr>
+      <p:grpSpPr>
+        <a:xfrm>
+          <a:off x="0" y="0"/>
+          <a:ext cx="0" cy="0"/>
+          <a:chOff x="0" y="0"/>
+          <a:chExt cx="0" cy="0"/>
+        </a:xfrm>
+      </p:grpSpPr>
+      <p:sp>
+        <p:nvSpPr>
+          <p:cNvPr id="2" name="Slide Image Placeholder 1"/>
+          <p:cNvSpPr>
+            <a:spLocks noGrp="1" noRot="1" noChangeAspect="1"/>
+          </p:cNvSpPr>
+          <p:nvPr>
+            <p:ph type="sldImg"/>
+          </p:nvPr>
+        </p:nvSpPr>
+        <p:spPr/>
+      </p:sp>
+      <p:sp>
+        <p:nvSpPr>
+          <p:cNvPr id="3" name="Notes Placeholder 2"/>
+          <p:cNvSpPr>
+            <a:spLocks noGrp="1"/>
+          </p:cNvSpPr>
+          <p:nvPr>
+            <p:ph type="body" idx="1"/>
+          </p:nvPr>
+        </p:nvSpPr>
+        <p:spPr/>
+        <p:txBody>
+          <a:bodyPr/>
+          <a:lstStyle/>
+          <a:p>
+            <a:endParaRPr lang="en-US" dirty="0"/>
+          </a:p>
+        </p:txBody>
+      </p:sp>
+      <p:sp>
+        <p:nvSpPr>
+          <p:cNvPr id="4" name="Slide Number Placeholder 3"/>
+          <p:cNvSpPr>
+            <a:spLocks noGrp="1"/>
+          </p:cNvSpPr>
+          <p:nvPr>
+            <p:ph type="sldNum" sz="quarter" idx="10"/>
+          </p:nvPr>
+        </p:nvSpPr>
+        <p:spPr/>
+        <p:txBody>
+          <a:bodyPr/>
+          <a:lstStyle/>
+          <a:p>
+            <a:fld id="{44EB6C7D-DFD8-944D-93E3-D07F7EBDDEA8}" type="slidenum">
+              <a:rPr lang="en-US" smtClean="0"/>
+              <a:t>8</a:t>
+            </a:fld>
+            <a:endParaRPr lang="en-US"/>
+          </a:p>
+        </p:txBody>
+      </p:sp>
+    </p:spTree>
+    <p:extLst>
+      <p:ext uri="{BB962C8B-B14F-4D97-AF65-F5344CB8AC3E}">
+        <p14:creationId xmlns:p14="http://schemas.microsoft.com/office/powerpoint/2010/main" val="3564868256"/>
+      </p:ext>
+    </p:extLst>
+  </p:cSld>
+  <p:clrMapOvr>
+    <a:masterClrMapping/>
+  </p:clrMapOvr>
+</p:notes>
+</file>
+
+<file path=ppt/notesSlides/notesSlide7.xml><?xml version="1.0" encoding="utf-8"?>
+<p:notes xmlns:a="http://schemas.openxmlformats.org/drawingml/2006/main" xmlns:r="http://schemas.openxmlformats.org/officeDocument/2006/relationships" xmlns:p="http://schemas.openxmlformats.org/presentationml/2006/main">
+  <p:cSld>
+    <p:spTree>
+      <p:nvGrpSpPr>
+        <p:cNvPr id="1" name=""/>
+        <p:cNvGrpSpPr/>
+        <p:nvPr/>
+      </p:nvGrpSpPr>
+      <p:grpSpPr>
+        <a:xfrm>
+          <a:off x="0" y="0"/>
+          <a:ext cx="0" cy="0"/>
+          <a:chOff x="0" y="0"/>
+          <a:chExt cx="0" cy="0"/>
+        </a:xfrm>
+      </p:grpSpPr>
+      <p:sp>
+        <p:nvSpPr>
+          <p:cNvPr id="2" name="Slide Image Placeholder 1"/>
+          <p:cNvSpPr>
+            <a:spLocks noGrp="1" noRot="1" noChangeAspect="1"/>
+          </p:cNvSpPr>
+          <p:nvPr>
+            <p:ph type="sldImg"/>
+          </p:nvPr>
+        </p:nvSpPr>
+        <p:spPr/>
+      </p:sp>
+      <p:sp>
+        <p:nvSpPr>
+          <p:cNvPr id="3" name="Notes Placeholder 2"/>
+          <p:cNvSpPr>
+            <a:spLocks noGrp="1"/>
+          </p:cNvSpPr>
+          <p:nvPr>
+            <p:ph type="body" idx="1"/>
+          </p:nvPr>
+        </p:nvSpPr>
+        <p:spPr/>
+        <p:txBody>
+          <a:bodyPr/>
+          <a:lstStyle/>
+          <a:p>
+            <a:r>
+              <a:rPr lang="en-US" dirty="0"/>
+              <a:t>Three common themes, and the ones used in the textbook</a:t>
+            </a:r>
+          </a:p>
+        </p:txBody>
+      </p:sp>
+      <p:sp>
+        <p:nvSpPr>
+          <p:cNvPr id="4" name="Slide Number Placeholder 3"/>
+          <p:cNvSpPr>
+            <a:spLocks noGrp="1"/>
+          </p:cNvSpPr>
+          <p:nvPr>
+            <p:ph type="sldNum" sz="quarter" idx="10"/>
+          </p:nvPr>
+        </p:nvSpPr>
+        <p:spPr/>
+        <p:txBody>
+          <a:bodyPr/>
+          <a:lstStyle/>
+          <a:p>
+            <a:fld id="{44EB6C7D-DFD8-944D-93E3-D07F7EBDDEA8}" type="slidenum">
+              <a:rPr lang="en-US" smtClean="0"/>
+              <a:t>9</a:t>
+            </a:fld>
+            <a:endParaRPr lang="en-US"/>
+          </a:p>
+        </p:txBody>
+      </p:sp>
+    </p:spTree>
+    <p:extLst>
+      <p:ext uri="{BB962C8B-B14F-4D97-AF65-F5344CB8AC3E}">
+        <p14:creationId xmlns:p14="http://schemas.microsoft.com/office/powerpoint/2010/main" val="2992178698"/>
+      </p:ext>
+    </p:extLst>
+  </p:cSld>
+  <p:clrMapOvr>
+    <a:masterClrMapping/>
+  </p:clrMapOvr>
+</p:notes>
+</file>
+
+<file path=ppt/notesSlides/notesSlide8.xml><?xml version="1.0" encoding="utf-8"?>
+<p:notes xmlns:a="http://schemas.openxmlformats.org/drawingml/2006/main" xmlns:r="http://schemas.openxmlformats.org/officeDocument/2006/relationships" xmlns:p="http://schemas.openxmlformats.org/presentationml/2006/main">
+  <p:cSld>
+    <p:spTree>
+      <p:nvGrpSpPr>
+        <p:cNvPr id="1" name=""/>
+        <p:cNvGrpSpPr/>
+        <p:nvPr/>
+      </p:nvGrpSpPr>
+      <p:grpSpPr>
+        <a:xfrm>
+          <a:off x="0" y="0"/>
+          <a:ext cx="0" cy="0"/>
+          <a:chOff x="0" y="0"/>
+          <a:chExt cx="0" cy="0"/>
+        </a:xfrm>
+      </p:grpSpPr>
+      <p:sp>
+        <p:nvSpPr>
+          <p:cNvPr id="2" name="Slide Image Placeholder 1"/>
+          <p:cNvSpPr>
+            <a:spLocks noGrp="1" noRot="1" noChangeAspect="1"/>
+          </p:cNvSpPr>
+          <p:nvPr>
+            <p:ph type="sldImg"/>
+          </p:nvPr>
+        </p:nvSpPr>
+        <p:spPr/>
+      </p:sp>
+      <p:sp>
+        <p:nvSpPr>
+          <p:cNvPr id="3" name="Notes Placeholder 2"/>
+          <p:cNvSpPr>
+            <a:spLocks noGrp="1"/>
+          </p:cNvSpPr>
+          <p:nvPr>
+            <p:ph type="body" idx="1"/>
+          </p:nvPr>
+        </p:nvSpPr>
+        <p:spPr/>
+        <p:txBody>
+          <a:bodyPr/>
+          <a:lstStyle/>
+          <a:p>
+            <a:r>
+              <a:rPr lang="en-US" dirty="0"/>
+              <a:t>https://</a:t>
+            </a:r>
+            <a:r>
+              <a:rPr lang="en-US" dirty="0" err="1"/>
+              <a:t>developer.android.com</a:t>
+            </a:r>
+            <a:r>
+              <a:rPr lang="en-US" dirty="0"/>
+              <a:t>/training/material/</a:t>
+            </a:r>
+            <a:r>
+              <a:rPr lang="en-US" dirty="0" err="1"/>
+              <a:t>index.html</a:t>
+            </a:r>
+            <a:endParaRPr lang="en-US" dirty="0"/>
+          </a:p>
+        </p:txBody>
+      </p:sp>
+      <p:sp>
+        <p:nvSpPr>
+          <p:cNvPr id="4" name="Slide Number Placeholder 3"/>
+          <p:cNvSpPr>
+            <a:spLocks noGrp="1"/>
+          </p:cNvSpPr>
+          <p:nvPr>
+            <p:ph type="sldNum" sz="quarter" idx="10"/>
+          </p:nvPr>
+        </p:nvSpPr>
+        <p:spPr/>
+        <p:txBody>
+          <a:bodyPr/>
+          <a:lstStyle/>
+          <a:p>
+            <a:fld id="{44EB6C7D-DFD8-944D-93E3-D07F7EBDDEA8}" type="slidenum">
+              <a:rPr lang="en-US" smtClean="0"/>
+              <a:t>10</a:t>
+            </a:fld>
+            <a:endParaRPr lang="en-US"/>
+          </a:p>
+        </p:txBody>
+      </p:sp>
+    </p:spTree>
+    <p:extLst>
+      <p:ext uri="{BB962C8B-B14F-4D97-AF65-F5344CB8AC3E}">
+        <p14:creationId xmlns:p14="http://schemas.microsoft.com/office/powerpoint/2010/main" val="588937274"/>
+      </p:ext>
+    </p:extLst>
+  </p:cSld>
+  <p:clrMapOvr>
+    <a:masterClrMapping/>
+  </p:clrMapOvr>
+</p:notes>
+</file>
+
+<file path=ppt/notesSlides/notesSlide9.xml><?xml version="1.0" encoding="utf-8"?>
+<p:notes xmlns:a="http://schemas.openxmlformats.org/drawingml/2006/main" xmlns:r="http://schemas.openxmlformats.org/officeDocument/2006/relationships" xmlns:p="http://schemas.openxmlformats.org/presentationml/2006/main">
+  <p:cSld>
+    <p:spTree>
+      <p:nvGrpSpPr>
+        <p:cNvPr id="1" name=""/>
+        <p:cNvGrpSpPr/>
+        <p:nvPr/>
+      </p:nvGrpSpPr>
+      <p:grpSpPr>
+        <a:xfrm>
+          <a:off x="0" y="0"/>
+          <a:ext cx="0" cy="0"/>
+          <a:chOff x="0" y="0"/>
+          <a:chExt cx="0" cy="0"/>
+        </a:xfrm>
+      </p:grpSpPr>
+      <p:sp>
+        <p:nvSpPr>
+          <p:cNvPr id="2" name="Slide Image Placeholder 1"/>
+          <p:cNvSpPr>
+            <a:spLocks noGrp="1" noRot="1" noChangeAspect="1"/>
+          </p:cNvSpPr>
+          <p:nvPr>
+            <p:ph type="sldImg"/>
+          </p:nvPr>
+        </p:nvSpPr>
+        <p:spPr/>
+      </p:sp>
+      <p:sp>
+        <p:nvSpPr>
+          <p:cNvPr id="3" name="Notes Placeholder 2"/>
+          <p:cNvSpPr>
+            <a:spLocks noGrp="1"/>
+          </p:cNvSpPr>
+          <p:nvPr>
+            <p:ph type="body" idx="1"/>
+          </p:nvPr>
+        </p:nvSpPr>
+        <p:spPr/>
+        <p:txBody>
+          <a:bodyPr/>
+          <a:lstStyle/>
+          <a:p>
+            <a:r>
+              <a:rPr lang="en-US" dirty="0"/>
               <a:t>Reveal animations provide users visual continuity when you show or hide a group of UI elements. The </a:t>
             </a:r>
             <a:r>
@@ -857,7 +1349,7 @@
           <a:p>
             <a:fld id="{44EB6C7D-DFD8-944D-93E3-D07F7EBDDEA8}" type="slidenum">
               <a:rPr lang="en-US" smtClean="0"/>
-              <a:t>11</a:t>
+              <a:t>16</a:t>
             </a:fld>
             <a:endParaRPr lang="en-US"/>
           </a:p>
@@ -1055,7 +1547,7 @@
           <a:p>
             <a:fld id="{12110144-19AD-4D4E-902D-E18AF93089D3}" type="datetimeFigureOut">
               <a:rPr lang="en-US" smtClean="0"/>
-              <a:t>6/28/18</a:t>
+              <a:t>6/29/18</a:t>
             </a:fld>
             <a:endParaRPr lang="en-US"/>
           </a:p>
@@ -1223,7 +1715,7 @@
           <a:p>
             <a:fld id="{12110144-19AD-4D4E-902D-E18AF93089D3}" type="datetimeFigureOut">
               <a:rPr lang="en-US" smtClean="0"/>
-              <a:t>6/28/18</a:t>
+              <a:t>6/29/18</a:t>
             </a:fld>
             <a:endParaRPr lang="en-US"/>
           </a:p>
@@ -1401,7 +1893,7 @@
           <a:p>
             <a:fld id="{12110144-19AD-4D4E-902D-E18AF93089D3}" type="datetimeFigureOut">
               <a:rPr lang="en-US" smtClean="0"/>
-              <a:t>6/28/18</a:t>
+              <a:t>6/29/18</a:t>
             </a:fld>
             <a:endParaRPr lang="en-US"/>
           </a:p>
@@ -1569,7 +2061,7 @@
           <a:p>
             <a:fld id="{12110144-19AD-4D4E-902D-E18AF93089D3}" type="datetimeFigureOut">
               <a:rPr lang="en-US" smtClean="0"/>
-              <a:t>6/28/18</a:t>
+              <a:t>6/29/18</a:t>
             </a:fld>
             <a:endParaRPr lang="en-US"/>
           </a:p>
@@ -1814,7 +2306,7 @@
           <a:p>
             <a:fld id="{12110144-19AD-4D4E-902D-E18AF93089D3}" type="datetimeFigureOut">
               <a:rPr lang="en-US" smtClean="0"/>
-              <a:t>6/28/18</a:t>
+              <a:t>6/29/18</a:t>
             </a:fld>
             <a:endParaRPr lang="en-US"/>
           </a:p>
@@ -2099,7 +2591,7 @@
           <a:p>
             <a:fld id="{12110144-19AD-4D4E-902D-E18AF93089D3}" type="datetimeFigureOut">
               <a:rPr lang="en-US" smtClean="0"/>
-              <a:t>6/28/18</a:t>
+              <a:t>6/29/18</a:t>
             </a:fld>
             <a:endParaRPr lang="en-US"/>
           </a:p>
@@ -2518,7 +3010,7 @@
           <a:p>
             <a:fld id="{12110144-19AD-4D4E-902D-E18AF93089D3}" type="datetimeFigureOut">
               <a:rPr lang="en-US" smtClean="0"/>
-              <a:t>6/28/18</a:t>
+              <a:t>6/29/18</a:t>
             </a:fld>
             <a:endParaRPr lang="en-US"/>
           </a:p>
@@ -2635,7 +3127,7 @@
           <a:p>
             <a:fld id="{12110144-19AD-4D4E-902D-E18AF93089D3}" type="datetimeFigureOut">
               <a:rPr lang="en-US" smtClean="0"/>
-              <a:t>6/28/18</a:t>
+              <a:t>6/29/18</a:t>
             </a:fld>
             <a:endParaRPr lang="en-US"/>
           </a:p>
@@ -2730,7 +3222,7 @@
           <a:p>
             <a:fld id="{12110144-19AD-4D4E-902D-E18AF93089D3}" type="datetimeFigureOut">
               <a:rPr lang="en-US" smtClean="0"/>
-              <a:t>6/28/18</a:t>
+              <a:t>6/29/18</a:t>
             </a:fld>
             <a:endParaRPr lang="en-US"/>
           </a:p>
@@ -3005,7 +3497,7 @@
           <a:p>
             <a:fld id="{12110144-19AD-4D4E-902D-E18AF93089D3}" type="datetimeFigureOut">
               <a:rPr lang="en-US" smtClean="0"/>
-              <a:t>6/28/18</a:t>
+              <a:t>6/29/18</a:t>
             </a:fld>
             <a:endParaRPr lang="en-US"/>
           </a:p>
@@ -3257,7 +3749,7 @@
           <a:p>
             <a:fld id="{12110144-19AD-4D4E-902D-E18AF93089D3}" type="datetimeFigureOut">
               <a:rPr lang="en-US" smtClean="0"/>
-              <a:t>6/28/18</a:t>
+              <a:t>6/29/18</a:t>
             </a:fld>
             <a:endParaRPr lang="en-US"/>
           </a:p>
@@ -3486,7 +3978,7 @@
           <a:p>
             <a:fld id="{12110144-19AD-4D4E-902D-E18AF93089D3}" type="datetimeFigureOut">
               <a:rPr lang="en-US" smtClean="0"/>
-              <a:t>6/28/18</a:t>
+              <a:t>6/29/18</a:t>
             </a:fld>
             <a:endParaRPr lang="en-US"/>
           </a:p>
@@ -4008,6 +4500,612 @@
       </p:grpSpPr>
       <p:sp>
         <p:nvSpPr>
+          <p:cNvPr id="2" name="Title 1"/>
+          <p:cNvSpPr>
+            <a:spLocks noGrp="1"/>
+          </p:cNvSpPr>
+          <p:nvPr>
+            <p:ph type="title"/>
+          </p:nvPr>
+        </p:nvSpPr>
+        <p:spPr>
+          <a:xfrm>
+            <a:off x="457200" y="274638"/>
+            <a:ext cx="8229600" cy="876430"/>
+          </a:xfrm>
+        </p:spPr>
+        <p:txBody>
+          <a:bodyPr/>
+          <a:lstStyle/>
+          <a:p>
+            <a:r>
+              <a:rPr lang="en-US" dirty="0">
+                <a:solidFill>
+                  <a:srgbClr val="0208F2"/>
+                </a:solidFill>
+              </a:rPr>
+              <a:t>Material Design</a:t>
+            </a:r>
+          </a:p>
+        </p:txBody>
+      </p:sp>
+      <p:sp>
+        <p:nvSpPr>
+          <p:cNvPr id="3" name="Content Placeholder 2"/>
+          <p:cNvSpPr>
+            <a:spLocks noGrp="1"/>
+          </p:cNvSpPr>
+          <p:nvPr>
+            <p:ph idx="1"/>
+          </p:nvPr>
+        </p:nvSpPr>
+        <p:spPr>
+          <a:xfrm>
+            <a:off x="457200" y="1151068"/>
+            <a:ext cx="8229600" cy="4975095"/>
+          </a:xfrm>
+        </p:spPr>
+        <p:txBody>
+          <a:bodyPr>
+            <a:normAutofit fontScale="85000" lnSpcReduction="20000"/>
+          </a:bodyPr>
+          <a:lstStyle/>
+          <a:p>
+            <a:r>
+              <a:rPr lang="en-US" dirty="0"/>
+              <a:t>Material design is a comprehensive guide for visual, motion, and interaction. To use material design in your Android apps, follow the guidelines described in the material design specification and use the components and functionality available in Android 5.0, Lollipop (API level 21) and newer.</a:t>
+            </a:r>
+          </a:p>
+          <a:p>
+            <a:endParaRPr lang="en-US" dirty="0"/>
+          </a:p>
+          <a:p>
+            <a:r>
+              <a:rPr lang="en-US" dirty="0"/>
+              <a:t>Material design apps have the following elements:</a:t>
+            </a:r>
+          </a:p>
+          <a:p>
+            <a:pPr lvl="1"/>
+            <a:r>
+              <a:rPr lang="en-US" dirty="0"/>
+              <a:t>The material theme</a:t>
+            </a:r>
+          </a:p>
+          <a:p>
+            <a:pPr lvl="1"/>
+            <a:r>
+              <a:rPr lang="en-US" dirty="0"/>
+              <a:t>Widgets for cards and lists</a:t>
+            </a:r>
+          </a:p>
+          <a:p>
+            <a:pPr lvl="1"/>
+            <a:r>
+              <a:rPr lang="en-US" dirty="0"/>
+              <a:t>Custom shadows and view clipping</a:t>
+            </a:r>
+          </a:p>
+          <a:p>
+            <a:pPr lvl="1"/>
+            <a:r>
+              <a:rPr lang="en-US" dirty="0"/>
+              <a:t>Vector drawables</a:t>
+            </a:r>
+          </a:p>
+          <a:p>
+            <a:pPr lvl="1"/>
+            <a:r>
+              <a:rPr lang="en-US" dirty="0"/>
+              <a:t>Custom animations</a:t>
+            </a:r>
+          </a:p>
+          <a:p>
+            <a:endParaRPr lang="en-US" dirty="0"/>
+          </a:p>
+        </p:txBody>
+      </p:sp>
+    </p:spTree>
+    <p:extLst>
+      <p:ext uri="{BB962C8B-B14F-4D97-AF65-F5344CB8AC3E}">
+        <p14:creationId xmlns:p14="http://schemas.microsoft.com/office/powerpoint/2010/main" val="3709605184"/>
+      </p:ext>
+    </p:extLst>
+  </p:cSld>
+  <p:clrMapOvr>
+    <a:masterClrMapping/>
+  </p:clrMapOvr>
+</p:sld>
+</file>
+
+<file path=ppt/slides/slide11.xml><?xml version="1.0" encoding="utf-8"?>
+<p:sld xmlns:a="http://schemas.openxmlformats.org/drawingml/2006/main" xmlns:r="http://schemas.openxmlformats.org/officeDocument/2006/relationships" xmlns:p="http://schemas.openxmlformats.org/presentationml/2006/main">
+  <p:cSld>
+    <p:spTree>
+      <p:nvGrpSpPr>
+        <p:cNvPr id="1" name=""/>
+        <p:cNvGrpSpPr/>
+        <p:nvPr/>
+      </p:nvGrpSpPr>
+      <p:grpSpPr>
+        <a:xfrm>
+          <a:off x="0" y="0"/>
+          <a:ext cx="0" cy="0"/>
+          <a:chOff x="0" y="0"/>
+          <a:chExt cx="0" cy="0"/>
+        </a:xfrm>
+      </p:grpSpPr>
+      <p:sp>
+        <p:nvSpPr>
+          <p:cNvPr id="2" name="Title 1"/>
+          <p:cNvSpPr>
+            <a:spLocks noGrp="1"/>
+          </p:cNvSpPr>
+          <p:nvPr>
+            <p:ph type="title"/>
+          </p:nvPr>
+        </p:nvSpPr>
+        <p:spPr/>
+        <p:txBody>
+          <a:bodyPr/>
+          <a:lstStyle/>
+          <a:p>
+            <a:r>
+              <a:rPr lang="en-US" dirty="0"/>
+              <a:t>Material Theme</a:t>
+            </a:r>
+          </a:p>
+        </p:txBody>
+      </p:sp>
+      <p:sp>
+        <p:nvSpPr>
+          <p:cNvPr id="3" name="Content Placeholder 2"/>
+          <p:cNvSpPr>
+            <a:spLocks noGrp="1"/>
+          </p:cNvSpPr>
+          <p:nvPr>
+            <p:ph sz="half" idx="1"/>
+          </p:nvPr>
+        </p:nvSpPr>
+        <p:spPr/>
+        <p:txBody>
+          <a:bodyPr>
+            <a:normAutofit lnSpcReduction="10000"/>
+          </a:bodyPr>
+          <a:lstStyle/>
+          <a:p>
+            <a:pPr marL="0" indent="0">
+              <a:buNone/>
+            </a:pPr>
+            <a:r>
+              <a:rPr lang="en-US" dirty="0"/>
+              <a:t>The material theme provides:</a:t>
+            </a:r>
+          </a:p>
+          <a:p>
+            <a:r>
+              <a:rPr lang="en-US" dirty="0"/>
+              <a:t>System widgets that let you set their color palette</a:t>
+            </a:r>
+          </a:p>
+          <a:p>
+            <a:r>
+              <a:rPr lang="en-US" dirty="0"/>
+              <a:t>Touch feedback animations for the system widgets</a:t>
+            </a:r>
+          </a:p>
+          <a:p>
+            <a:r>
+              <a:rPr lang="en-US" dirty="0"/>
+              <a:t>Activity transition animations</a:t>
+            </a:r>
+          </a:p>
+        </p:txBody>
+      </p:sp>
+      <p:pic>
+        <p:nvPicPr>
+          <p:cNvPr id="12" name="Content Placeholder 11"/>
+          <p:cNvPicPr>
+            <a:picLocks noGrp="1" noChangeAspect="1"/>
+          </p:cNvPicPr>
+          <p:nvPr>
+            <p:ph sz="half" idx="2"/>
+          </p:nvPr>
+        </p:nvPicPr>
+        <p:blipFill>
+          <a:blip r:embed="rId2"/>
+          <a:srcRect l="7526" r="7526"/>
+          <a:stretch>
+            <a:fillRect/>
+          </a:stretch>
+        </p:blipFill>
+        <p:spPr/>
+      </p:pic>
+    </p:spTree>
+    <p:extLst>
+      <p:ext uri="{BB962C8B-B14F-4D97-AF65-F5344CB8AC3E}">
+        <p14:creationId xmlns:p14="http://schemas.microsoft.com/office/powerpoint/2010/main" val="1099750604"/>
+      </p:ext>
+    </p:extLst>
+  </p:cSld>
+  <p:clrMapOvr>
+    <a:masterClrMapping/>
+  </p:clrMapOvr>
+</p:sld>
+</file>
+
+<file path=ppt/slides/slide12.xml><?xml version="1.0" encoding="utf-8"?>
+<p:sld xmlns:a="http://schemas.openxmlformats.org/drawingml/2006/main" xmlns:r="http://schemas.openxmlformats.org/officeDocument/2006/relationships" xmlns:p="http://schemas.openxmlformats.org/presentationml/2006/main">
+  <p:cSld>
+    <p:spTree>
+      <p:nvGrpSpPr>
+        <p:cNvPr id="1" name=""/>
+        <p:cNvGrpSpPr/>
+        <p:nvPr/>
+      </p:nvGrpSpPr>
+      <p:grpSpPr>
+        <a:xfrm>
+          <a:off x="0" y="0"/>
+          <a:ext cx="0" cy="0"/>
+          <a:chOff x="0" y="0"/>
+          <a:chExt cx="0" cy="0"/>
+        </a:xfrm>
+      </p:grpSpPr>
+      <p:sp>
+        <p:nvSpPr>
+          <p:cNvPr id="8" name="Title 7"/>
+          <p:cNvSpPr>
+            <a:spLocks noGrp="1"/>
+          </p:cNvSpPr>
+          <p:nvPr>
+            <p:ph type="title"/>
+          </p:nvPr>
+        </p:nvSpPr>
+        <p:spPr/>
+        <p:txBody>
+          <a:bodyPr/>
+          <a:lstStyle/>
+          <a:p>
+            <a:r>
+              <a:rPr lang="en-US" dirty="0"/>
+              <a:t>New Type of List View</a:t>
+            </a:r>
+          </a:p>
+        </p:txBody>
+      </p:sp>
+      <p:sp>
+        <p:nvSpPr>
+          <p:cNvPr id="9" name="Content Placeholder 8"/>
+          <p:cNvSpPr>
+            <a:spLocks noGrp="1"/>
+          </p:cNvSpPr>
+          <p:nvPr>
+            <p:ph sz="half" idx="1"/>
+          </p:nvPr>
+        </p:nvSpPr>
+        <p:spPr/>
+        <p:txBody>
+          <a:bodyPr>
+            <a:normAutofit lnSpcReduction="10000"/>
+          </a:bodyPr>
+          <a:lstStyle/>
+          <a:p>
+            <a:pPr marL="0" indent="0">
+              <a:buNone/>
+            </a:pPr>
+            <a:r>
+              <a:rPr lang="en-US" dirty="0"/>
+              <a:t>The </a:t>
+            </a:r>
+            <a:r>
+              <a:rPr lang="en-US" dirty="0" err="1"/>
+              <a:t>RecyclerView</a:t>
+            </a:r>
+            <a:r>
+              <a:rPr lang="en-US" dirty="0"/>
+              <a:t> class simplifies the display and handling of large data sets by providing:</a:t>
+            </a:r>
+          </a:p>
+          <a:p>
+            <a:r>
+              <a:rPr lang="en-US" dirty="0"/>
+              <a:t>Layout managers for positioning items</a:t>
+            </a:r>
+          </a:p>
+          <a:p>
+            <a:r>
+              <a:rPr lang="en-US" dirty="0"/>
+              <a:t>Default animations for common item operations, such as removal or addition of items</a:t>
+            </a:r>
+          </a:p>
+        </p:txBody>
+      </p:sp>
+      <p:pic>
+        <p:nvPicPr>
+          <p:cNvPr id="11" name="Content Placeholder 10"/>
+          <p:cNvPicPr>
+            <a:picLocks noGrp="1" noChangeAspect="1"/>
+          </p:cNvPicPr>
+          <p:nvPr>
+            <p:ph sz="half" idx="2"/>
+          </p:nvPr>
+        </p:nvPicPr>
+        <p:blipFill rotWithShape="1">
+          <a:blip r:embed="rId2"/>
+          <a:srcRect t="12512" b="12512"/>
+          <a:stretch/>
+        </p:blipFill>
+        <p:spPr>
+          <a:xfrm>
+            <a:off x="4648200" y="1681962"/>
+            <a:ext cx="4038600" cy="4444201"/>
+          </a:xfrm>
+        </p:spPr>
+      </p:pic>
+    </p:spTree>
+    <p:extLst>
+      <p:ext uri="{BB962C8B-B14F-4D97-AF65-F5344CB8AC3E}">
+        <p14:creationId xmlns:p14="http://schemas.microsoft.com/office/powerpoint/2010/main" val="3861671194"/>
+      </p:ext>
+    </p:extLst>
+  </p:cSld>
+  <p:clrMapOvr>
+    <a:masterClrMapping/>
+  </p:clrMapOvr>
+</p:sld>
+</file>
+
+<file path=ppt/slides/slide13.xml><?xml version="1.0" encoding="utf-8"?>
+<p:sld xmlns:a="http://schemas.openxmlformats.org/drawingml/2006/main" xmlns:r="http://schemas.openxmlformats.org/officeDocument/2006/relationships" xmlns:p="http://schemas.openxmlformats.org/presentationml/2006/main">
+  <p:cSld>
+    <p:spTree>
+      <p:nvGrpSpPr>
+        <p:cNvPr id="1" name=""/>
+        <p:cNvGrpSpPr/>
+        <p:nvPr/>
+      </p:nvGrpSpPr>
+      <p:grpSpPr>
+        <a:xfrm>
+          <a:off x="0" y="0"/>
+          <a:ext cx="0" cy="0"/>
+          <a:chOff x="0" y="0"/>
+          <a:chExt cx="0" cy="0"/>
+        </a:xfrm>
+      </p:grpSpPr>
+      <p:sp>
+        <p:nvSpPr>
+          <p:cNvPr id="2" name="Title 1"/>
+          <p:cNvSpPr>
+            <a:spLocks noGrp="1"/>
+          </p:cNvSpPr>
+          <p:nvPr>
+            <p:ph type="title"/>
+          </p:nvPr>
+        </p:nvSpPr>
+        <p:spPr/>
+        <p:txBody>
+          <a:bodyPr/>
+          <a:lstStyle/>
+          <a:p>
+            <a:r>
+              <a:rPr lang="en-US" dirty="0"/>
+              <a:t>Cards</a:t>
+            </a:r>
+          </a:p>
+        </p:txBody>
+      </p:sp>
+      <p:sp>
+        <p:nvSpPr>
+          <p:cNvPr id="3" name="Content Placeholder 2"/>
+          <p:cNvSpPr>
+            <a:spLocks noGrp="1"/>
+          </p:cNvSpPr>
+          <p:nvPr>
+            <p:ph sz="half" idx="1"/>
+          </p:nvPr>
+        </p:nvSpPr>
+        <p:spPr/>
+        <p:txBody>
+          <a:bodyPr/>
+          <a:lstStyle/>
+          <a:p>
+            <a:pPr marL="0" indent="0">
+              <a:buNone/>
+            </a:pPr>
+            <a:r>
+              <a:rPr lang="en-US" dirty="0" err="1"/>
+              <a:t>CardView</a:t>
+            </a:r>
+            <a:r>
+              <a:rPr lang="en-US" dirty="0"/>
+              <a:t> extends the </a:t>
+            </a:r>
+            <a:r>
+              <a:rPr lang="en-US" dirty="0" err="1"/>
+              <a:t>FrameLayout</a:t>
+            </a:r>
+            <a:r>
+              <a:rPr lang="en-US" dirty="0"/>
+              <a:t> class and lets you show information inside cards that have a consistent look across the platform. </a:t>
+            </a:r>
+            <a:r>
+              <a:rPr lang="en-US" dirty="0" err="1"/>
+              <a:t>CardView</a:t>
+            </a:r>
+            <a:r>
+              <a:rPr lang="en-US" dirty="0"/>
+              <a:t> widgets can have shadows and rounded corners.</a:t>
+            </a:r>
+          </a:p>
+        </p:txBody>
+      </p:sp>
+      <p:pic>
+        <p:nvPicPr>
+          <p:cNvPr id="5" name="Content Placeholder 4"/>
+          <p:cNvPicPr>
+            <a:picLocks noGrp="1" noChangeAspect="1"/>
+          </p:cNvPicPr>
+          <p:nvPr>
+            <p:ph sz="half" idx="2"/>
+          </p:nvPr>
+        </p:nvPicPr>
+        <p:blipFill>
+          <a:blip r:embed="rId2"/>
+          <a:srcRect l="-26115" r="-26115"/>
+          <a:stretch>
+            <a:fillRect/>
+          </a:stretch>
+        </p:blipFill>
+        <p:spPr>
+          <a:xfrm>
+            <a:off x="4261716" y="1167076"/>
+            <a:ext cx="4808831" cy="5389143"/>
+          </a:xfrm>
+        </p:spPr>
+      </p:pic>
+    </p:spTree>
+    <p:extLst>
+      <p:ext uri="{BB962C8B-B14F-4D97-AF65-F5344CB8AC3E}">
+        <p14:creationId xmlns:p14="http://schemas.microsoft.com/office/powerpoint/2010/main" val="4179464225"/>
+      </p:ext>
+    </p:extLst>
+  </p:cSld>
+  <p:clrMapOvr>
+    <a:masterClrMapping/>
+  </p:clrMapOvr>
+</p:sld>
+</file>
+
+<file path=ppt/slides/slide14.xml><?xml version="1.0" encoding="utf-8"?>
+<p:sld xmlns:a="http://schemas.openxmlformats.org/drawingml/2006/main" xmlns:r="http://schemas.openxmlformats.org/officeDocument/2006/relationships" xmlns:p="http://schemas.openxmlformats.org/presentationml/2006/main">
+  <p:cSld>
+    <p:spTree>
+      <p:nvGrpSpPr>
+        <p:cNvPr id="1" name=""/>
+        <p:cNvGrpSpPr/>
+        <p:nvPr/>
+      </p:nvGrpSpPr>
+      <p:grpSpPr>
+        <a:xfrm>
+          <a:off x="0" y="0"/>
+          <a:ext cx="0" cy="0"/>
+          <a:chOff x="0" y="0"/>
+          <a:chExt cx="0" cy="0"/>
+        </a:xfrm>
+      </p:grpSpPr>
+      <p:sp>
+        <p:nvSpPr>
+          <p:cNvPr id="5" name="Title 4"/>
+          <p:cNvSpPr>
+            <a:spLocks noGrp="1"/>
+          </p:cNvSpPr>
+          <p:nvPr>
+            <p:ph type="title"/>
+          </p:nvPr>
+        </p:nvSpPr>
+        <p:spPr/>
+        <p:txBody>
+          <a:bodyPr/>
+          <a:lstStyle/>
+          <a:p>
+            <a:r>
+              <a:rPr lang="en-US" dirty="0"/>
+              <a:t>Elevation: Shadows and Movement</a:t>
+            </a:r>
+          </a:p>
+        </p:txBody>
+      </p:sp>
+      <p:sp>
+        <p:nvSpPr>
+          <p:cNvPr id="6" name="Content Placeholder 5"/>
+          <p:cNvSpPr>
+            <a:spLocks noGrp="1"/>
+          </p:cNvSpPr>
+          <p:nvPr>
+            <p:ph idx="1"/>
+          </p:nvPr>
+        </p:nvSpPr>
+        <p:spPr/>
+        <p:txBody>
+          <a:bodyPr>
+            <a:normAutofit fontScale="85000" lnSpcReduction="10000"/>
+          </a:bodyPr>
+          <a:lstStyle/>
+          <a:p>
+            <a:pPr marL="0" indent="0">
+              <a:buNone/>
+            </a:pPr>
+            <a:r>
+              <a:rPr lang="en-US" dirty="0"/>
+              <a:t>Material design introduces elevation for UI elements. </a:t>
+            </a:r>
+          </a:p>
+          <a:p>
+            <a:r>
+              <a:rPr lang="en-US" dirty="0"/>
+              <a:t>Elevation helps users understand the relative importance of each element</a:t>
+            </a:r>
+          </a:p>
+          <a:p>
+            <a:r>
+              <a:rPr lang="en-US" dirty="0"/>
+              <a:t>The elevation of a view, represented by the Z property, determines the visual appearance of its shadow</a:t>
+            </a:r>
+          </a:p>
+          <a:p>
+            <a:pPr lvl="1"/>
+            <a:r>
+              <a:rPr lang="en-US" dirty="0"/>
+              <a:t>Views with higher Z values cast larger, softer shadows</a:t>
+            </a:r>
+          </a:p>
+          <a:p>
+            <a:pPr lvl="1"/>
+            <a:r>
+              <a:rPr lang="en-US" dirty="0"/>
+              <a:t>Views with higher Z values occlude views with lower Z values</a:t>
+            </a:r>
+          </a:p>
+          <a:p>
+            <a:r>
+              <a:rPr lang="en-US" dirty="0"/>
+              <a:t>Elevation can be used to create animations where widgets temporarily rise above the view plane when performing some action.</a:t>
+            </a:r>
+          </a:p>
+        </p:txBody>
+      </p:sp>
+    </p:spTree>
+    <p:extLst>
+      <p:ext uri="{BB962C8B-B14F-4D97-AF65-F5344CB8AC3E}">
+        <p14:creationId xmlns:p14="http://schemas.microsoft.com/office/powerpoint/2010/main" val="3196178850"/>
+      </p:ext>
+    </p:extLst>
+  </p:cSld>
+  <p:clrMapOvr>
+    <a:masterClrMapping/>
+  </p:clrMapOvr>
+</p:sld>
+</file>
+
+<file path=ppt/slides/slide15.xml><?xml version="1.0" encoding="utf-8"?>
+<p:sld xmlns:a="http://schemas.openxmlformats.org/drawingml/2006/main" xmlns:r="http://schemas.openxmlformats.org/officeDocument/2006/relationships" xmlns:p="http://schemas.openxmlformats.org/presentationml/2006/main">
+  <p:cSld>
+    <p:spTree>
+      <p:nvGrpSpPr>
+        <p:cNvPr id="1" name=""/>
+        <p:cNvGrpSpPr/>
+        <p:nvPr/>
+      </p:nvGrpSpPr>
+      <p:grpSpPr>
+        <a:xfrm>
+          <a:off x="0" y="0"/>
+          <a:ext cx="0" cy="0"/>
+          <a:chOff x="0" y="0"/>
+          <a:chExt cx="0" cy="0"/>
+        </a:xfrm>
+      </p:grpSpPr>
+      <p:sp>
+        <p:nvSpPr>
           <p:cNvPr id="4" name="Title 3"/>
           <p:cNvSpPr>
             <a:spLocks noGrp="1"/>
@@ -4065,7 +5163,7 @@
 </p:sld>
 </file>
 
-<file path=ppt/slides/slide11.xml><?xml version="1.0" encoding="utf-8"?>
+<file path=ppt/slides/slide16.xml><?xml version="1.0" encoding="utf-8"?>
 <p:sld xmlns:a="http://schemas.openxmlformats.org/drawingml/2006/main" xmlns:r="http://schemas.openxmlformats.org/officeDocument/2006/relationships" xmlns:p="http://schemas.openxmlformats.org/presentationml/2006/main">
   <p:cSld>
     <p:spTree>
@@ -4180,7 +5278,7 @@
 </p:sld>
 </file>
 
-<file path=ppt/slides/slide12.xml><?xml version="1.0" encoding="utf-8"?>
+<file path=ppt/slides/slide17.xml><?xml version="1.0" encoding="utf-8"?>
 <p:sld xmlns:a="http://schemas.openxmlformats.org/drawingml/2006/main" xmlns:r="http://schemas.openxmlformats.org/officeDocument/2006/relationships" xmlns:p="http://schemas.openxmlformats.org/presentationml/2006/main">
   <p:cSld>
     <p:spTree>
@@ -5294,6 +6392,1087 @@
       </p:grpSpPr>
       <p:sp>
         <p:nvSpPr>
+          <p:cNvPr id="5" name="Title 4"/>
+          <p:cNvSpPr>
+            <a:spLocks noGrp="1"/>
+          </p:cNvSpPr>
+          <p:nvPr>
+            <p:ph type="title"/>
+          </p:nvPr>
+        </p:nvSpPr>
+        <p:spPr>
+          <a:xfrm>
+            <a:off x="457200" y="274638"/>
+            <a:ext cx="8229600" cy="962491"/>
+          </a:xfrm>
+        </p:spPr>
+        <p:txBody>
+          <a:bodyPr/>
+          <a:lstStyle/>
+          <a:p>
+            <a:r>
+              <a:rPr lang="en-US" dirty="0">
+                <a:solidFill>
+                  <a:srgbClr val="0208F2"/>
+                </a:solidFill>
+              </a:rPr>
+              <a:t>Create a Style</a:t>
+            </a:r>
+          </a:p>
+        </p:txBody>
+      </p:sp>
+      <p:sp>
+        <p:nvSpPr>
+          <p:cNvPr id="6" name="Content Placeholder 5"/>
+          <p:cNvSpPr>
+            <a:spLocks noGrp="1"/>
+          </p:cNvSpPr>
+          <p:nvPr>
+            <p:ph idx="1"/>
+          </p:nvPr>
+        </p:nvSpPr>
+        <p:spPr>
+          <a:xfrm>
+            <a:off x="457200" y="1237129"/>
+            <a:ext cx="8229600" cy="4861414"/>
+          </a:xfrm>
+        </p:spPr>
+        <p:txBody>
+          <a:bodyPr>
+            <a:normAutofit fontScale="85000" lnSpcReduction="20000"/>
+          </a:bodyPr>
+          <a:lstStyle/>
+          <a:p>
+            <a:r>
+              <a:rPr lang="en-US" dirty="0"/>
+              <a:t>Open your project's res/values/</a:t>
+            </a:r>
+            <a:r>
+              <a:rPr lang="en-US" dirty="0" err="1"/>
+              <a:t>styles.xml</a:t>
+            </a:r>
+            <a:r>
+              <a:rPr lang="en-US" dirty="0"/>
+              <a:t> file. </a:t>
+            </a:r>
+          </a:p>
+          <a:p>
+            <a:r>
+              <a:rPr lang="en-US" dirty="0"/>
+              <a:t>Add a &lt;style&gt; element with a name that uniquely identifies the style.</a:t>
+            </a:r>
+          </a:p>
+          <a:p>
+            <a:r>
+              <a:rPr lang="en-US" dirty="0"/>
+              <a:t>Add an &lt;item&gt; element for each style attribute you want to define. For example, if you define the following style:</a:t>
+            </a:r>
+          </a:p>
+          <a:p>
+            <a:pPr marL="0" indent="0">
+              <a:buNone/>
+            </a:pPr>
+            <a:r>
+              <a:rPr lang="en-US" sz="2800" dirty="0"/>
+              <a:t>&lt;?xml version=</a:t>
+            </a:r>
+            <a:r>
+              <a:rPr lang="en-US" dirty="0"/>
+              <a:t>"1.0"</a:t>
+            </a:r>
+            <a:r>
+              <a:rPr lang="en-US" sz="2800" dirty="0"/>
+              <a:t> encoding=</a:t>
+            </a:r>
+            <a:r>
+              <a:rPr lang="en-US" dirty="0"/>
+              <a:t>"utf-8"</a:t>
+            </a:r>
+            <a:r>
+              <a:rPr lang="en-US" sz="2800" dirty="0"/>
+              <a:t>?&gt;</a:t>
+            </a:r>
+            <a:br>
+              <a:rPr lang="en-US" sz="2800" dirty="0"/>
+            </a:br>
+            <a:r>
+              <a:rPr lang="en-US" dirty="0"/>
+              <a:t>&lt;resources&gt;</a:t>
+            </a:r>
+            <a:br>
+              <a:rPr lang="en-US" sz="2800" dirty="0"/>
+            </a:br>
+            <a:r>
+              <a:rPr lang="en-US" sz="2800" dirty="0"/>
+              <a:t>    </a:t>
+            </a:r>
+            <a:r>
+              <a:rPr lang="en-US" dirty="0"/>
+              <a:t>&lt;style</a:t>
+            </a:r>
+            <a:r>
+              <a:rPr lang="en-US" sz="2800" dirty="0"/>
+              <a:t> </a:t>
+            </a:r>
+            <a:r>
+              <a:rPr lang="en-US" dirty="0"/>
+              <a:t>name</a:t>
+            </a:r>
+            <a:r>
+              <a:rPr lang="en-US" sz="2800" dirty="0"/>
+              <a:t>=</a:t>
+            </a:r>
+            <a:r>
+              <a:rPr lang="en-US" dirty="0"/>
+              <a:t>"</a:t>
+            </a:r>
+            <a:r>
+              <a:rPr lang="en-US" dirty="0" err="1"/>
+              <a:t>GreenText</a:t>
+            </a:r>
+            <a:r>
+              <a:rPr lang="en-US" dirty="0"/>
+              <a:t>"</a:t>
+            </a:r>
+            <a:r>
+              <a:rPr lang="en-US" sz="2800" dirty="0"/>
+              <a:t> </a:t>
+            </a:r>
+            <a:r>
+              <a:rPr lang="en-US" dirty="0"/>
+              <a:t>parent</a:t>
+            </a:r>
+            <a:r>
+              <a:rPr lang="en-US" sz="2800" dirty="0"/>
+              <a:t>=</a:t>
+            </a:r>
+            <a:r>
+              <a:rPr lang="en-US" dirty="0"/>
+              <a:t>"</a:t>
+            </a:r>
+            <a:r>
+              <a:rPr lang="en-US" dirty="0" err="1"/>
+              <a:t>TextAppearance.AppCompat</a:t>
+            </a:r>
+            <a:r>
+              <a:rPr lang="en-US" dirty="0"/>
+              <a:t>"&gt;</a:t>
+            </a:r>
+            <a:br>
+              <a:rPr lang="en-US" sz="2800" dirty="0"/>
+            </a:br>
+            <a:r>
+              <a:rPr lang="en-US" sz="2800" dirty="0"/>
+              <a:t>        &lt;item name=</a:t>
+            </a:r>
+            <a:r>
+              <a:rPr lang="en-US" dirty="0"/>
+              <a:t>"</a:t>
+            </a:r>
+            <a:r>
+              <a:rPr lang="en-US" dirty="0" err="1"/>
+              <a:t>android:textColor</a:t>
+            </a:r>
+            <a:r>
+              <a:rPr lang="en-US" dirty="0"/>
+              <a:t>"</a:t>
+            </a:r>
+            <a:r>
+              <a:rPr lang="en-US" sz="2800" dirty="0"/>
+              <a:t>&gt;#</a:t>
+            </a:r>
+            <a:r>
+              <a:rPr lang="en-US" dirty="0"/>
+              <a:t>00FF00</a:t>
+            </a:r>
+            <a:r>
+              <a:rPr lang="en-US" sz="2800" dirty="0"/>
+              <a:t>&lt;/item&gt;</a:t>
+            </a:r>
+            <a:br>
+              <a:rPr lang="en-US" sz="2800" dirty="0"/>
+            </a:br>
+            <a:r>
+              <a:rPr lang="en-US" sz="2800" dirty="0"/>
+              <a:t>    </a:t>
+            </a:r>
+            <a:r>
+              <a:rPr lang="en-US" dirty="0"/>
+              <a:t>&lt;/style&gt;</a:t>
+            </a:r>
+            <a:br>
+              <a:rPr lang="en-US" sz="2800" dirty="0"/>
+            </a:br>
+            <a:r>
+              <a:rPr lang="en-US" dirty="0"/>
+              <a:t>&lt;/resources&gt;</a:t>
+            </a:r>
+            <a:endParaRPr lang="en-US" sz="2600" dirty="0"/>
+          </a:p>
+        </p:txBody>
+      </p:sp>
+    </p:spTree>
+    <p:extLst>
+      <p:ext uri="{BB962C8B-B14F-4D97-AF65-F5344CB8AC3E}">
+        <p14:creationId xmlns:p14="http://schemas.microsoft.com/office/powerpoint/2010/main" val="3903267341"/>
+      </p:ext>
+    </p:extLst>
+  </p:cSld>
+  <p:clrMapOvr>
+    <a:masterClrMapping/>
+  </p:clrMapOvr>
+</p:sld>
+</file>
+
+<file path=ppt/slides/slide5.xml><?xml version="1.0" encoding="utf-8"?>
+<p:sld xmlns:a="http://schemas.openxmlformats.org/drawingml/2006/main" xmlns:r="http://schemas.openxmlformats.org/officeDocument/2006/relationships" xmlns:p="http://schemas.openxmlformats.org/presentationml/2006/main">
+  <p:cSld>
+    <p:spTree>
+      <p:nvGrpSpPr>
+        <p:cNvPr id="1" name=""/>
+        <p:cNvGrpSpPr/>
+        <p:nvPr/>
+      </p:nvGrpSpPr>
+      <p:grpSpPr>
+        <a:xfrm>
+          <a:off x="0" y="0"/>
+          <a:ext cx="0" cy="0"/>
+          <a:chOff x="0" y="0"/>
+          <a:chExt cx="0" cy="0"/>
+        </a:xfrm>
+      </p:grpSpPr>
+      <p:sp>
+        <p:nvSpPr>
+          <p:cNvPr id="5" name="Title 4"/>
+          <p:cNvSpPr>
+            <a:spLocks noGrp="1"/>
+          </p:cNvSpPr>
+          <p:nvPr>
+            <p:ph type="title"/>
+          </p:nvPr>
+        </p:nvSpPr>
+        <p:spPr>
+          <a:xfrm>
+            <a:off x="457200" y="274638"/>
+            <a:ext cx="8229600" cy="962491"/>
+          </a:xfrm>
+        </p:spPr>
+        <p:txBody>
+          <a:bodyPr/>
+          <a:lstStyle/>
+          <a:p>
+            <a:r>
+              <a:rPr lang="en-US" dirty="0">
+                <a:solidFill>
+                  <a:srgbClr val="0208F2"/>
+                </a:solidFill>
+              </a:rPr>
+              <a:t>Use a Style</a:t>
+            </a:r>
+          </a:p>
+        </p:txBody>
+      </p:sp>
+      <p:sp>
+        <p:nvSpPr>
+          <p:cNvPr id="6" name="Content Placeholder 5"/>
+          <p:cNvSpPr>
+            <a:spLocks noGrp="1"/>
+          </p:cNvSpPr>
+          <p:nvPr>
+            <p:ph idx="1"/>
+          </p:nvPr>
+        </p:nvSpPr>
+        <p:spPr>
+          <a:xfrm>
+            <a:off x="457200" y="1237129"/>
+            <a:ext cx="8229600" cy="4861414"/>
+          </a:xfrm>
+        </p:spPr>
+        <p:txBody>
+          <a:bodyPr>
+            <a:normAutofit/>
+          </a:bodyPr>
+          <a:lstStyle/>
+          <a:p>
+            <a:r>
+              <a:rPr lang="en-US" dirty="0"/>
+              <a:t>You can apply the style to a view as follows:</a:t>
+            </a:r>
+          </a:p>
+          <a:p>
+            <a:pPr marL="0" indent="0">
+              <a:buNone/>
+            </a:pPr>
+            <a:r>
+              <a:rPr lang="en-US" dirty="0"/>
+              <a:t>&lt;</a:t>
+            </a:r>
+            <a:r>
+              <a:rPr lang="en-US" dirty="0" err="1"/>
+              <a:t>TextView</a:t>
+            </a:r>
+            <a:br>
+              <a:rPr lang="en-US" sz="2800" dirty="0"/>
+            </a:br>
+            <a:r>
+              <a:rPr lang="en-US" sz="2800" dirty="0"/>
+              <a:t>    </a:t>
+            </a:r>
+            <a:r>
+              <a:rPr lang="en-US" dirty="0"/>
+              <a:t>style</a:t>
+            </a:r>
+            <a:r>
+              <a:rPr lang="en-US" sz="2800" dirty="0"/>
+              <a:t>=</a:t>
+            </a:r>
+            <a:r>
+              <a:rPr lang="en-US" dirty="0"/>
+              <a:t>"</a:t>
+            </a:r>
+            <a:r>
+              <a:rPr lang="en-US" sz="2800" dirty="0"/>
+              <a:t>@style/</a:t>
+            </a:r>
+            <a:r>
+              <a:rPr lang="en-US" sz="2800" dirty="0" err="1"/>
+              <a:t>GreenText</a:t>
+            </a:r>
+            <a:r>
+              <a:rPr lang="en-US" dirty="0"/>
+              <a:t>"</a:t>
+            </a:r>
+            <a:br>
+              <a:rPr lang="en-US" sz="2800" dirty="0"/>
+            </a:br>
+            <a:r>
+              <a:rPr lang="en-US" sz="2800" dirty="0"/>
+              <a:t>    ... </a:t>
+            </a:r>
+            <a:r>
+              <a:rPr lang="en-US" dirty="0"/>
+              <a:t>/&gt;</a:t>
+            </a:r>
+            <a:br>
+              <a:rPr lang="en-US" sz="2800" dirty="0"/>
+            </a:br>
+            <a:endParaRPr lang="en-US" sz="2600" dirty="0"/>
+          </a:p>
+        </p:txBody>
+      </p:sp>
+    </p:spTree>
+    <p:extLst>
+      <p:ext uri="{BB962C8B-B14F-4D97-AF65-F5344CB8AC3E}">
+        <p14:creationId xmlns:p14="http://schemas.microsoft.com/office/powerpoint/2010/main" val="3803188103"/>
+      </p:ext>
+    </p:extLst>
+  </p:cSld>
+  <p:clrMapOvr>
+    <a:masterClrMapping/>
+  </p:clrMapOvr>
+</p:sld>
+</file>
+
+<file path=ppt/slides/slide6.xml><?xml version="1.0" encoding="utf-8"?>
+<p:sld xmlns:a="http://schemas.openxmlformats.org/drawingml/2006/main" xmlns:r="http://schemas.openxmlformats.org/officeDocument/2006/relationships" xmlns:p="http://schemas.openxmlformats.org/presentationml/2006/main">
+  <p:cSld>
+    <p:spTree>
+      <p:nvGrpSpPr>
+        <p:cNvPr id="1" name=""/>
+        <p:cNvGrpSpPr/>
+        <p:nvPr/>
+      </p:nvGrpSpPr>
+      <p:grpSpPr>
+        <a:xfrm>
+          <a:off x="0" y="0"/>
+          <a:ext cx="0" cy="0"/>
+          <a:chOff x="0" y="0"/>
+          <a:chExt cx="0" cy="0"/>
+        </a:xfrm>
+      </p:grpSpPr>
+      <p:sp>
+        <p:nvSpPr>
+          <p:cNvPr id="5" name="Title 4"/>
+          <p:cNvSpPr>
+            <a:spLocks noGrp="1"/>
+          </p:cNvSpPr>
+          <p:nvPr>
+            <p:ph type="title"/>
+          </p:nvPr>
+        </p:nvSpPr>
+        <p:spPr>
+          <a:xfrm>
+            <a:off x="457200" y="274638"/>
+            <a:ext cx="8229600" cy="962491"/>
+          </a:xfrm>
+        </p:spPr>
+        <p:txBody>
+          <a:bodyPr/>
+          <a:lstStyle/>
+          <a:p>
+            <a:r>
+              <a:rPr lang="en-US" dirty="0">
+                <a:solidFill>
+                  <a:srgbClr val="0208F2"/>
+                </a:solidFill>
+              </a:rPr>
+              <a:t>Apply a Theme</a:t>
+            </a:r>
+          </a:p>
+        </p:txBody>
+      </p:sp>
+      <p:sp>
+        <p:nvSpPr>
+          <p:cNvPr id="6" name="Content Placeholder 5"/>
+          <p:cNvSpPr>
+            <a:spLocks noGrp="1"/>
+          </p:cNvSpPr>
+          <p:nvPr>
+            <p:ph idx="1"/>
+          </p:nvPr>
+        </p:nvSpPr>
+        <p:spPr>
+          <a:xfrm>
+            <a:off x="457200" y="1237129"/>
+            <a:ext cx="8229600" cy="4861414"/>
+          </a:xfrm>
+        </p:spPr>
+        <p:txBody>
+          <a:bodyPr>
+            <a:normAutofit fontScale="77500" lnSpcReduction="20000"/>
+          </a:bodyPr>
+          <a:lstStyle/>
+          <a:p>
+            <a:r>
+              <a:rPr lang="en-US" dirty="0"/>
+              <a:t>Apply a theme to the whole app:</a:t>
+            </a:r>
+          </a:p>
+          <a:p>
+            <a:pPr marL="0" indent="0">
+              <a:buNone/>
+            </a:pPr>
+            <a:r>
+              <a:rPr lang="en-US" dirty="0"/>
+              <a:t>&lt;manifest</a:t>
+            </a:r>
+            <a:r>
+              <a:rPr lang="en-US" sz="2800" dirty="0"/>
+              <a:t> ... </a:t>
+            </a:r>
+            <a:r>
+              <a:rPr lang="en-US" dirty="0"/>
+              <a:t>&gt;</a:t>
+            </a:r>
+            <a:br>
+              <a:rPr lang="en-US" sz="2800" dirty="0"/>
+            </a:br>
+            <a:r>
+              <a:rPr lang="en-US" sz="2800" dirty="0"/>
+              <a:t>    </a:t>
+            </a:r>
+            <a:r>
+              <a:rPr lang="en-US" dirty="0"/>
+              <a:t>&lt;application</a:t>
+            </a:r>
+            <a:r>
+              <a:rPr lang="en-US" sz="2800" dirty="0"/>
+              <a:t> </a:t>
+            </a:r>
+            <a:r>
+              <a:rPr lang="en-US" dirty="0" err="1"/>
+              <a:t>android:theme</a:t>
+            </a:r>
+            <a:r>
+              <a:rPr lang="en-US" sz="2800" dirty="0"/>
+              <a:t>=</a:t>
+            </a:r>
+            <a:r>
+              <a:rPr lang="en-US" dirty="0"/>
+              <a:t>"@style/</a:t>
+            </a:r>
+            <a:r>
+              <a:rPr lang="en-US" dirty="0" err="1"/>
+              <a:t>Theme.AppCompat</a:t>
+            </a:r>
+            <a:r>
+              <a:rPr lang="en-US" dirty="0"/>
+              <a:t>"</a:t>
+            </a:r>
+            <a:r>
+              <a:rPr lang="en-US" sz="2800" dirty="0"/>
+              <a:t> ... </a:t>
+            </a:r>
+            <a:r>
+              <a:rPr lang="en-US" dirty="0"/>
+              <a:t>&gt;</a:t>
+            </a:r>
+            <a:br>
+              <a:rPr lang="en-US" sz="2800" dirty="0"/>
+            </a:br>
+            <a:r>
+              <a:rPr lang="en-US" sz="2800" dirty="0"/>
+              <a:t>    </a:t>
+            </a:r>
+            <a:r>
+              <a:rPr lang="en-US" dirty="0"/>
+              <a:t>&lt;/application&gt;</a:t>
+            </a:r>
+            <a:br>
+              <a:rPr lang="en-US" sz="2800" dirty="0"/>
+            </a:br>
+            <a:r>
+              <a:rPr lang="en-US" dirty="0"/>
+              <a:t>&lt;/manifest&gt;</a:t>
+            </a:r>
+          </a:p>
+          <a:p>
+            <a:r>
+              <a:rPr lang="en-US" dirty="0"/>
+              <a:t>Apply a theme to just one activity:</a:t>
+            </a:r>
+          </a:p>
+          <a:p>
+            <a:pPr marL="0" indent="0">
+              <a:buNone/>
+            </a:pPr>
+            <a:r>
+              <a:rPr lang="en-US" dirty="0"/>
+              <a:t>&lt;manifest</a:t>
+            </a:r>
+            <a:r>
+              <a:rPr lang="en-US" sz="2800" dirty="0"/>
+              <a:t> ... </a:t>
+            </a:r>
+            <a:r>
+              <a:rPr lang="en-US" dirty="0"/>
+              <a:t>&gt;</a:t>
+            </a:r>
+            <a:br>
+              <a:rPr lang="en-US" sz="2800" dirty="0"/>
+            </a:br>
+            <a:r>
+              <a:rPr lang="en-US" sz="2800" dirty="0"/>
+              <a:t>    </a:t>
+            </a:r>
+            <a:r>
+              <a:rPr lang="en-US" dirty="0"/>
+              <a:t>&lt;application</a:t>
+            </a:r>
+            <a:r>
+              <a:rPr lang="en-US" sz="2800" dirty="0"/>
+              <a:t> ... </a:t>
+            </a:r>
+            <a:r>
+              <a:rPr lang="en-US" dirty="0"/>
+              <a:t>&gt;</a:t>
+            </a:r>
+            <a:br>
+              <a:rPr lang="en-US" sz="2800" dirty="0"/>
+            </a:br>
+            <a:r>
+              <a:rPr lang="en-US" sz="2800" dirty="0"/>
+              <a:t>        </a:t>
+            </a:r>
+            <a:r>
+              <a:rPr lang="en-US" dirty="0"/>
+              <a:t>&lt;activity</a:t>
+            </a:r>
+            <a:r>
+              <a:rPr lang="en-US" sz="2800" dirty="0"/>
+              <a:t> </a:t>
+            </a:r>
+            <a:r>
+              <a:rPr lang="en-US" dirty="0" err="1"/>
+              <a:t>android:theme</a:t>
+            </a:r>
+            <a:r>
+              <a:rPr lang="en-US" sz="2800" dirty="0"/>
+              <a:t>=</a:t>
+            </a:r>
+            <a:r>
+              <a:rPr lang="en-US" dirty="0"/>
+              <a:t>"@style/</a:t>
+            </a:r>
+            <a:r>
+              <a:rPr lang="en-US" dirty="0" err="1"/>
+              <a:t>Theme.AppCompat.Light</a:t>
+            </a:r>
+            <a:r>
+              <a:rPr lang="en-US" dirty="0"/>
+              <a:t>"</a:t>
+            </a:r>
+            <a:r>
+              <a:rPr lang="en-US" sz="2800" dirty="0"/>
+              <a:t> ... </a:t>
+            </a:r>
+            <a:r>
+              <a:rPr lang="en-US" dirty="0"/>
+              <a:t>&gt;</a:t>
+            </a:r>
+            <a:br>
+              <a:rPr lang="en-US" sz="2800" dirty="0"/>
+            </a:br>
+            <a:r>
+              <a:rPr lang="en-US" sz="2800" dirty="0"/>
+              <a:t>        </a:t>
+            </a:r>
+            <a:r>
+              <a:rPr lang="en-US" dirty="0"/>
+              <a:t>&lt;/activity&gt;</a:t>
+            </a:r>
+            <a:br>
+              <a:rPr lang="en-US" sz="2800" dirty="0"/>
+            </a:br>
+            <a:r>
+              <a:rPr lang="en-US" sz="2800" dirty="0"/>
+              <a:t>    </a:t>
+            </a:r>
+            <a:r>
+              <a:rPr lang="en-US" dirty="0"/>
+              <a:t>&lt;/application&gt;</a:t>
+            </a:r>
+            <a:br>
+              <a:rPr lang="en-US" sz="2800" dirty="0"/>
+            </a:br>
+            <a:r>
+              <a:rPr lang="en-US" dirty="0"/>
+              <a:t>&lt;/manifest&gt;</a:t>
+            </a:r>
+            <a:br>
+              <a:rPr lang="en-US" sz="2800" dirty="0"/>
+            </a:br>
+            <a:endParaRPr lang="en-US" sz="2600" dirty="0"/>
+          </a:p>
+        </p:txBody>
+      </p:sp>
+    </p:spTree>
+    <p:extLst>
+      <p:ext uri="{BB962C8B-B14F-4D97-AF65-F5344CB8AC3E}">
+        <p14:creationId xmlns:p14="http://schemas.microsoft.com/office/powerpoint/2010/main" val="3586787697"/>
+      </p:ext>
+    </p:extLst>
+  </p:cSld>
+  <p:clrMapOvr>
+    <a:masterClrMapping/>
+  </p:clrMapOvr>
+</p:sld>
+</file>
+
+<file path=ppt/slides/slide7.xml><?xml version="1.0" encoding="utf-8"?>
+<p:sld xmlns:a="http://schemas.openxmlformats.org/drawingml/2006/main" xmlns:r="http://schemas.openxmlformats.org/officeDocument/2006/relationships" xmlns:p="http://schemas.openxmlformats.org/presentationml/2006/main">
+  <p:cSld>
+    <p:spTree>
+      <p:nvGrpSpPr>
+        <p:cNvPr id="1" name=""/>
+        <p:cNvGrpSpPr/>
+        <p:nvPr/>
+      </p:nvGrpSpPr>
+      <p:grpSpPr>
+        <a:xfrm>
+          <a:off x="0" y="0"/>
+          <a:ext cx="0" cy="0"/>
+          <a:chOff x="0" y="0"/>
+          <a:chExt cx="0" cy="0"/>
+        </a:xfrm>
+      </p:grpSpPr>
+      <p:sp>
+        <p:nvSpPr>
+          <p:cNvPr id="5" name="Title 4"/>
+          <p:cNvSpPr>
+            <a:spLocks noGrp="1"/>
+          </p:cNvSpPr>
+          <p:nvPr>
+            <p:ph type="title"/>
+          </p:nvPr>
+        </p:nvSpPr>
+        <p:spPr>
+          <a:xfrm>
+            <a:off x="457200" y="274638"/>
+            <a:ext cx="8229600" cy="962491"/>
+          </a:xfrm>
+        </p:spPr>
+        <p:txBody>
+          <a:bodyPr>
+            <a:normAutofit/>
+          </a:bodyPr>
+          <a:lstStyle/>
+          <a:p>
+            <a:r>
+              <a:rPr lang="en-US" dirty="0">
+                <a:solidFill>
+                  <a:srgbClr val="0208F2"/>
+                </a:solidFill>
+              </a:rPr>
+              <a:t>Customize the Default Theme</a:t>
+            </a:r>
+          </a:p>
+        </p:txBody>
+      </p:sp>
+      <p:sp>
+        <p:nvSpPr>
+          <p:cNvPr id="6" name="Content Placeholder 5"/>
+          <p:cNvSpPr>
+            <a:spLocks noGrp="1"/>
+          </p:cNvSpPr>
+          <p:nvPr>
+            <p:ph idx="1"/>
+          </p:nvPr>
+        </p:nvSpPr>
+        <p:spPr>
+          <a:xfrm>
+            <a:off x="457200" y="1237129"/>
+            <a:ext cx="8229600" cy="4861414"/>
+          </a:xfrm>
+        </p:spPr>
+        <p:txBody>
+          <a:bodyPr>
+            <a:normAutofit fontScale="77500" lnSpcReduction="20000"/>
+          </a:bodyPr>
+          <a:lstStyle/>
+          <a:p>
+            <a:r>
+              <a:rPr lang="en-US" dirty="0"/>
+              <a:t>When you create a project with Android Studio, it applies a material design theme to your app by default, as defined in your project's </a:t>
+            </a:r>
+            <a:r>
+              <a:rPr lang="en-US" dirty="0" err="1"/>
+              <a:t>styles.xml</a:t>
+            </a:r>
+            <a:r>
+              <a:rPr lang="en-US" dirty="0"/>
+              <a:t> file. </a:t>
+            </a:r>
+          </a:p>
+          <a:p>
+            <a:r>
+              <a:rPr lang="en-US" dirty="0"/>
+              <a:t>This </a:t>
+            </a:r>
+            <a:r>
+              <a:rPr lang="en-US" dirty="0" err="1"/>
+              <a:t>AppTheme</a:t>
+            </a:r>
+            <a:r>
+              <a:rPr lang="en-US" dirty="0"/>
+              <a:t> style extends a theme from the support library and includes overrides for color attributes For example, your </a:t>
+            </a:r>
+            <a:r>
+              <a:rPr lang="en-US" dirty="0" err="1"/>
+              <a:t>styles.xml</a:t>
+            </a:r>
+            <a:r>
+              <a:rPr lang="en-US" dirty="0"/>
+              <a:t> file should look similar to this:</a:t>
+            </a:r>
+          </a:p>
+          <a:p>
+            <a:pPr marL="0" indent="0">
+              <a:buNone/>
+            </a:pPr>
+            <a:endParaRPr lang="en-US" dirty="0"/>
+          </a:p>
+          <a:p>
+            <a:pPr marL="0" indent="0">
+              <a:buNone/>
+            </a:pPr>
+            <a:r>
+              <a:rPr lang="en-US" dirty="0"/>
+              <a:t>&lt;style</a:t>
+            </a:r>
+            <a:r>
+              <a:rPr lang="en-US" sz="2800" dirty="0"/>
+              <a:t> </a:t>
+            </a:r>
+            <a:r>
+              <a:rPr lang="en-US" dirty="0"/>
+              <a:t>name</a:t>
+            </a:r>
+            <a:r>
+              <a:rPr lang="en-US" sz="2800" dirty="0"/>
+              <a:t>=</a:t>
+            </a:r>
+            <a:r>
+              <a:rPr lang="en-US" dirty="0"/>
+              <a:t>"</a:t>
+            </a:r>
+            <a:r>
+              <a:rPr lang="en-US" dirty="0" err="1"/>
+              <a:t>AppTheme</a:t>
+            </a:r>
+            <a:r>
+              <a:rPr lang="en-US" dirty="0"/>
+              <a:t>"</a:t>
+            </a:r>
+            <a:r>
+              <a:rPr lang="en-US" sz="2800" dirty="0"/>
+              <a:t> </a:t>
+            </a:r>
+            <a:r>
+              <a:rPr lang="en-US" dirty="0"/>
+              <a:t>parent</a:t>
+            </a:r>
+            <a:r>
+              <a:rPr lang="en-US" sz="2800" dirty="0"/>
+              <a:t>=</a:t>
+            </a:r>
+            <a:r>
+              <a:rPr lang="en-US" dirty="0"/>
+              <a:t>"</a:t>
+            </a:r>
+            <a:r>
+              <a:rPr lang="en-US" dirty="0" err="1"/>
+              <a:t>Theme.AppCompat.Light.DarkActionBar</a:t>
+            </a:r>
+            <a:r>
+              <a:rPr lang="en-US" dirty="0"/>
+              <a:t>"&gt;</a:t>
+            </a:r>
+            <a:br>
+              <a:rPr lang="en-US" sz="2800" dirty="0"/>
+            </a:br>
+            <a:r>
+              <a:rPr lang="en-US" sz="2800" dirty="0"/>
+              <a:t>    </a:t>
+            </a:r>
+            <a:r>
+              <a:rPr lang="en-US" dirty="0"/>
+              <a:t>&lt;!--</a:t>
+            </a:r>
+            <a:r>
+              <a:rPr lang="en-US" sz="2800" dirty="0"/>
+              <a:t> Customize your theme here. </a:t>
+            </a:r>
+            <a:r>
+              <a:rPr lang="en-US" dirty="0"/>
+              <a:t>--&gt;</a:t>
+            </a:r>
+            <a:br>
+              <a:rPr lang="en-US" sz="2800" dirty="0"/>
+            </a:br>
+            <a:r>
+              <a:rPr lang="en-US" sz="2800" dirty="0"/>
+              <a:t>    &lt;item name=</a:t>
+            </a:r>
+            <a:r>
+              <a:rPr lang="en-US" dirty="0"/>
+              <a:t>"</a:t>
+            </a:r>
+            <a:r>
+              <a:rPr lang="en-US" dirty="0" err="1"/>
+              <a:t>colorPrimary</a:t>
+            </a:r>
+            <a:r>
+              <a:rPr lang="en-US" dirty="0"/>
+              <a:t>"</a:t>
+            </a:r>
+            <a:r>
+              <a:rPr lang="en-US" sz="2800" dirty="0"/>
+              <a:t>&gt;@color/</a:t>
+            </a:r>
+            <a:r>
+              <a:rPr lang="en-US" sz="2800" dirty="0" err="1"/>
+              <a:t>colorPrimary</a:t>
+            </a:r>
+            <a:r>
+              <a:rPr lang="en-US" sz="2800" dirty="0"/>
+              <a:t>&lt;/item&gt;</a:t>
+            </a:r>
+            <a:br>
+              <a:rPr lang="en-US" sz="2800" dirty="0"/>
+            </a:br>
+            <a:r>
+              <a:rPr lang="en-US" sz="2800" dirty="0"/>
+              <a:t>    &lt;item name=</a:t>
+            </a:r>
+            <a:r>
+              <a:rPr lang="en-US" dirty="0"/>
+              <a:t>"</a:t>
+            </a:r>
+            <a:r>
+              <a:rPr lang="en-US" dirty="0" err="1"/>
+              <a:t>colorPrimaryDark</a:t>
+            </a:r>
+            <a:r>
+              <a:rPr lang="en-US" dirty="0"/>
+              <a:t>"</a:t>
+            </a:r>
+            <a:r>
+              <a:rPr lang="en-US" sz="2800" dirty="0"/>
+              <a:t>&gt;@color/</a:t>
+            </a:r>
+            <a:r>
+              <a:rPr lang="en-US" sz="2800" dirty="0" err="1"/>
+              <a:t>colorPrimaryDark</a:t>
+            </a:r>
+            <a:r>
+              <a:rPr lang="en-US" sz="2800" dirty="0"/>
+              <a:t>&lt;/item&gt;</a:t>
+            </a:r>
+            <a:br>
+              <a:rPr lang="en-US" sz="2800" dirty="0"/>
+            </a:br>
+            <a:r>
+              <a:rPr lang="en-US" sz="2800" dirty="0"/>
+              <a:t>    &lt;item name=</a:t>
+            </a:r>
+            <a:r>
+              <a:rPr lang="en-US" dirty="0"/>
+              <a:t>"</a:t>
+            </a:r>
+            <a:r>
+              <a:rPr lang="en-US" dirty="0" err="1"/>
+              <a:t>colorAccent</a:t>
+            </a:r>
+            <a:r>
+              <a:rPr lang="en-US" dirty="0"/>
+              <a:t>"</a:t>
+            </a:r>
+            <a:r>
+              <a:rPr lang="en-US" sz="2800" dirty="0"/>
+              <a:t>&gt;@color/</a:t>
+            </a:r>
+            <a:r>
+              <a:rPr lang="en-US" sz="2800" dirty="0" err="1"/>
+              <a:t>colorAccent</a:t>
+            </a:r>
+            <a:r>
+              <a:rPr lang="en-US" sz="2800" dirty="0"/>
+              <a:t>&lt;/item&gt;</a:t>
+            </a:r>
+            <a:br>
+              <a:rPr lang="en-US" sz="2800" dirty="0"/>
+            </a:br>
+            <a:r>
+              <a:rPr lang="en-US" dirty="0"/>
+              <a:t>&lt;/style&gt;</a:t>
+            </a:r>
+            <a:endParaRPr lang="en-US" sz="2600" dirty="0"/>
+          </a:p>
+        </p:txBody>
+      </p:sp>
+    </p:spTree>
+    <p:extLst>
+      <p:ext uri="{BB962C8B-B14F-4D97-AF65-F5344CB8AC3E}">
+        <p14:creationId xmlns:p14="http://schemas.microsoft.com/office/powerpoint/2010/main" val="4042584151"/>
+      </p:ext>
+    </p:extLst>
+  </p:cSld>
+  <p:clrMapOvr>
+    <a:masterClrMapping/>
+  </p:clrMapOvr>
+</p:sld>
+</file>
+
+<file path=ppt/slides/slide8.xml><?xml version="1.0" encoding="utf-8"?>
+<p:sld xmlns:a="http://schemas.openxmlformats.org/drawingml/2006/main" xmlns:r="http://schemas.openxmlformats.org/officeDocument/2006/relationships" xmlns:p="http://schemas.openxmlformats.org/presentationml/2006/main">
+  <p:cSld>
+    <p:spTree>
+      <p:nvGrpSpPr>
+        <p:cNvPr id="1" name=""/>
+        <p:cNvGrpSpPr/>
+        <p:nvPr/>
+      </p:nvGrpSpPr>
+      <p:grpSpPr>
+        <a:xfrm>
+          <a:off x="0" y="0"/>
+          <a:ext cx="0" cy="0"/>
+          <a:chOff x="0" y="0"/>
+          <a:chExt cx="0" cy="0"/>
+        </a:xfrm>
+      </p:grpSpPr>
+      <p:sp>
+        <p:nvSpPr>
+          <p:cNvPr id="5" name="Title 4"/>
+          <p:cNvSpPr>
+            <a:spLocks noGrp="1"/>
+          </p:cNvSpPr>
+          <p:nvPr>
+            <p:ph type="title"/>
+          </p:nvPr>
+        </p:nvSpPr>
+        <p:spPr>
+          <a:xfrm>
+            <a:off x="457200" y="274638"/>
+            <a:ext cx="8229600" cy="962491"/>
+          </a:xfrm>
+        </p:spPr>
+        <p:txBody>
+          <a:bodyPr/>
+          <a:lstStyle/>
+          <a:p>
+            <a:r>
+              <a:rPr lang="en-US" dirty="0">
+                <a:solidFill>
+                  <a:srgbClr val="0208F2"/>
+                </a:solidFill>
+              </a:rPr>
+              <a:t>Common Themes</a:t>
+            </a:r>
+          </a:p>
+        </p:txBody>
+      </p:sp>
+      <p:sp>
+        <p:nvSpPr>
+          <p:cNvPr id="6" name="Content Placeholder 5"/>
+          <p:cNvSpPr>
+            <a:spLocks noGrp="1"/>
+          </p:cNvSpPr>
+          <p:nvPr>
+            <p:ph idx="1"/>
+          </p:nvPr>
+        </p:nvSpPr>
+        <p:spPr>
+          <a:xfrm>
+            <a:off x="457200" y="1237129"/>
+            <a:ext cx="8229600" cy="4861414"/>
+          </a:xfrm>
+        </p:spPr>
+        <p:txBody>
+          <a:bodyPr>
+            <a:normAutofit/>
+          </a:bodyPr>
+          <a:lstStyle/>
+          <a:p>
+            <a:br>
+              <a:rPr lang="en-US" sz="2800" dirty="0"/>
+            </a:br>
+            <a:endParaRPr lang="en-US" sz="2600" dirty="0"/>
+          </a:p>
+        </p:txBody>
+      </p:sp>
+    </p:spTree>
+    <p:extLst>
+      <p:ext uri="{BB962C8B-B14F-4D97-AF65-F5344CB8AC3E}">
+        <p14:creationId xmlns:p14="http://schemas.microsoft.com/office/powerpoint/2010/main" val="704401125"/>
+      </p:ext>
+    </p:extLst>
+  </p:cSld>
+  <p:clrMapOvr>
+    <a:masterClrMapping/>
+  </p:clrMapOvr>
+</p:sld>
+</file>
+
+<file path=ppt/slides/slide9.xml><?xml version="1.0" encoding="utf-8"?>
+<p:sld xmlns:a="http://schemas.openxmlformats.org/drawingml/2006/main" xmlns:r="http://schemas.openxmlformats.org/officeDocument/2006/relationships" xmlns:p="http://schemas.openxmlformats.org/presentationml/2006/main">
+  <p:cSld>
+    <p:spTree>
+      <p:nvGrpSpPr>
+        <p:cNvPr id="1" name=""/>
+        <p:cNvGrpSpPr/>
+        <p:nvPr/>
+      </p:nvGrpSpPr>
+      <p:grpSpPr>
+        <a:xfrm>
+          <a:off x="0" y="0"/>
+          <a:ext cx="0" cy="0"/>
+          <a:chOff x="0" y="0"/>
+          <a:chExt cx="0" cy="0"/>
+        </a:xfrm>
+      </p:grpSpPr>
+      <p:sp>
+        <p:nvSpPr>
           <p:cNvPr id="8" name="Date Placeholder 2"/>
           <p:cNvSpPr>
             <a:spLocks noGrp="1"/>
@@ -5394,7 +7573,7 @@
               <a:pPr algn="r">
                 <a:defRPr/>
               </a:pPr>
-              <a:t>4</a:t>
+              <a:t>9</a:t>
             </a:fld>
             <a:endParaRPr lang="en-US" sz="900">
               <a:latin typeface="Arial Narrow" pitchFamily="34" charset="0"/>
@@ -5424,7 +7603,7 @@
           <a:graphicData uri="http://schemas.openxmlformats.org/presentationml/2006/ole">
             <mc:AlternateContent xmlns:mc="http://schemas.openxmlformats.org/markup-compatibility/2006">
               <mc:Choice xmlns:v="urn:schemas-microsoft-com:vml" Requires="v">
-                <p:oleObj spid="_x0000_s1032" name="Document" r:id="rId4" imgW="7487205" imgH="5817491" progId="Word.Document.12">
+                <p:oleObj spid="_x0000_s1036" name="Document" r:id="rId4" imgW="7487205" imgH="5817491" progId="Word.Document.12">
                   <p:embed/>
                 </p:oleObj>
               </mc:Choice>
@@ -5463,612 +7642,6 @@
     <p:extLst>
       <p:ext uri="{BB962C8B-B14F-4D97-AF65-F5344CB8AC3E}">
         <p14:creationId xmlns:p14="http://schemas.microsoft.com/office/powerpoint/2010/main" val="2618107782"/>
-      </p:ext>
-    </p:extLst>
-  </p:cSld>
-  <p:clrMapOvr>
-    <a:masterClrMapping/>
-  </p:clrMapOvr>
-</p:sld>
-</file>
-
-<file path=ppt/slides/slide5.xml><?xml version="1.0" encoding="utf-8"?>
-<p:sld xmlns:a="http://schemas.openxmlformats.org/drawingml/2006/main" xmlns:r="http://schemas.openxmlformats.org/officeDocument/2006/relationships" xmlns:p="http://schemas.openxmlformats.org/presentationml/2006/main">
-  <p:cSld>
-    <p:spTree>
-      <p:nvGrpSpPr>
-        <p:cNvPr id="1" name=""/>
-        <p:cNvGrpSpPr/>
-        <p:nvPr/>
-      </p:nvGrpSpPr>
-      <p:grpSpPr>
-        <a:xfrm>
-          <a:off x="0" y="0"/>
-          <a:ext cx="0" cy="0"/>
-          <a:chOff x="0" y="0"/>
-          <a:chExt cx="0" cy="0"/>
-        </a:xfrm>
-      </p:grpSpPr>
-      <p:sp>
-        <p:nvSpPr>
-          <p:cNvPr id="2" name="Title 1"/>
-          <p:cNvSpPr>
-            <a:spLocks noGrp="1"/>
-          </p:cNvSpPr>
-          <p:nvPr>
-            <p:ph type="title"/>
-          </p:nvPr>
-        </p:nvSpPr>
-        <p:spPr>
-          <a:xfrm>
-            <a:off x="457200" y="274638"/>
-            <a:ext cx="8229600" cy="876430"/>
-          </a:xfrm>
-        </p:spPr>
-        <p:txBody>
-          <a:bodyPr/>
-          <a:lstStyle/>
-          <a:p>
-            <a:r>
-              <a:rPr lang="en-US" dirty="0">
-                <a:solidFill>
-                  <a:srgbClr val="0208F2"/>
-                </a:solidFill>
-              </a:rPr>
-              <a:t>Material Design</a:t>
-            </a:r>
-          </a:p>
-        </p:txBody>
-      </p:sp>
-      <p:sp>
-        <p:nvSpPr>
-          <p:cNvPr id="3" name="Content Placeholder 2"/>
-          <p:cNvSpPr>
-            <a:spLocks noGrp="1"/>
-          </p:cNvSpPr>
-          <p:nvPr>
-            <p:ph idx="1"/>
-          </p:nvPr>
-        </p:nvSpPr>
-        <p:spPr>
-          <a:xfrm>
-            <a:off x="457200" y="1151068"/>
-            <a:ext cx="8229600" cy="4975095"/>
-          </a:xfrm>
-        </p:spPr>
-        <p:txBody>
-          <a:bodyPr>
-            <a:normAutofit fontScale="85000" lnSpcReduction="20000"/>
-          </a:bodyPr>
-          <a:lstStyle/>
-          <a:p>
-            <a:r>
-              <a:rPr lang="en-US" dirty="0"/>
-              <a:t>Material design is a comprehensive guide for visual, motion, and interaction. To use material design in your Android apps, follow the guidelines described in the material design specification and use the components and functionality available in Android 5.0, Lollipop (API level 21) and newer.</a:t>
-            </a:r>
-          </a:p>
-          <a:p>
-            <a:endParaRPr lang="en-US" dirty="0"/>
-          </a:p>
-          <a:p>
-            <a:r>
-              <a:rPr lang="en-US" dirty="0"/>
-              <a:t>Material design apps have the following elements:</a:t>
-            </a:r>
-          </a:p>
-          <a:p>
-            <a:pPr lvl="1"/>
-            <a:r>
-              <a:rPr lang="en-US" dirty="0"/>
-              <a:t>The material theme</a:t>
-            </a:r>
-          </a:p>
-          <a:p>
-            <a:pPr lvl="1"/>
-            <a:r>
-              <a:rPr lang="en-US" dirty="0"/>
-              <a:t>Widgets for cards and lists</a:t>
-            </a:r>
-          </a:p>
-          <a:p>
-            <a:pPr lvl="1"/>
-            <a:r>
-              <a:rPr lang="en-US" dirty="0"/>
-              <a:t>Custom shadows and view clipping</a:t>
-            </a:r>
-          </a:p>
-          <a:p>
-            <a:pPr lvl="1"/>
-            <a:r>
-              <a:rPr lang="en-US" dirty="0"/>
-              <a:t>Vector drawables</a:t>
-            </a:r>
-          </a:p>
-          <a:p>
-            <a:pPr lvl="1"/>
-            <a:r>
-              <a:rPr lang="en-US" dirty="0"/>
-              <a:t>Custom animations</a:t>
-            </a:r>
-          </a:p>
-          <a:p>
-            <a:endParaRPr lang="en-US" dirty="0"/>
-          </a:p>
-        </p:txBody>
-      </p:sp>
-    </p:spTree>
-    <p:extLst>
-      <p:ext uri="{BB962C8B-B14F-4D97-AF65-F5344CB8AC3E}">
-        <p14:creationId xmlns:p14="http://schemas.microsoft.com/office/powerpoint/2010/main" val="3709605184"/>
-      </p:ext>
-    </p:extLst>
-  </p:cSld>
-  <p:clrMapOvr>
-    <a:masterClrMapping/>
-  </p:clrMapOvr>
-</p:sld>
-</file>
-
-<file path=ppt/slides/slide6.xml><?xml version="1.0" encoding="utf-8"?>
-<p:sld xmlns:a="http://schemas.openxmlformats.org/drawingml/2006/main" xmlns:r="http://schemas.openxmlformats.org/officeDocument/2006/relationships" xmlns:p="http://schemas.openxmlformats.org/presentationml/2006/main">
-  <p:cSld>
-    <p:spTree>
-      <p:nvGrpSpPr>
-        <p:cNvPr id="1" name=""/>
-        <p:cNvGrpSpPr/>
-        <p:nvPr/>
-      </p:nvGrpSpPr>
-      <p:grpSpPr>
-        <a:xfrm>
-          <a:off x="0" y="0"/>
-          <a:ext cx="0" cy="0"/>
-          <a:chOff x="0" y="0"/>
-          <a:chExt cx="0" cy="0"/>
-        </a:xfrm>
-      </p:grpSpPr>
-      <p:sp>
-        <p:nvSpPr>
-          <p:cNvPr id="2" name="Title 1"/>
-          <p:cNvSpPr>
-            <a:spLocks noGrp="1"/>
-          </p:cNvSpPr>
-          <p:nvPr>
-            <p:ph type="title"/>
-          </p:nvPr>
-        </p:nvSpPr>
-        <p:spPr/>
-        <p:txBody>
-          <a:bodyPr/>
-          <a:lstStyle/>
-          <a:p>
-            <a:r>
-              <a:rPr lang="en-US" dirty="0"/>
-              <a:t>Material Theme</a:t>
-            </a:r>
-          </a:p>
-        </p:txBody>
-      </p:sp>
-      <p:sp>
-        <p:nvSpPr>
-          <p:cNvPr id="3" name="Content Placeholder 2"/>
-          <p:cNvSpPr>
-            <a:spLocks noGrp="1"/>
-          </p:cNvSpPr>
-          <p:nvPr>
-            <p:ph sz="half" idx="1"/>
-          </p:nvPr>
-        </p:nvSpPr>
-        <p:spPr/>
-        <p:txBody>
-          <a:bodyPr>
-            <a:normAutofit lnSpcReduction="10000"/>
-          </a:bodyPr>
-          <a:lstStyle/>
-          <a:p>
-            <a:pPr marL="0" indent="0">
-              <a:buNone/>
-            </a:pPr>
-            <a:r>
-              <a:rPr lang="en-US" dirty="0"/>
-              <a:t>The material theme provides:</a:t>
-            </a:r>
-          </a:p>
-          <a:p>
-            <a:r>
-              <a:rPr lang="en-US" dirty="0"/>
-              <a:t>System widgets that let you set their color palette</a:t>
-            </a:r>
-          </a:p>
-          <a:p>
-            <a:r>
-              <a:rPr lang="en-US" dirty="0"/>
-              <a:t>Touch feedback animations for the system widgets</a:t>
-            </a:r>
-          </a:p>
-          <a:p>
-            <a:r>
-              <a:rPr lang="en-US" dirty="0"/>
-              <a:t>Activity transition animations</a:t>
-            </a:r>
-          </a:p>
-        </p:txBody>
-      </p:sp>
-      <p:pic>
-        <p:nvPicPr>
-          <p:cNvPr id="12" name="Content Placeholder 11"/>
-          <p:cNvPicPr>
-            <a:picLocks noGrp="1" noChangeAspect="1"/>
-          </p:cNvPicPr>
-          <p:nvPr>
-            <p:ph sz="half" idx="2"/>
-          </p:nvPr>
-        </p:nvPicPr>
-        <p:blipFill>
-          <a:blip r:embed="rId2"/>
-          <a:srcRect l="7526" r="7526"/>
-          <a:stretch>
-            <a:fillRect/>
-          </a:stretch>
-        </p:blipFill>
-        <p:spPr/>
-      </p:pic>
-    </p:spTree>
-    <p:extLst>
-      <p:ext uri="{BB962C8B-B14F-4D97-AF65-F5344CB8AC3E}">
-        <p14:creationId xmlns:p14="http://schemas.microsoft.com/office/powerpoint/2010/main" val="1099750604"/>
-      </p:ext>
-    </p:extLst>
-  </p:cSld>
-  <p:clrMapOvr>
-    <a:masterClrMapping/>
-  </p:clrMapOvr>
-</p:sld>
-</file>
-
-<file path=ppt/slides/slide7.xml><?xml version="1.0" encoding="utf-8"?>
-<p:sld xmlns:a="http://schemas.openxmlformats.org/drawingml/2006/main" xmlns:r="http://schemas.openxmlformats.org/officeDocument/2006/relationships" xmlns:p="http://schemas.openxmlformats.org/presentationml/2006/main">
-  <p:cSld>
-    <p:spTree>
-      <p:nvGrpSpPr>
-        <p:cNvPr id="1" name=""/>
-        <p:cNvGrpSpPr/>
-        <p:nvPr/>
-      </p:nvGrpSpPr>
-      <p:grpSpPr>
-        <a:xfrm>
-          <a:off x="0" y="0"/>
-          <a:ext cx="0" cy="0"/>
-          <a:chOff x="0" y="0"/>
-          <a:chExt cx="0" cy="0"/>
-        </a:xfrm>
-      </p:grpSpPr>
-      <p:sp>
-        <p:nvSpPr>
-          <p:cNvPr id="8" name="Title 7"/>
-          <p:cNvSpPr>
-            <a:spLocks noGrp="1"/>
-          </p:cNvSpPr>
-          <p:nvPr>
-            <p:ph type="title"/>
-          </p:nvPr>
-        </p:nvSpPr>
-        <p:spPr/>
-        <p:txBody>
-          <a:bodyPr/>
-          <a:lstStyle/>
-          <a:p>
-            <a:r>
-              <a:rPr lang="en-US" dirty="0"/>
-              <a:t>New Type of List View</a:t>
-            </a:r>
-          </a:p>
-        </p:txBody>
-      </p:sp>
-      <p:sp>
-        <p:nvSpPr>
-          <p:cNvPr id="9" name="Content Placeholder 8"/>
-          <p:cNvSpPr>
-            <a:spLocks noGrp="1"/>
-          </p:cNvSpPr>
-          <p:nvPr>
-            <p:ph sz="half" idx="1"/>
-          </p:nvPr>
-        </p:nvSpPr>
-        <p:spPr/>
-        <p:txBody>
-          <a:bodyPr>
-            <a:normAutofit lnSpcReduction="10000"/>
-          </a:bodyPr>
-          <a:lstStyle/>
-          <a:p>
-            <a:pPr marL="0" indent="0">
-              <a:buNone/>
-            </a:pPr>
-            <a:r>
-              <a:rPr lang="en-US" dirty="0"/>
-              <a:t>The </a:t>
-            </a:r>
-            <a:r>
-              <a:rPr lang="en-US" dirty="0" err="1"/>
-              <a:t>RecyclerView</a:t>
-            </a:r>
-            <a:r>
-              <a:rPr lang="en-US" dirty="0"/>
-              <a:t> class simplifies the display and handling of large data sets by providing:</a:t>
-            </a:r>
-          </a:p>
-          <a:p>
-            <a:r>
-              <a:rPr lang="en-US" dirty="0"/>
-              <a:t>Layout managers for positioning items</a:t>
-            </a:r>
-          </a:p>
-          <a:p>
-            <a:r>
-              <a:rPr lang="en-US" dirty="0"/>
-              <a:t>Default animations for common item operations, such as removal or addition of items</a:t>
-            </a:r>
-          </a:p>
-        </p:txBody>
-      </p:sp>
-      <p:pic>
-        <p:nvPicPr>
-          <p:cNvPr id="11" name="Content Placeholder 10"/>
-          <p:cNvPicPr>
-            <a:picLocks noGrp="1" noChangeAspect="1"/>
-          </p:cNvPicPr>
-          <p:nvPr>
-            <p:ph sz="half" idx="2"/>
-          </p:nvPr>
-        </p:nvPicPr>
-        <p:blipFill rotWithShape="1">
-          <a:blip r:embed="rId2"/>
-          <a:srcRect t="12512" b="12512"/>
-          <a:stretch/>
-        </p:blipFill>
-        <p:spPr>
-          <a:xfrm>
-            <a:off x="4648200" y="1681962"/>
-            <a:ext cx="4038600" cy="4444201"/>
-          </a:xfrm>
-        </p:spPr>
-      </p:pic>
-    </p:spTree>
-    <p:extLst>
-      <p:ext uri="{BB962C8B-B14F-4D97-AF65-F5344CB8AC3E}">
-        <p14:creationId xmlns:p14="http://schemas.microsoft.com/office/powerpoint/2010/main" val="3861671194"/>
-      </p:ext>
-    </p:extLst>
-  </p:cSld>
-  <p:clrMapOvr>
-    <a:masterClrMapping/>
-  </p:clrMapOvr>
-</p:sld>
-</file>
-
-<file path=ppt/slides/slide8.xml><?xml version="1.0" encoding="utf-8"?>
-<p:sld xmlns:a="http://schemas.openxmlformats.org/drawingml/2006/main" xmlns:r="http://schemas.openxmlformats.org/officeDocument/2006/relationships" xmlns:p="http://schemas.openxmlformats.org/presentationml/2006/main">
-  <p:cSld>
-    <p:spTree>
-      <p:nvGrpSpPr>
-        <p:cNvPr id="1" name=""/>
-        <p:cNvGrpSpPr/>
-        <p:nvPr/>
-      </p:nvGrpSpPr>
-      <p:grpSpPr>
-        <a:xfrm>
-          <a:off x="0" y="0"/>
-          <a:ext cx="0" cy="0"/>
-          <a:chOff x="0" y="0"/>
-          <a:chExt cx="0" cy="0"/>
-        </a:xfrm>
-      </p:grpSpPr>
-      <p:sp>
-        <p:nvSpPr>
-          <p:cNvPr id="2" name="Title 1"/>
-          <p:cNvSpPr>
-            <a:spLocks noGrp="1"/>
-          </p:cNvSpPr>
-          <p:nvPr>
-            <p:ph type="title"/>
-          </p:nvPr>
-        </p:nvSpPr>
-        <p:spPr/>
-        <p:txBody>
-          <a:bodyPr/>
-          <a:lstStyle/>
-          <a:p>
-            <a:r>
-              <a:rPr lang="en-US" dirty="0"/>
-              <a:t>Cards</a:t>
-            </a:r>
-          </a:p>
-        </p:txBody>
-      </p:sp>
-      <p:sp>
-        <p:nvSpPr>
-          <p:cNvPr id="3" name="Content Placeholder 2"/>
-          <p:cNvSpPr>
-            <a:spLocks noGrp="1"/>
-          </p:cNvSpPr>
-          <p:nvPr>
-            <p:ph sz="half" idx="1"/>
-          </p:nvPr>
-        </p:nvSpPr>
-        <p:spPr/>
-        <p:txBody>
-          <a:bodyPr/>
-          <a:lstStyle/>
-          <a:p>
-            <a:pPr marL="0" indent="0">
-              <a:buNone/>
-            </a:pPr>
-            <a:r>
-              <a:rPr lang="en-US" dirty="0" err="1"/>
-              <a:t>CardView</a:t>
-            </a:r>
-            <a:r>
-              <a:rPr lang="en-US" dirty="0"/>
-              <a:t> extends the </a:t>
-            </a:r>
-            <a:r>
-              <a:rPr lang="en-US" dirty="0" err="1"/>
-              <a:t>FrameLayout</a:t>
-            </a:r>
-            <a:r>
-              <a:rPr lang="en-US" dirty="0"/>
-              <a:t> class and lets you show information inside cards that have a consistent look across the platform. </a:t>
-            </a:r>
-            <a:r>
-              <a:rPr lang="en-US" dirty="0" err="1"/>
-              <a:t>CardView</a:t>
-            </a:r>
-            <a:r>
-              <a:rPr lang="en-US" dirty="0"/>
-              <a:t> widgets can have shadows and rounded corners.</a:t>
-            </a:r>
-          </a:p>
-        </p:txBody>
-      </p:sp>
-      <p:pic>
-        <p:nvPicPr>
-          <p:cNvPr id="5" name="Content Placeholder 4"/>
-          <p:cNvPicPr>
-            <a:picLocks noGrp="1" noChangeAspect="1"/>
-          </p:cNvPicPr>
-          <p:nvPr>
-            <p:ph sz="half" idx="2"/>
-          </p:nvPr>
-        </p:nvPicPr>
-        <p:blipFill>
-          <a:blip r:embed="rId2"/>
-          <a:srcRect l="-26115" r="-26115"/>
-          <a:stretch>
-            <a:fillRect/>
-          </a:stretch>
-        </p:blipFill>
-        <p:spPr>
-          <a:xfrm>
-            <a:off x="4261716" y="1167076"/>
-            <a:ext cx="4808831" cy="5389143"/>
-          </a:xfrm>
-        </p:spPr>
-      </p:pic>
-    </p:spTree>
-    <p:extLst>
-      <p:ext uri="{BB962C8B-B14F-4D97-AF65-F5344CB8AC3E}">
-        <p14:creationId xmlns:p14="http://schemas.microsoft.com/office/powerpoint/2010/main" val="4179464225"/>
-      </p:ext>
-    </p:extLst>
-  </p:cSld>
-  <p:clrMapOvr>
-    <a:masterClrMapping/>
-  </p:clrMapOvr>
-</p:sld>
-</file>
-
-<file path=ppt/slides/slide9.xml><?xml version="1.0" encoding="utf-8"?>
-<p:sld xmlns:a="http://schemas.openxmlformats.org/drawingml/2006/main" xmlns:r="http://schemas.openxmlformats.org/officeDocument/2006/relationships" xmlns:p="http://schemas.openxmlformats.org/presentationml/2006/main">
-  <p:cSld>
-    <p:spTree>
-      <p:nvGrpSpPr>
-        <p:cNvPr id="1" name=""/>
-        <p:cNvGrpSpPr/>
-        <p:nvPr/>
-      </p:nvGrpSpPr>
-      <p:grpSpPr>
-        <a:xfrm>
-          <a:off x="0" y="0"/>
-          <a:ext cx="0" cy="0"/>
-          <a:chOff x="0" y="0"/>
-          <a:chExt cx="0" cy="0"/>
-        </a:xfrm>
-      </p:grpSpPr>
-      <p:sp>
-        <p:nvSpPr>
-          <p:cNvPr id="5" name="Title 4"/>
-          <p:cNvSpPr>
-            <a:spLocks noGrp="1"/>
-          </p:cNvSpPr>
-          <p:nvPr>
-            <p:ph type="title"/>
-          </p:nvPr>
-        </p:nvSpPr>
-        <p:spPr/>
-        <p:txBody>
-          <a:bodyPr/>
-          <a:lstStyle/>
-          <a:p>
-            <a:r>
-              <a:rPr lang="en-US" dirty="0"/>
-              <a:t>Elevation: Shadows and Movement</a:t>
-            </a:r>
-          </a:p>
-        </p:txBody>
-      </p:sp>
-      <p:sp>
-        <p:nvSpPr>
-          <p:cNvPr id="6" name="Content Placeholder 5"/>
-          <p:cNvSpPr>
-            <a:spLocks noGrp="1"/>
-          </p:cNvSpPr>
-          <p:nvPr>
-            <p:ph idx="1"/>
-          </p:nvPr>
-        </p:nvSpPr>
-        <p:spPr/>
-        <p:txBody>
-          <a:bodyPr>
-            <a:normAutofit fontScale="85000" lnSpcReduction="10000"/>
-          </a:bodyPr>
-          <a:lstStyle/>
-          <a:p>
-            <a:pPr marL="0" indent="0">
-              <a:buNone/>
-            </a:pPr>
-            <a:r>
-              <a:rPr lang="en-US" dirty="0"/>
-              <a:t>Material design introduces elevation for UI elements. </a:t>
-            </a:r>
-          </a:p>
-          <a:p>
-            <a:r>
-              <a:rPr lang="en-US" dirty="0"/>
-              <a:t>Elevation helps users understand the relative importance of each element</a:t>
-            </a:r>
-          </a:p>
-          <a:p>
-            <a:r>
-              <a:rPr lang="en-US" dirty="0"/>
-              <a:t>The elevation of a view, represented by the Z property, determines the visual appearance of its shadow</a:t>
-            </a:r>
-          </a:p>
-          <a:p>
-            <a:pPr lvl="1"/>
-            <a:r>
-              <a:rPr lang="en-US" dirty="0"/>
-              <a:t>Views with higher Z values cast larger, softer shadows</a:t>
-            </a:r>
-          </a:p>
-          <a:p>
-            <a:pPr lvl="1"/>
-            <a:r>
-              <a:rPr lang="en-US" dirty="0"/>
-              <a:t>Views with higher Z values occlude views with lower Z values</a:t>
-            </a:r>
-          </a:p>
-          <a:p>
-            <a:r>
-              <a:rPr lang="en-US" dirty="0"/>
-              <a:t>Elevation can be used to create animations where widgets temporarily rise above the view plane when performing some action.</a:t>
-            </a:r>
-          </a:p>
-        </p:txBody>
-      </p:sp>
-    </p:spTree>
-    <p:extLst>
-      <p:ext uri="{BB962C8B-B14F-4D97-AF65-F5344CB8AC3E}">
-        <p14:creationId xmlns:p14="http://schemas.microsoft.com/office/powerpoint/2010/main" val="3196178850"/>
       </p:ext>
     </p:extLst>
   </p:cSld>
